--- a/report/soict_datn.pptx
+++ b/report/soict_datn.pptx
@@ -5,29 +5,32 @@
     <p:sldMasterId id="2147483658" r:id="rId1"/>
   </p:sldMasterIdLst>
   <p:notesMasterIdLst>
-    <p:notesMasterId r:id="rId19"/>
+    <p:notesMasterId r:id="rId22"/>
   </p:notesMasterIdLst>
   <p:handoutMasterIdLst>
-    <p:handoutMasterId r:id="rId20"/>
+    <p:handoutMasterId r:id="rId23"/>
   </p:handoutMasterIdLst>
   <p:sldIdLst>
     <p:sldId id="270" r:id="rId2"/>
     <p:sldId id="271" r:id="rId3"/>
-    <p:sldId id="265" r:id="rId4"/>
+    <p:sldId id="257" r:id="rId4"/>
     <p:sldId id="272" r:id="rId5"/>
     <p:sldId id="261" r:id="rId6"/>
-    <p:sldId id="266" r:id="rId7"/>
-    <p:sldId id="273" r:id="rId8"/>
-    <p:sldId id="268" r:id="rId9"/>
-    <p:sldId id="275" r:id="rId10"/>
-    <p:sldId id="274" r:id="rId11"/>
-    <p:sldId id="276" r:id="rId12"/>
-    <p:sldId id="277" r:id="rId13"/>
-    <p:sldId id="278" r:id="rId14"/>
-    <p:sldId id="279" r:id="rId15"/>
-    <p:sldId id="269" r:id="rId16"/>
-    <p:sldId id="267" r:id="rId17"/>
-    <p:sldId id="257" r:id="rId18"/>
+    <p:sldId id="265" r:id="rId7"/>
+    <p:sldId id="266" r:id="rId8"/>
+    <p:sldId id="273" r:id="rId9"/>
+    <p:sldId id="268" r:id="rId10"/>
+    <p:sldId id="280" r:id="rId11"/>
+    <p:sldId id="275" r:id="rId12"/>
+    <p:sldId id="281" r:id="rId13"/>
+    <p:sldId id="282" r:id="rId14"/>
+    <p:sldId id="283" r:id="rId15"/>
+    <p:sldId id="284" r:id="rId16"/>
+    <p:sldId id="274" r:id="rId17"/>
+    <p:sldId id="278" r:id="rId18"/>
+    <p:sldId id="279" r:id="rId19"/>
+    <p:sldId id="269" r:id="rId20"/>
+    <p:sldId id="267" r:id="rId21"/>
   </p:sldIdLst>
   <p:sldSz cx="9144000" cy="6858000" type="screen4x3"/>
   <p:notesSz cx="6858000" cy="9144000"/>
@@ -228,7 +231,7 @@
           <a:p>
             <a:fld id="{48B45424-6BAC-416C-8F6C-5F9DE854A36B}" type="datetimeFigureOut">
               <a:rPr lang="en-US" smtClean="0"/>
-              <a:t>1/22/2024</a:t>
+              <a:t>2/2/2024</a:t>
             </a:fld>
             <a:endParaRPr lang="en-US"/>
           </a:p>
@@ -406,7 +409,7 @@
           <a:p>
             <a:fld id="{6B733702-C25A-40B9-9167-54BAA79B29B0}" type="datetimeFigureOut">
               <a:rPr lang="en-US" smtClean="0"/>
-              <a:t>1/22/2024</a:t>
+              <a:t>2/2/2024</a:t>
             </a:fld>
             <a:endParaRPr lang="en-US"/>
           </a:p>
@@ -927,7 +930,7 @@
             <a:fld id="{F70EAA40-3A53-4A3D-924A-D38F1059C7D5}" type="datetime1">
               <a:rPr lang="en-US" smtClean="0"/>
               <a:pPr/>
-              <a:t>1/22/2024</a:t>
+              <a:t>2/2/2024</a:t>
             </a:fld>
             <a:endParaRPr lang="en-US"/>
           </a:p>
@@ -1261,7 +1264,7 @@
             <a:fld id="{F70EAA40-3A53-4A3D-924A-D38F1059C7D5}" type="datetime1">
               <a:rPr lang="en-US" smtClean="0"/>
               <a:pPr/>
-              <a:t>1/22/2024</a:t>
+              <a:t>2/2/2024</a:t>
             </a:fld>
             <a:endParaRPr lang="en-US"/>
           </a:p>
@@ -1696,7 +1699,7 @@
             <a:fld id="{F70EAA40-3A53-4A3D-924A-D38F1059C7D5}" type="datetime1">
               <a:rPr lang="en-US" smtClean="0"/>
               <a:pPr/>
-              <a:t>1/22/2024</a:t>
+              <a:t>2/2/2024</a:t>
             </a:fld>
             <a:endParaRPr lang="en-US"/>
           </a:p>
@@ -2180,7 +2183,7 @@
             <a:fld id="{F70EAA40-3A53-4A3D-924A-D38F1059C7D5}" type="datetime1">
               <a:rPr lang="en-US" smtClean="0"/>
               <a:pPr/>
-              <a:t>1/22/2024</a:t>
+              <a:t>2/2/2024</a:t>
             </a:fld>
             <a:endParaRPr lang="en-US"/>
           </a:p>
@@ -2615,7 +2618,7 @@
             <a:fld id="{F70EAA40-3A53-4A3D-924A-D38F1059C7D5}" type="datetime1">
               <a:rPr lang="en-US" smtClean="0"/>
               <a:pPr/>
-              <a:t>1/22/2024</a:t>
+              <a:t>2/2/2024</a:t>
             </a:fld>
             <a:endParaRPr lang="en-US"/>
           </a:p>
@@ -2803,7 +2806,7 @@
             <a:fld id="{F70EAA40-3A53-4A3D-924A-D38F1059C7D5}" type="datetime1">
               <a:rPr lang="en-US" smtClean="0"/>
               <a:pPr/>
-              <a:t>1/22/2024</a:t>
+              <a:t>2/2/2024</a:t>
             </a:fld>
             <a:endParaRPr lang="en-US"/>
           </a:p>
@@ -3319,7 +3322,7 @@
           <a:p>
             <a:r>
               <a:rPr lang="vi-VN" dirty="0"/>
-              <a:t>Ưu điểm </a:t>
+              <a:t>3. Xây dựng và thiết kế -  Chức năng chính </a:t>
             </a:r>
             <a:endParaRPr lang="en-US" dirty="0"/>
           </a:p>
@@ -3360,7 +3363,7 @@
           <p:cNvPr id="6" name="Hộp Văn bản 5">
             <a:extLst>
               <a:ext uri="{FF2B5EF4-FFF2-40B4-BE49-F238E27FC236}">
-                <a16:creationId xmlns:a16="http://schemas.microsoft.com/office/drawing/2014/main" id="{678CF59B-5BDB-303A-1B49-A0556D01DC9F}"/>
+                <a16:creationId xmlns:a16="http://schemas.microsoft.com/office/drawing/2014/main" id="{98D06D71-9FD5-58E1-EED7-DF46A1422898}"/>
               </a:ext>
             </a:extLst>
           </p:cNvPr>
@@ -3369,8 +3372,58 @@
         </p:nvSpPr>
         <p:spPr>
           <a:xfrm>
-            <a:off x="702365" y="1364974"/>
-            <a:ext cx="4744278" cy="646331"/>
+            <a:off x="235077" y="1525897"/>
+            <a:ext cx="2464904" cy="369332"/>
+          </a:xfrm>
+          <a:prstGeom prst="rect">
+            <a:avLst/>
+          </a:prstGeom>
+        </p:spPr>
+        <p:style>
+          <a:lnRef idx="2">
+            <a:schemeClr val="accent1">
+              <a:shade val="15000"/>
+            </a:schemeClr>
+          </a:lnRef>
+          <a:fillRef idx="1">
+            <a:schemeClr val="accent1"/>
+          </a:fillRef>
+          <a:effectRef idx="0">
+            <a:schemeClr val="accent1"/>
+          </a:effectRef>
+          <a:fontRef idx="minor">
+            <a:schemeClr val="lt1"/>
+          </a:fontRef>
+        </p:style>
+        <p:txBody>
+          <a:bodyPr wrap="square" rtlCol="0">
+            <a:spAutoFit/>
+          </a:bodyPr>
+          <a:lstStyle/>
+          <a:p>
+            <a:r>
+              <a:rPr lang="vi-VN" dirty="0"/>
+              <a:t>Quản lí tin đăng</a:t>
+            </a:r>
+          </a:p>
+        </p:txBody>
+      </p:sp>
+      <p:sp>
+        <p:nvSpPr>
+          <p:cNvPr id="7" name="Hộp Văn bản 6">
+            <a:extLst>
+              <a:ext uri="{FF2B5EF4-FFF2-40B4-BE49-F238E27FC236}">
+                <a16:creationId xmlns:a16="http://schemas.microsoft.com/office/drawing/2014/main" id="{EBBCB946-79A2-5A83-97B0-3C8C2AB17522}"/>
+              </a:ext>
+            </a:extLst>
+          </p:cNvPr>
+          <p:cNvSpPr txBox="1"/>
+          <p:nvPr/>
+        </p:nvSpPr>
+        <p:spPr>
+          <a:xfrm>
+            <a:off x="3165056" y="1417234"/>
+            <a:ext cx="4731027" cy="369332"/>
           </a:xfrm>
           <a:prstGeom prst="rect">
             <a:avLst/>
@@ -3397,32 +3450,18 @@
           <a:lstStyle/>
           <a:p>
             <a:r>
-              <a:rPr lang="vi-VN" b="1" i="0" dirty="0">
-                <a:effectLst/>
-                <a:latin typeface="Söhne"/>
-              </a:rPr>
-              <a:t>Dễ Sử Dụng:</a:t>
-            </a:r>
-            <a:r>
-              <a:rPr lang="vi-VN" b="0" i="0" dirty="0">
-                <a:solidFill>
-                  <a:srgbClr val="374151"/>
-                </a:solidFill>
-                <a:effectLst/>
-                <a:latin typeface="Söhne"/>
-              </a:rPr>
-              <a:t> Giao diện thân thiện, dễ sử dụng cho cả người dùng mới.</a:t>
-            </a:r>
-            <a:endParaRPr lang="vi-VN" dirty="0"/>
+              <a:rPr lang="vi-VN" dirty="0"/>
+              <a:t>Sửa , xóa tin đã đăng </a:t>
+            </a:r>
           </a:p>
         </p:txBody>
       </p:sp>
       <p:sp>
         <p:nvSpPr>
-          <p:cNvPr id="7" name="Hộp Văn bản 6">
-            <a:extLst>
-              <a:ext uri="{FF2B5EF4-FFF2-40B4-BE49-F238E27FC236}">
-                <a16:creationId xmlns:a16="http://schemas.microsoft.com/office/drawing/2014/main" id="{AB74B007-09C1-BE20-4F2A-2EDBD72C0F66}"/>
+          <p:cNvPr id="9" name="Hộp Văn bản 8">
+            <a:extLst>
+              <a:ext uri="{FF2B5EF4-FFF2-40B4-BE49-F238E27FC236}">
+                <a16:creationId xmlns:a16="http://schemas.microsoft.com/office/drawing/2014/main" id="{563BE4E8-9827-EEDD-2B31-9BFCFA68AEE9}"/>
               </a:ext>
             </a:extLst>
           </p:cNvPr>
@@ -3431,8 +3470,72 @@
         </p:nvSpPr>
         <p:spPr>
           <a:xfrm>
-            <a:off x="702365" y="3224760"/>
-            <a:ext cx="4744278" cy="646331"/>
+            <a:off x="274833" y="3389764"/>
+            <a:ext cx="2557669" cy="923330"/>
+          </a:xfrm>
+          <a:prstGeom prst="rect">
+            <a:avLst/>
+          </a:prstGeom>
+        </p:spPr>
+        <p:style>
+          <a:lnRef idx="2">
+            <a:schemeClr val="accent1">
+              <a:shade val="15000"/>
+            </a:schemeClr>
+          </a:lnRef>
+          <a:fillRef idx="1">
+            <a:schemeClr val="accent1"/>
+          </a:fillRef>
+          <a:effectRef idx="0">
+            <a:schemeClr val="accent1"/>
+          </a:effectRef>
+          <a:fontRef idx="minor">
+            <a:schemeClr val="lt1"/>
+          </a:fontRef>
+        </p:style>
+        <p:txBody>
+          <a:bodyPr wrap="square" rtlCol="0">
+            <a:spAutoFit/>
+          </a:bodyPr>
+          <a:lstStyle/>
+          <a:p>
+            <a:r>
+              <a:rPr lang="vi-VN" dirty="0"/>
+              <a:t>Quản lí người dùng và bài đăng </a:t>
+            </a:r>
+          </a:p>
+          <a:p>
+            <a:r>
+              <a:rPr lang="vi-VN" dirty="0"/>
+              <a:t>(</a:t>
+            </a:r>
+            <a:r>
+              <a:rPr lang="vi-VN" dirty="0" err="1"/>
+              <a:t>Admin</a:t>
+            </a:r>
+            <a:r>
+              <a:rPr lang="vi-VN" dirty="0"/>
+              <a:t>)</a:t>
+            </a:r>
+          </a:p>
+        </p:txBody>
+      </p:sp>
+      <p:sp>
+        <p:nvSpPr>
+          <p:cNvPr id="10" name="Hộp Văn bản 9">
+            <a:extLst>
+              <a:ext uri="{FF2B5EF4-FFF2-40B4-BE49-F238E27FC236}">
+                <a16:creationId xmlns:a16="http://schemas.microsoft.com/office/drawing/2014/main" id="{0C3B0CBD-0748-3007-62C7-770A971103B2}"/>
+              </a:ext>
+            </a:extLst>
+          </p:cNvPr>
+          <p:cNvSpPr txBox="1"/>
+          <p:nvPr/>
+        </p:nvSpPr>
+        <p:spPr>
+          <a:xfrm>
+            <a:off x="3244569" y="2638011"/>
+            <a:ext cx="4187687" cy="369332"/>
           </a:xfrm>
           <a:prstGeom prst="rect">
             <a:avLst/>
@@ -3442,14 +3545,14 @@
           <a:lnRef idx="1">
             <a:schemeClr val="accent6"/>
           </a:lnRef>
-          <a:fillRef idx="2">
+          <a:fillRef idx="3">
             <a:schemeClr val="accent6"/>
           </a:fillRef>
-          <a:effectRef idx="1">
+          <a:effectRef idx="2">
             <a:schemeClr val="accent6"/>
           </a:effectRef>
           <a:fontRef idx="minor">
-            <a:schemeClr val="dk1"/>
+            <a:schemeClr val="lt1"/>
           </a:fontRef>
         </p:style>
         <p:txBody>
@@ -3459,36 +3562,857 @@
           <a:lstStyle/>
           <a:p>
             <a:r>
-              <a:rPr lang="vi-VN" b="1" i="0" dirty="0">
-                <a:effectLst/>
-                <a:latin typeface="Söhne"/>
-              </a:rPr>
-              <a:t>Tính Linh Hoạt:</a:t>
-            </a:r>
-            <a:r>
-              <a:rPr lang="vi-VN" b="0" i="0" dirty="0">
-                <a:solidFill>
-                  <a:srgbClr val="374151"/>
-                </a:solidFill>
-                <a:effectLst/>
-                <a:latin typeface="Söhne"/>
-              </a:rPr>
-              <a:t> Đáp ứng đa dạng nhu cầu của người thuê và chủ nhà.</a:t>
-            </a:r>
-            <a:endParaRPr lang="vi-VN" dirty="0"/>
+              <a:rPr lang="vi-VN" dirty="0"/>
+              <a:t>Quản lý , phân quyền người dùng </a:t>
+            </a:r>
+          </a:p>
+        </p:txBody>
+      </p:sp>
+      <p:sp>
+        <p:nvSpPr>
+          <p:cNvPr id="11" name="Hộp Văn bản 10">
+            <a:extLst>
+              <a:ext uri="{FF2B5EF4-FFF2-40B4-BE49-F238E27FC236}">
+                <a16:creationId xmlns:a16="http://schemas.microsoft.com/office/drawing/2014/main" id="{2D48EB97-ADB3-ECBE-D266-029BD2DF5446}"/>
+              </a:ext>
+            </a:extLst>
+          </p:cNvPr>
+          <p:cNvSpPr txBox="1"/>
+          <p:nvPr/>
+        </p:nvSpPr>
+        <p:spPr>
+          <a:xfrm>
+            <a:off x="235077" y="5068965"/>
+            <a:ext cx="2557669" cy="646331"/>
+          </a:xfrm>
+          <a:prstGeom prst="rect">
+            <a:avLst/>
+          </a:prstGeom>
+        </p:spPr>
+        <p:style>
+          <a:lnRef idx="2">
+            <a:schemeClr val="accent1">
+              <a:shade val="15000"/>
+            </a:schemeClr>
+          </a:lnRef>
+          <a:fillRef idx="1">
+            <a:schemeClr val="accent1"/>
+          </a:fillRef>
+          <a:effectRef idx="0">
+            <a:schemeClr val="accent1"/>
+          </a:effectRef>
+          <a:fontRef idx="minor">
+            <a:schemeClr val="lt1"/>
+          </a:fontRef>
+        </p:style>
+        <p:txBody>
+          <a:bodyPr wrap="square" rtlCol="0">
+            <a:spAutoFit/>
+          </a:bodyPr>
+          <a:lstStyle/>
+          <a:p>
+            <a:r>
+              <a:rPr lang="vi-VN" dirty="0"/>
+              <a:t>Quản lí  thông tin cá nhân </a:t>
+            </a:r>
+          </a:p>
+        </p:txBody>
+      </p:sp>
+      <p:sp>
+        <p:nvSpPr>
+          <p:cNvPr id="12" name="Hộp Văn bản 11">
+            <a:extLst>
+              <a:ext uri="{FF2B5EF4-FFF2-40B4-BE49-F238E27FC236}">
+                <a16:creationId xmlns:a16="http://schemas.microsoft.com/office/drawing/2014/main" id="{862F4887-A568-6E8A-60BC-3CCDD6031DB6}"/>
+              </a:ext>
+            </a:extLst>
+          </p:cNvPr>
+          <p:cNvSpPr txBox="1"/>
+          <p:nvPr/>
+        </p:nvSpPr>
+        <p:spPr>
+          <a:xfrm>
+            <a:off x="3233529" y="5190645"/>
+            <a:ext cx="4081670" cy="369332"/>
+          </a:xfrm>
+          <a:prstGeom prst="rect">
+            <a:avLst/>
+          </a:prstGeom>
+        </p:spPr>
+        <p:style>
+          <a:lnRef idx="1">
+            <a:schemeClr val="accent6"/>
+          </a:lnRef>
+          <a:fillRef idx="3">
+            <a:schemeClr val="accent6"/>
+          </a:fillRef>
+          <a:effectRef idx="2">
+            <a:schemeClr val="accent6"/>
+          </a:effectRef>
+          <a:fontRef idx="minor">
+            <a:schemeClr val="lt1"/>
+          </a:fontRef>
+        </p:style>
+        <p:txBody>
+          <a:bodyPr wrap="square" rtlCol="0">
+            <a:spAutoFit/>
+          </a:bodyPr>
+          <a:lstStyle/>
+          <a:p>
+            <a:r>
+              <a:rPr lang="vi-VN" dirty="0"/>
+              <a:t>Chỉnh sửa thông tin cá nhân </a:t>
+            </a:r>
+          </a:p>
+        </p:txBody>
+      </p:sp>
+      <p:sp>
+        <p:nvSpPr>
+          <p:cNvPr id="3" name="Hộp Văn bản 2">
+            <a:extLst>
+              <a:ext uri="{FF2B5EF4-FFF2-40B4-BE49-F238E27FC236}">
+                <a16:creationId xmlns:a16="http://schemas.microsoft.com/office/drawing/2014/main" id="{54323692-DE09-D976-8364-03EFCF87031B}"/>
+              </a:ext>
+            </a:extLst>
+          </p:cNvPr>
+          <p:cNvSpPr txBox="1"/>
+          <p:nvPr/>
+        </p:nvSpPr>
+        <p:spPr>
+          <a:xfrm>
+            <a:off x="3244569" y="3258642"/>
+            <a:ext cx="4187687" cy="369332"/>
+          </a:xfrm>
+          <a:prstGeom prst="rect">
+            <a:avLst/>
+          </a:prstGeom>
+        </p:spPr>
+        <p:style>
+          <a:lnRef idx="1">
+            <a:schemeClr val="accent6"/>
+          </a:lnRef>
+          <a:fillRef idx="3">
+            <a:schemeClr val="accent6"/>
+          </a:fillRef>
+          <a:effectRef idx="2">
+            <a:schemeClr val="accent6"/>
+          </a:effectRef>
+          <a:fontRef idx="minor">
+            <a:schemeClr val="lt1"/>
+          </a:fontRef>
+        </p:style>
+        <p:txBody>
+          <a:bodyPr wrap="square" rtlCol="0">
+            <a:spAutoFit/>
+          </a:bodyPr>
+          <a:lstStyle/>
+          <a:p>
+            <a:r>
+              <a:rPr lang="vi-VN" dirty="0"/>
+              <a:t>Xử lí bài viết vi phạm  </a:t>
+            </a:r>
+          </a:p>
+        </p:txBody>
+      </p:sp>
+      <p:sp>
+        <p:nvSpPr>
+          <p:cNvPr id="4" name="Hộp Văn bản 3">
+            <a:extLst>
+              <a:ext uri="{FF2B5EF4-FFF2-40B4-BE49-F238E27FC236}">
+                <a16:creationId xmlns:a16="http://schemas.microsoft.com/office/drawing/2014/main" id="{A88C39F4-036A-A1CE-992F-94A4EC4E9865}"/>
+              </a:ext>
+            </a:extLst>
+          </p:cNvPr>
+          <p:cNvSpPr txBox="1"/>
+          <p:nvPr/>
+        </p:nvSpPr>
+        <p:spPr>
+          <a:xfrm>
+            <a:off x="3244569" y="3949382"/>
+            <a:ext cx="4187687" cy="369332"/>
+          </a:xfrm>
+          <a:prstGeom prst="rect">
+            <a:avLst/>
+          </a:prstGeom>
+        </p:spPr>
+        <p:style>
+          <a:lnRef idx="1">
+            <a:schemeClr val="accent6"/>
+          </a:lnRef>
+          <a:fillRef idx="3">
+            <a:schemeClr val="accent6"/>
+          </a:fillRef>
+          <a:effectRef idx="2">
+            <a:schemeClr val="accent6"/>
+          </a:effectRef>
+          <a:fontRef idx="minor">
+            <a:schemeClr val="lt1"/>
+          </a:fontRef>
+        </p:style>
+        <p:txBody>
+          <a:bodyPr wrap="square" rtlCol="0">
+            <a:spAutoFit/>
+          </a:bodyPr>
+          <a:lstStyle/>
+          <a:p>
+            <a:r>
+              <a:rPr lang="vi-VN" dirty="0"/>
+              <a:t>Gia hạn bài viết người dùng </a:t>
+            </a:r>
           </a:p>
         </p:txBody>
       </p:sp>
     </p:spTree>
     <p:extLst>
       <p:ext uri="{BB962C8B-B14F-4D97-AF65-F5344CB8AC3E}">
-        <p14:creationId xmlns:p14="http://schemas.microsoft.com/office/powerpoint/2010/main" val="2816281676"/>
+        <p14:creationId xmlns:p14="http://schemas.microsoft.com/office/powerpoint/2010/main" val="107253450"/>
       </p:ext>
     </p:extLst>
   </p:cSld>
   <p:clrMapOvr>
     <a:masterClrMapping/>
   </p:clrMapOvr>
+  <p:timing>
+    <p:tnLst>
+      <p:par>
+        <p:cTn id="1" dur="indefinite" restart="never" nodeType="tmRoot">
+          <p:childTnLst>
+            <p:seq concurrent="1" nextAc="seek">
+              <p:cTn id="2" dur="indefinite" nodeType="mainSeq">
+                <p:childTnLst>
+                  <p:par>
+                    <p:cTn id="3" fill="hold">
+                      <p:stCondLst>
+                        <p:cond delay="indefinite"/>
+                      </p:stCondLst>
+                      <p:childTnLst>
+                        <p:par>
+                          <p:cTn id="4" fill="hold">
+                            <p:stCondLst>
+                              <p:cond delay="0"/>
+                            </p:stCondLst>
+                            <p:childTnLst>
+                              <p:par>
+                                <p:cTn id="5" presetID="1" presetClass="entr" presetSubtype="0" fill="hold" grpId="0" nodeType="clickEffect">
+                                  <p:stCondLst>
+                                    <p:cond delay="0"/>
+                                  </p:stCondLst>
+                                  <p:childTnLst>
+                                    <p:set>
+                                      <p:cBhvr>
+                                        <p:cTn id="6" dur="1" fill="hold">
+                                          <p:stCondLst>
+                                            <p:cond delay="0"/>
+                                          </p:stCondLst>
+                                        </p:cTn>
+                                        <p:tgtEl>
+                                          <p:spTgt spid="6"/>
+                                        </p:tgtEl>
+                                        <p:attrNameLst>
+                                          <p:attrName>style.visibility</p:attrName>
+                                        </p:attrNameLst>
+                                      </p:cBhvr>
+                                      <p:to>
+                                        <p:strVal val="visible"/>
+                                      </p:to>
+                                    </p:set>
+                                  </p:childTnLst>
+                                </p:cTn>
+                              </p:par>
+                            </p:childTnLst>
+                          </p:cTn>
+                        </p:par>
+                      </p:childTnLst>
+                    </p:cTn>
+                  </p:par>
+                  <p:par>
+                    <p:cTn id="7" fill="hold">
+                      <p:stCondLst>
+                        <p:cond delay="indefinite"/>
+                      </p:stCondLst>
+                      <p:childTnLst>
+                        <p:par>
+                          <p:cTn id="8" fill="hold">
+                            <p:stCondLst>
+                              <p:cond delay="0"/>
+                            </p:stCondLst>
+                            <p:childTnLst>
+                              <p:par>
+                                <p:cTn id="9" presetID="1" presetClass="entr" presetSubtype="0" fill="hold" grpId="0" nodeType="clickEffect">
+                                  <p:stCondLst>
+                                    <p:cond delay="0"/>
+                                  </p:stCondLst>
+                                  <p:childTnLst>
+                                    <p:set>
+                                      <p:cBhvr>
+                                        <p:cTn id="10" dur="1" fill="hold">
+                                          <p:stCondLst>
+                                            <p:cond delay="0"/>
+                                          </p:stCondLst>
+                                        </p:cTn>
+                                        <p:tgtEl>
+                                          <p:spTgt spid="7"/>
+                                        </p:tgtEl>
+                                        <p:attrNameLst>
+                                          <p:attrName>style.visibility</p:attrName>
+                                        </p:attrNameLst>
+                                      </p:cBhvr>
+                                      <p:to>
+                                        <p:strVal val="visible"/>
+                                      </p:to>
+                                    </p:set>
+                                  </p:childTnLst>
+                                </p:cTn>
+                              </p:par>
+                            </p:childTnLst>
+                          </p:cTn>
+                        </p:par>
+                      </p:childTnLst>
+                    </p:cTn>
+                  </p:par>
+                  <p:par>
+                    <p:cTn id="11" fill="hold">
+                      <p:stCondLst>
+                        <p:cond delay="indefinite"/>
+                      </p:stCondLst>
+                      <p:childTnLst>
+                        <p:par>
+                          <p:cTn id="12" fill="hold">
+                            <p:stCondLst>
+                              <p:cond delay="0"/>
+                            </p:stCondLst>
+                            <p:childTnLst>
+                              <p:par>
+                                <p:cTn id="13" presetID="1" presetClass="entr" presetSubtype="0" fill="hold" grpId="0" nodeType="clickEffect">
+                                  <p:stCondLst>
+                                    <p:cond delay="0"/>
+                                  </p:stCondLst>
+                                  <p:childTnLst>
+                                    <p:set>
+                                      <p:cBhvr>
+                                        <p:cTn id="14" dur="1" fill="hold">
+                                          <p:stCondLst>
+                                            <p:cond delay="0"/>
+                                          </p:stCondLst>
+                                        </p:cTn>
+                                        <p:tgtEl>
+                                          <p:spTgt spid="9"/>
+                                        </p:tgtEl>
+                                        <p:attrNameLst>
+                                          <p:attrName>style.visibility</p:attrName>
+                                        </p:attrNameLst>
+                                      </p:cBhvr>
+                                      <p:to>
+                                        <p:strVal val="visible"/>
+                                      </p:to>
+                                    </p:set>
+                                  </p:childTnLst>
+                                </p:cTn>
+                              </p:par>
+                            </p:childTnLst>
+                          </p:cTn>
+                        </p:par>
+                      </p:childTnLst>
+                    </p:cTn>
+                  </p:par>
+                  <p:par>
+                    <p:cTn id="15" fill="hold">
+                      <p:stCondLst>
+                        <p:cond delay="indefinite"/>
+                      </p:stCondLst>
+                      <p:childTnLst>
+                        <p:par>
+                          <p:cTn id="16" fill="hold">
+                            <p:stCondLst>
+                              <p:cond delay="0"/>
+                            </p:stCondLst>
+                            <p:childTnLst>
+                              <p:par>
+                                <p:cTn id="17" presetID="2" presetClass="entr" presetSubtype="4" fill="hold" grpId="0" nodeType="clickEffect">
+                                  <p:stCondLst>
+                                    <p:cond delay="0"/>
+                                  </p:stCondLst>
+                                  <p:childTnLst>
+                                    <p:set>
+                                      <p:cBhvr>
+                                        <p:cTn id="18" dur="1" fill="hold">
+                                          <p:stCondLst>
+                                            <p:cond delay="0"/>
+                                          </p:stCondLst>
+                                        </p:cTn>
+                                        <p:tgtEl>
+                                          <p:spTgt spid="10"/>
+                                        </p:tgtEl>
+                                        <p:attrNameLst>
+                                          <p:attrName>style.visibility</p:attrName>
+                                        </p:attrNameLst>
+                                      </p:cBhvr>
+                                      <p:to>
+                                        <p:strVal val="visible"/>
+                                      </p:to>
+                                    </p:set>
+                                    <p:anim calcmode="lin" valueType="num">
+                                      <p:cBhvr additive="base">
+                                        <p:cTn id="19" dur="500" fill="hold"/>
+                                        <p:tgtEl>
+                                          <p:spTgt spid="10"/>
+                                        </p:tgtEl>
+                                        <p:attrNameLst>
+                                          <p:attrName>ppt_x</p:attrName>
+                                        </p:attrNameLst>
+                                      </p:cBhvr>
+                                      <p:tavLst>
+                                        <p:tav tm="0">
+                                          <p:val>
+                                            <p:strVal val="#ppt_x"/>
+                                          </p:val>
+                                        </p:tav>
+                                        <p:tav tm="100000">
+                                          <p:val>
+                                            <p:strVal val="#ppt_x"/>
+                                          </p:val>
+                                        </p:tav>
+                                      </p:tavLst>
+                                    </p:anim>
+                                    <p:anim calcmode="lin" valueType="num">
+                                      <p:cBhvr additive="base">
+                                        <p:cTn id="20" dur="500" fill="hold"/>
+                                        <p:tgtEl>
+                                          <p:spTgt spid="10"/>
+                                        </p:tgtEl>
+                                        <p:attrNameLst>
+                                          <p:attrName>ppt_y</p:attrName>
+                                        </p:attrNameLst>
+                                      </p:cBhvr>
+                                      <p:tavLst>
+                                        <p:tav tm="0">
+                                          <p:val>
+                                            <p:strVal val="1+#ppt_h/2"/>
+                                          </p:val>
+                                        </p:tav>
+                                        <p:tav tm="100000">
+                                          <p:val>
+                                            <p:strVal val="#ppt_y"/>
+                                          </p:val>
+                                        </p:tav>
+                                      </p:tavLst>
+                                    </p:anim>
+                                  </p:childTnLst>
+                                </p:cTn>
+                              </p:par>
+                            </p:childTnLst>
+                          </p:cTn>
+                        </p:par>
+                      </p:childTnLst>
+                    </p:cTn>
+                  </p:par>
+                  <p:par>
+                    <p:cTn id="21" fill="hold">
+                      <p:stCondLst>
+                        <p:cond delay="indefinite"/>
+                      </p:stCondLst>
+                      <p:childTnLst>
+                        <p:par>
+                          <p:cTn id="22" fill="hold">
+                            <p:stCondLst>
+                              <p:cond delay="0"/>
+                            </p:stCondLst>
+                            <p:childTnLst>
+                              <p:par>
+                                <p:cTn id="23" presetID="2" presetClass="entr" presetSubtype="4" fill="hold" grpId="0" nodeType="clickEffect">
+                                  <p:stCondLst>
+                                    <p:cond delay="0"/>
+                                  </p:stCondLst>
+                                  <p:childTnLst>
+                                    <p:set>
+                                      <p:cBhvr>
+                                        <p:cTn id="24" dur="1" fill="hold">
+                                          <p:stCondLst>
+                                            <p:cond delay="0"/>
+                                          </p:stCondLst>
+                                        </p:cTn>
+                                        <p:tgtEl>
+                                          <p:spTgt spid="3"/>
+                                        </p:tgtEl>
+                                        <p:attrNameLst>
+                                          <p:attrName>style.visibility</p:attrName>
+                                        </p:attrNameLst>
+                                      </p:cBhvr>
+                                      <p:to>
+                                        <p:strVal val="visible"/>
+                                      </p:to>
+                                    </p:set>
+                                    <p:anim calcmode="lin" valueType="num">
+                                      <p:cBhvr additive="base">
+                                        <p:cTn id="25" dur="500" fill="hold"/>
+                                        <p:tgtEl>
+                                          <p:spTgt spid="3"/>
+                                        </p:tgtEl>
+                                        <p:attrNameLst>
+                                          <p:attrName>ppt_x</p:attrName>
+                                        </p:attrNameLst>
+                                      </p:cBhvr>
+                                      <p:tavLst>
+                                        <p:tav tm="0">
+                                          <p:val>
+                                            <p:strVal val="#ppt_x"/>
+                                          </p:val>
+                                        </p:tav>
+                                        <p:tav tm="100000">
+                                          <p:val>
+                                            <p:strVal val="#ppt_x"/>
+                                          </p:val>
+                                        </p:tav>
+                                      </p:tavLst>
+                                    </p:anim>
+                                    <p:anim calcmode="lin" valueType="num">
+                                      <p:cBhvr additive="base">
+                                        <p:cTn id="26" dur="500" fill="hold"/>
+                                        <p:tgtEl>
+                                          <p:spTgt spid="3"/>
+                                        </p:tgtEl>
+                                        <p:attrNameLst>
+                                          <p:attrName>ppt_y</p:attrName>
+                                        </p:attrNameLst>
+                                      </p:cBhvr>
+                                      <p:tavLst>
+                                        <p:tav tm="0">
+                                          <p:val>
+                                            <p:strVal val="1+#ppt_h/2"/>
+                                          </p:val>
+                                        </p:tav>
+                                        <p:tav tm="100000">
+                                          <p:val>
+                                            <p:strVal val="#ppt_y"/>
+                                          </p:val>
+                                        </p:tav>
+                                      </p:tavLst>
+                                    </p:anim>
+                                  </p:childTnLst>
+                                </p:cTn>
+                              </p:par>
+                            </p:childTnLst>
+                          </p:cTn>
+                        </p:par>
+                      </p:childTnLst>
+                    </p:cTn>
+                  </p:par>
+                  <p:par>
+                    <p:cTn id="27" fill="hold">
+                      <p:stCondLst>
+                        <p:cond delay="indefinite"/>
+                      </p:stCondLst>
+                      <p:childTnLst>
+                        <p:par>
+                          <p:cTn id="28" fill="hold">
+                            <p:stCondLst>
+                              <p:cond delay="0"/>
+                            </p:stCondLst>
+                            <p:childTnLst>
+                              <p:par>
+                                <p:cTn id="29" presetID="2" presetClass="entr" presetSubtype="4" fill="hold" grpId="0" nodeType="clickEffect">
+                                  <p:stCondLst>
+                                    <p:cond delay="0"/>
+                                  </p:stCondLst>
+                                  <p:childTnLst>
+                                    <p:set>
+                                      <p:cBhvr>
+                                        <p:cTn id="30" dur="1" fill="hold">
+                                          <p:stCondLst>
+                                            <p:cond delay="0"/>
+                                          </p:stCondLst>
+                                        </p:cTn>
+                                        <p:tgtEl>
+                                          <p:spTgt spid="4"/>
+                                        </p:tgtEl>
+                                        <p:attrNameLst>
+                                          <p:attrName>style.visibility</p:attrName>
+                                        </p:attrNameLst>
+                                      </p:cBhvr>
+                                      <p:to>
+                                        <p:strVal val="visible"/>
+                                      </p:to>
+                                    </p:set>
+                                    <p:anim calcmode="lin" valueType="num">
+                                      <p:cBhvr additive="base">
+                                        <p:cTn id="31" dur="500" fill="hold"/>
+                                        <p:tgtEl>
+                                          <p:spTgt spid="4"/>
+                                        </p:tgtEl>
+                                        <p:attrNameLst>
+                                          <p:attrName>ppt_x</p:attrName>
+                                        </p:attrNameLst>
+                                      </p:cBhvr>
+                                      <p:tavLst>
+                                        <p:tav tm="0">
+                                          <p:val>
+                                            <p:strVal val="#ppt_x"/>
+                                          </p:val>
+                                        </p:tav>
+                                        <p:tav tm="100000">
+                                          <p:val>
+                                            <p:strVal val="#ppt_x"/>
+                                          </p:val>
+                                        </p:tav>
+                                      </p:tavLst>
+                                    </p:anim>
+                                    <p:anim calcmode="lin" valueType="num">
+                                      <p:cBhvr additive="base">
+                                        <p:cTn id="32" dur="500" fill="hold"/>
+                                        <p:tgtEl>
+                                          <p:spTgt spid="4"/>
+                                        </p:tgtEl>
+                                        <p:attrNameLst>
+                                          <p:attrName>ppt_y</p:attrName>
+                                        </p:attrNameLst>
+                                      </p:cBhvr>
+                                      <p:tavLst>
+                                        <p:tav tm="0">
+                                          <p:val>
+                                            <p:strVal val="1+#ppt_h/2"/>
+                                          </p:val>
+                                        </p:tav>
+                                        <p:tav tm="100000">
+                                          <p:val>
+                                            <p:strVal val="#ppt_y"/>
+                                          </p:val>
+                                        </p:tav>
+                                      </p:tavLst>
+                                    </p:anim>
+                                  </p:childTnLst>
+                                </p:cTn>
+                              </p:par>
+                            </p:childTnLst>
+                          </p:cTn>
+                        </p:par>
+                      </p:childTnLst>
+                    </p:cTn>
+                  </p:par>
+                  <p:par>
+                    <p:cTn id="33" fill="hold">
+                      <p:stCondLst>
+                        <p:cond delay="indefinite"/>
+                      </p:stCondLst>
+                      <p:childTnLst>
+                        <p:par>
+                          <p:cTn id="34" fill="hold">
+                            <p:stCondLst>
+                              <p:cond delay="0"/>
+                            </p:stCondLst>
+                            <p:childTnLst>
+                              <p:par>
+                                <p:cTn id="35" presetID="2" presetClass="entr" presetSubtype="4" fill="hold" grpId="0" nodeType="clickEffect">
+                                  <p:stCondLst>
+                                    <p:cond delay="0"/>
+                                  </p:stCondLst>
+                                  <p:childTnLst>
+                                    <p:set>
+                                      <p:cBhvr>
+                                        <p:cTn id="36" dur="1" fill="hold">
+                                          <p:stCondLst>
+                                            <p:cond delay="0"/>
+                                          </p:stCondLst>
+                                        </p:cTn>
+                                        <p:tgtEl>
+                                          <p:spTgt spid="11"/>
+                                        </p:tgtEl>
+                                        <p:attrNameLst>
+                                          <p:attrName>style.visibility</p:attrName>
+                                        </p:attrNameLst>
+                                      </p:cBhvr>
+                                      <p:to>
+                                        <p:strVal val="visible"/>
+                                      </p:to>
+                                    </p:set>
+                                    <p:anim calcmode="lin" valueType="num">
+                                      <p:cBhvr additive="base">
+                                        <p:cTn id="37" dur="500" fill="hold"/>
+                                        <p:tgtEl>
+                                          <p:spTgt spid="11"/>
+                                        </p:tgtEl>
+                                        <p:attrNameLst>
+                                          <p:attrName>ppt_x</p:attrName>
+                                        </p:attrNameLst>
+                                      </p:cBhvr>
+                                      <p:tavLst>
+                                        <p:tav tm="0">
+                                          <p:val>
+                                            <p:strVal val="#ppt_x"/>
+                                          </p:val>
+                                        </p:tav>
+                                        <p:tav tm="100000">
+                                          <p:val>
+                                            <p:strVal val="#ppt_x"/>
+                                          </p:val>
+                                        </p:tav>
+                                      </p:tavLst>
+                                    </p:anim>
+                                    <p:anim calcmode="lin" valueType="num">
+                                      <p:cBhvr additive="base">
+                                        <p:cTn id="38" dur="500" fill="hold"/>
+                                        <p:tgtEl>
+                                          <p:spTgt spid="11"/>
+                                        </p:tgtEl>
+                                        <p:attrNameLst>
+                                          <p:attrName>ppt_y</p:attrName>
+                                        </p:attrNameLst>
+                                      </p:cBhvr>
+                                      <p:tavLst>
+                                        <p:tav tm="0">
+                                          <p:val>
+                                            <p:strVal val="1+#ppt_h/2"/>
+                                          </p:val>
+                                        </p:tav>
+                                        <p:tav tm="100000">
+                                          <p:val>
+                                            <p:strVal val="#ppt_y"/>
+                                          </p:val>
+                                        </p:tav>
+                                      </p:tavLst>
+                                    </p:anim>
+                                  </p:childTnLst>
+                                </p:cTn>
+                              </p:par>
+                            </p:childTnLst>
+                          </p:cTn>
+                        </p:par>
+                      </p:childTnLst>
+                    </p:cTn>
+                  </p:par>
+                  <p:par>
+                    <p:cTn id="39" fill="hold">
+                      <p:stCondLst>
+                        <p:cond delay="indefinite"/>
+                      </p:stCondLst>
+                      <p:childTnLst>
+                        <p:par>
+                          <p:cTn id="40" fill="hold">
+                            <p:stCondLst>
+                              <p:cond delay="0"/>
+                            </p:stCondLst>
+                            <p:childTnLst>
+                              <p:par>
+                                <p:cTn id="41" presetID="2" presetClass="entr" presetSubtype="4" fill="hold" nodeType="clickEffect">
+                                  <p:stCondLst>
+                                    <p:cond delay="0"/>
+                                  </p:stCondLst>
+                                  <p:childTnLst>
+                                    <p:set>
+                                      <p:cBhvr>
+                                        <p:cTn id="42" dur="1" fill="hold">
+                                          <p:stCondLst>
+                                            <p:cond delay="0"/>
+                                          </p:stCondLst>
+                                        </p:cTn>
+                                        <p:tgtEl>
+                                          <p:spTgt spid="12">
+                                            <p:txEl>
+                                              <p:pRg st="0" end="0"/>
+                                            </p:txEl>
+                                          </p:spTgt>
+                                        </p:tgtEl>
+                                        <p:attrNameLst>
+                                          <p:attrName>style.visibility</p:attrName>
+                                        </p:attrNameLst>
+                                      </p:cBhvr>
+                                      <p:to>
+                                        <p:strVal val="visible"/>
+                                      </p:to>
+                                    </p:set>
+                                    <p:anim calcmode="lin" valueType="num">
+                                      <p:cBhvr additive="base">
+                                        <p:cTn id="43" dur="500" fill="hold"/>
+                                        <p:tgtEl>
+                                          <p:spTgt spid="12">
+                                            <p:txEl>
+                                              <p:pRg st="0" end="0"/>
+                                            </p:txEl>
+                                          </p:spTgt>
+                                        </p:tgtEl>
+                                        <p:attrNameLst>
+                                          <p:attrName>ppt_x</p:attrName>
+                                        </p:attrNameLst>
+                                      </p:cBhvr>
+                                      <p:tavLst>
+                                        <p:tav tm="0">
+                                          <p:val>
+                                            <p:strVal val="#ppt_x"/>
+                                          </p:val>
+                                        </p:tav>
+                                        <p:tav tm="100000">
+                                          <p:val>
+                                            <p:strVal val="#ppt_x"/>
+                                          </p:val>
+                                        </p:tav>
+                                      </p:tavLst>
+                                    </p:anim>
+                                    <p:anim calcmode="lin" valueType="num">
+                                      <p:cBhvr additive="base">
+                                        <p:cTn id="44" dur="500" fill="hold"/>
+                                        <p:tgtEl>
+                                          <p:spTgt spid="12">
+                                            <p:txEl>
+                                              <p:pRg st="0" end="0"/>
+                                            </p:txEl>
+                                          </p:spTgt>
+                                        </p:tgtEl>
+                                        <p:attrNameLst>
+                                          <p:attrName>ppt_y</p:attrName>
+                                        </p:attrNameLst>
+                                      </p:cBhvr>
+                                      <p:tavLst>
+                                        <p:tav tm="0">
+                                          <p:val>
+                                            <p:strVal val="1+#ppt_h/2"/>
+                                          </p:val>
+                                        </p:tav>
+                                        <p:tav tm="100000">
+                                          <p:val>
+                                            <p:strVal val="#ppt_y"/>
+                                          </p:val>
+                                        </p:tav>
+                                      </p:tavLst>
+                                    </p:anim>
+                                  </p:childTnLst>
+                                </p:cTn>
+                              </p:par>
+                            </p:childTnLst>
+                          </p:cTn>
+                        </p:par>
+                      </p:childTnLst>
+                    </p:cTn>
+                  </p:par>
+                </p:childTnLst>
+              </p:cTn>
+              <p:prevCondLst>
+                <p:cond evt="onPrev" delay="0">
+                  <p:tgtEl>
+                    <p:sldTgt/>
+                  </p:tgtEl>
+                </p:cond>
+              </p:prevCondLst>
+              <p:nextCondLst>
+                <p:cond evt="onNext" delay="0">
+                  <p:tgtEl>
+                    <p:sldTgt/>
+                  </p:tgtEl>
+                </p:cond>
+              </p:nextCondLst>
+            </p:seq>
+          </p:childTnLst>
+        </p:cTn>
+      </p:par>
+    </p:tnLst>
+    <p:bldLst>
+      <p:bldP spid="6" grpId="0" animBg="1"/>
+      <p:bldP spid="7" grpId="0" animBg="1"/>
+      <p:bldP spid="9" grpId="0" animBg="1"/>
+      <p:bldP spid="10" grpId="0" animBg="1"/>
+      <p:bldP spid="11" grpId="0" animBg="1"/>
+      <p:bldP spid="3" grpId="0" animBg="1"/>
+      <p:bldP spid="4" grpId="0" animBg="1"/>
+    </p:bldLst>
+  </p:timing>
 </p:sld>
 </file>
 
@@ -3532,7 +4456,15 @@
           <a:p>
             <a:r>
               <a:rPr lang="vi-VN" dirty="0"/>
-              <a:t>Ưu điểm </a:t>
+              <a:t>Xây dựng và thiết kết </a:t>
+            </a:r>
+            <a:r>
+              <a:rPr lang="vi-VN" dirty="0" err="1"/>
+              <a:t>website</a:t>
+            </a:r>
+            <a:r>
+              <a:rPr lang="vi-VN" dirty="0"/>
+              <a:t> </a:t>
             </a:r>
             <a:endParaRPr lang="en-US" dirty="0"/>
           </a:p>
@@ -3568,134 +4500,46 @@
           </a:p>
         </p:txBody>
       </p:sp>
-      <p:sp>
-        <p:nvSpPr>
-          <p:cNvPr id="6" name="Hộp Văn bản 5">
-            <a:extLst>
-              <a:ext uri="{FF2B5EF4-FFF2-40B4-BE49-F238E27FC236}">
-                <a16:creationId xmlns:a16="http://schemas.microsoft.com/office/drawing/2014/main" id="{678CF59B-5BDB-303A-1B49-A0556D01DC9F}"/>
-              </a:ext>
-            </a:extLst>
-          </p:cNvPr>
-          <p:cNvSpPr txBox="1"/>
+      <p:pic>
+        <p:nvPicPr>
+          <p:cNvPr id="14" name="Hình ảnh 13" descr="Ảnh có chứa biểu đồ, văn bản, hàng, vòng tròn&#10;&#10;Mô tả được tạo tự động">
+            <a:extLst>
+              <a:ext uri="{FF2B5EF4-FFF2-40B4-BE49-F238E27FC236}">
+                <a16:creationId xmlns:a16="http://schemas.microsoft.com/office/drawing/2014/main" id="{C6276922-DFBB-D473-BE80-EE854178CCB6}"/>
+              </a:ext>
+            </a:extLst>
+          </p:cNvPr>
+          <p:cNvPicPr>
+            <a:picLocks noChangeAspect="1"/>
+          </p:cNvPicPr>
           <p:nvPr/>
-        </p:nvSpPr>
+        </p:nvPicPr>
+        <p:blipFill>
+          <a:blip r:embed="rId2">
+            <a:extLst>
+              <a:ext uri="{28A0092B-C50C-407E-A947-70E740481C1C}">
+                <a14:useLocalDpi xmlns:a14="http://schemas.microsoft.com/office/drawing/2010/main" val="0"/>
+              </a:ext>
+            </a:extLst>
+          </a:blip>
+          <a:stretch>
+            <a:fillRect/>
+          </a:stretch>
+        </p:blipFill>
         <p:spPr>
           <a:xfrm>
-            <a:off x="702365" y="1364974"/>
-            <a:ext cx="4744278" cy="646331"/>
+            <a:off x="527156" y="1084966"/>
+            <a:ext cx="7450653" cy="5117052"/>
           </a:xfrm>
           <a:prstGeom prst="rect">
             <a:avLst/>
           </a:prstGeom>
         </p:spPr>
-        <p:style>
-          <a:lnRef idx="1">
-            <a:schemeClr val="accent6"/>
-          </a:lnRef>
-          <a:fillRef idx="2">
-            <a:schemeClr val="accent6"/>
-          </a:fillRef>
-          <a:effectRef idx="1">
-            <a:schemeClr val="accent6"/>
-          </a:effectRef>
-          <a:fontRef idx="minor">
-            <a:schemeClr val="dk1"/>
-          </a:fontRef>
-        </p:style>
-        <p:txBody>
-          <a:bodyPr wrap="square" rtlCol="0">
-            <a:spAutoFit/>
-          </a:bodyPr>
-          <a:lstStyle/>
-          <a:p>
-            <a:r>
-              <a:rPr lang="vi-VN" b="1" i="0" dirty="0">
-                <a:effectLst/>
-                <a:latin typeface="Söhne"/>
-              </a:rPr>
-              <a:t>Dễ Sử Dụng:</a:t>
-            </a:r>
-            <a:r>
-              <a:rPr lang="vi-VN" b="0" i="0" dirty="0">
-                <a:solidFill>
-                  <a:srgbClr val="374151"/>
-                </a:solidFill>
-                <a:effectLst/>
-                <a:latin typeface="Söhne"/>
-              </a:rPr>
-              <a:t> Giao diện thân thiện, dễ sử dụng cho cả người dùng mới.</a:t>
-            </a:r>
-            <a:endParaRPr lang="vi-VN" dirty="0"/>
-          </a:p>
-        </p:txBody>
-      </p:sp>
-      <p:sp>
-        <p:nvSpPr>
-          <p:cNvPr id="7" name="Hộp Văn bản 6">
-            <a:extLst>
-              <a:ext uri="{FF2B5EF4-FFF2-40B4-BE49-F238E27FC236}">
-                <a16:creationId xmlns:a16="http://schemas.microsoft.com/office/drawing/2014/main" id="{AB74B007-09C1-BE20-4F2A-2EDBD72C0F66}"/>
-              </a:ext>
-            </a:extLst>
-          </p:cNvPr>
-          <p:cNvSpPr txBox="1"/>
-          <p:nvPr/>
-        </p:nvSpPr>
-        <p:spPr>
-          <a:xfrm>
-            <a:off x="702365" y="3224760"/>
-            <a:ext cx="4744278" cy="646331"/>
-          </a:xfrm>
-          <a:prstGeom prst="rect">
-            <a:avLst/>
-          </a:prstGeom>
-        </p:spPr>
-        <p:style>
-          <a:lnRef idx="1">
-            <a:schemeClr val="accent6"/>
-          </a:lnRef>
-          <a:fillRef idx="2">
-            <a:schemeClr val="accent6"/>
-          </a:fillRef>
-          <a:effectRef idx="1">
-            <a:schemeClr val="accent6"/>
-          </a:effectRef>
-          <a:fontRef idx="minor">
-            <a:schemeClr val="dk1"/>
-          </a:fontRef>
-        </p:style>
-        <p:txBody>
-          <a:bodyPr wrap="square" rtlCol="0">
-            <a:spAutoFit/>
-          </a:bodyPr>
-          <a:lstStyle/>
-          <a:p>
-            <a:r>
-              <a:rPr lang="vi-VN" b="1" i="0" dirty="0">
-                <a:effectLst/>
-                <a:latin typeface="Söhne"/>
-              </a:rPr>
-              <a:t>Tính Linh Hoạt:</a:t>
-            </a:r>
-            <a:r>
-              <a:rPr lang="vi-VN" b="0" i="0" dirty="0">
-                <a:solidFill>
-                  <a:srgbClr val="374151"/>
-                </a:solidFill>
-                <a:effectLst/>
-                <a:latin typeface="Söhne"/>
-              </a:rPr>
-              <a:t> Đáp ứng đa dạng nhu cầu của người thuê và chủ nhà.</a:t>
-            </a:r>
-            <a:endParaRPr lang="vi-VN" dirty="0"/>
-          </a:p>
-        </p:txBody>
-      </p:sp>
+      </p:pic>
     </p:spTree>
     <p:extLst>
       <p:ext uri="{BB962C8B-B14F-4D97-AF65-F5344CB8AC3E}">
-        <p14:creationId xmlns:p14="http://schemas.microsoft.com/office/powerpoint/2010/main" val="682237281"/>
+        <p14:creationId xmlns:p14="http://schemas.microsoft.com/office/powerpoint/2010/main" val="4252896376"/>
       </p:ext>
     </p:extLst>
   </p:cSld>
@@ -3745,7 +4589,15 @@
           <a:p>
             <a:r>
               <a:rPr lang="vi-VN" dirty="0"/>
-              <a:t>Ưu điểm </a:t>
+              <a:t>Xây dựng và thiết kết </a:t>
+            </a:r>
+            <a:r>
+              <a:rPr lang="vi-VN" dirty="0" err="1"/>
+              <a:t>website</a:t>
+            </a:r>
+            <a:r>
+              <a:rPr lang="vi-VN" dirty="0"/>
+              <a:t> </a:t>
             </a:r>
             <a:endParaRPr lang="en-US" dirty="0"/>
           </a:p>
@@ -3781,134 +4633,46 @@
           </a:p>
         </p:txBody>
       </p:sp>
-      <p:sp>
-        <p:nvSpPr>
-          <p:cNvPr id="6" name="Hộp Văn bản 5">
-            <a:extLst>
-              <a:ext uri="{FF2B5EF4-FFF2-40B4-BE49-F238E27FC236}">
-                <a16:creationId xmlns:a16="http://schemas.microsoft.com/office/drawing/2014/main" id="{678CF59B-5BDB-303A-1B49-A0556D01DC9F}"/>
-              </a:ext>
-            </a:extLst>
-          </p:cNvPr>
-          <p:cNvSpPr txBox="1"/>
+      <p:pic>
+        <p:nvPicPr>
+          <p:cNvPr id="7" name="Hình ảnh 6" descr="Ảnh có chứa văn bản, biểu đồ, Kế hoạch, Song song">
+            <a:extLst>
+              <a:ext uri="{FF2B5EF4-FFF2-40B4-BE49-F238E27FC236}">
+                <a16:creationId xmlns:a16="http://schemas.microsoft.com/office/drawing/2014/main" id="{C81DFD4F-1F87-7075-A449-7F8DD55599A6}"/>
+              </a:ext>
+            </a:extLst>
+          </p:cNvPr>
+          <p:cNvPicPr>
+            <a:picLocks noChangeAspect="1"/>
+          </p:cNvPicPr>
           <p:nvPr/>
-        </p:nvSpPr>
+        </p:nvPicPr>
+        <p:blipFill>
+          <a:blip r:embed="rId2">
+            <a:extLst>
+              <a:ext uri="{28A0092B-C50C-407E-A947-70E740481C1C}">
+                <a14:useLocalDpi xmlns:a14="http://schemas.microsoft.com/office/drawing/2010/main" val="0"/>
+              </a:ext>
+            </a:extLst>
+          </a:blip>
+          <a:stretch>
+            <a:fillRect/>
+          </a:stretch>
+        </p:blipFill>
         <p:spPr>
           <a:xfrm>
-            <a:off x="702365" y="1364974"/>
-            <a:ext cx="4744278" cy="646331"/>
+            <a:off x="335301" y="1474304"/>
+            <a:ext cx="8466220" cy="3906079"/>
           </a:xfrm>
           <a:prstGeom prst="rect">
             <a:avLst/>
           </a:prstGeom>
         </p:spPr>
-        <p:style>
-          <a:lnRef idx="1">
-            <a:schemeClr val="accent6"/>
-          </a:lnRef>
-          <a:fillRef idx="2">
-            <a:schemeClr val="accent6"/>
-          </a:fillRef>
-          <a:effectRef idx="1">
-            <a:schemeClr val="accent6"/>
-          </a:effectRef>
-          <a:fontRef idx="minor">
-            <a:schemeClr val="dk1"/>
-          </a:fontRef>
-        </p:style>
-        <p:txBody>
-          <a:bodyPr wrap="square" rtlCol="0">
-            <a:spAutoFit/>
-          </a:bodyPr>
-          <a:lstStyle/>
-          <a:p>
-            <a:r>
-              <a:rPr lang="vi-VN" b="1" i="0" dirty="0">
-                <a:effectLst/>
-                <a:latin typeface="Söhne"/>
-              </a:rPr>
-              <a:t>Dễ Sử Dụng:</a:t>
-            </a:r>
-            <a:r>
-              <a:rPr lang="vi-VN" b="0" i="0" dirty="0">
-                <a:solidFill>
-                  <a:srgbClr val="374151"/>
-                </a:solidFill>
-                <a:effectLst/>
-                <a:latin typeface="Söhne"/>
-              </a:rPr>
-              <a:t> Giao diện thân thiện, dễ sử dụng cho cả người dùng mới.</a:t>
-            </a:r>
-            <a:endParaRPr lang="vi-VN" dirty="0"/>
-          </a:p>
-        </p:txBody>
-      </p:sp>
-      <p:sp>
-        <p:nvSpPr>
-          <p:cNvPr id="7" name="Hộp Văn bản 6">
-            <a:extLst>
-              <a:ext uri="{FF2B5EF4-FFF2-40B4-BE49-F238E27FC236}">
-                <a16:creationId xmlns:a16="http://schemas.microsoft.com/office/drawing/2014/main" id="{AB74B007-09C1-BE20-4F2A-2EDBD72C0F66}"/>
-              </a:ext>
-            </a:extLst>
-          </p:cNvPr>
-          <p:cNvSpPr txBox="1"/>
-          <p:nvPr/>
-        </p:nvSpPr>
-        <p:spPr>
-          <a:xfrm>
-            <a:off x="702365" y="3224760"/>
-            <a:ext cx="4744278" cy="646331"/>
-          </a:xfrm>
-          <a:prstGeom prst="rect">
-            <a:avLst/>
-          </a:prstGeom>
-        </p:spPr>
-        <p:style>
-          <a:lnRef idx="1">
-            <a:schemeClr val="accent6"/>
-          </a:lnRef>
-          <a:fillRef idx="2">
-            <a:schemeClr val="accent6"/>
-          </a:fillRef>
-          <a:effectRef idx="1">
-            <a:schemeClr val="accent6"/>
-          </a:effectRef>
-          <a:fontRef idx="minor">
-            <a:schemeClr val="dk1"/>
-          </a:fontRef>
-        </p:style>
-        <p:txBody>
-          <a:bodyPr wrap="square" rtlCol="0">
-            <a:spAutoFit/>
-          </a:bodyPr>
-          <a:lstStyle/>
-          <a:p>
-            <a:r>
-              <a:rPr lang="vi-VN" b="1" i="0" dirty="0">
-                <a:effectLst/>
-                <a:latin typeface="Söhne"/>
-              </a:rPr>
-              <a:t>Tính Linh Hoạt:</a:t>
-            </a:r>
-            <a:r>
-              <a:rPr lang="vi-VN" b="0" i="0" dirty="0">
-                <a:solidFill>
-                  <a:srgbClr val="374151"/>
-                </a:solidFill>
-                <a:effectLst/>
-                <a:latin typeface="Söhne"/>
-              </a:rPr>
-              <a:t> Đáp ứng đa dạng nhu cầu của người thuê và chủ nhà.</a:t>
-            </a:r>
-            <a:endParaRPr lang="vi-VN" dirty="0"/>
-          </a:p>
-        </p:txBody>
-      </p:sp>
+      </p:pic>
     </p:spTree>
     <p:extLst>
       <p:ext uri="{BB962C8B-B14F-4D97-AF65-F5344CB8AC3E}">
-        <p14:creationId xmlns:p14="http://schemas.microsoft.com/office/powerpoint/2010/main" val="804696541"/>
+        <p14:creationId xmlns:p14="http://schemas.microsoft.com/office/powerpoint/2010/main" val="2866886722"/>
       </p:ext>
     </p:extLst>
   </p:cSld>
@@ -3958,7 +4722,15 @@
           <a:p>
             <a:r>
               <a:rPr lang="vi-VN" dirty="0"/>
-              <a:t>Kết luận</a:t>
+              <a:t>Xây dựng và thiết kết </a:t>
+            </a:r>
+            <a:r>
+              <a:rPr lang="vi-VN" dirty="0" err="1"/>
+              <a:t>website</a:t>
+            </a:r>
+            <a:r>
+              <a:rPr lang="vi-VN" dirty="0"/>
+              <a:t> – Công nghệ </a:t>
             </a:r>
             <a:endParaRPr lang="en-US" dirty="0"/>
           </a:p>
@@ -3994,6 +4766,1496 @@
           </a:p>
         </p:txBody>
       </p:sp>
+      <p:pic>
+        <p:nvPicPr>
+          <p:cNvPr id="4" name="Hình ảnh 3" descr="Ảnh có chứa Đồ họa, ảnh chụp màn hình, biểu tượng, thiết kế&#10;&#10;Mô tả được tạo tự động">
+            <a:extLst>
+              <a:ext uri="{FF2B5EF4-FFF2-40B4-BE49-F238E27FC236}">
+                <a16:creationId xmlns:a16="http://schemas.microsoft.com/office/drawing/2014/main" id="{02DA4E07-63A8-D717-239A-2ABBBEADD0E2}"/>
+              </a:ext>
+            </a:extLst>
+          </p:cNvPr>
+          <p:cNvPicPr>
+            <a:picLocks noChangeAspect="1"/>
+          </p:cNvPicPr>
+          <p:nvPr/>
+        </p:nvPicPr>
+        <p:blipFill>
+          <a:blip r:embed="rId2">
+            <a:extLst>
+              <a:ext uri="{28A0092B-C50C-407E-A947-70E740481C1C}">
+                <a14:useLocalDpi xmlns:a14="http://schemas.microsoft.com/office/drawing/2010/main" val="0"/>
+              </a:ext>
+              <a:ext uri="{837473B0-CC2E-450A-ABE3-18F120FF3D39}">
+                <a1611:picAttrSrcUrl xmlns:a1611="http://schemas.microsoft.com/office/drawing/2016/11/main" r:id="rId3"/>
+              </a:ext>
+            </a:extLst>
+          </a:blip>
+          <a:stretch>
+            <a:fillRect/>
+          </a:stretch>
+        </p:blipFill>
+        <p:spPr>
+          <a:xfrm>
+            <a:off x="705677" y="1335157"/>
+            <a:ext cx="1838739" cy="1838739"/>
+          </a:xfrm>
+          <a:prstGeom prst="rect">
+            <a:avLst/>
+          </a:prstGeom>
+        </p:spPr>
+      </p:pic>
+      <p:pic>
+        <p:nvPicPr>
+          <p:cNvPr id="9" name="Hình ảnh 8" descr="Ảnh có chứa Đồ họa, Phông chữ, thiết kế đồ họa, biểu tượng&#10;&#10;Mô tả được tạo tự động">
+            <a:extLst>
+              <a:ext uri="{FF2B5EF4-FFF2-40B4-BE49-F238E27FC236}">
+                <a16:creationId xmlns:a16="http://schemas.microsoft.com/office/drawing/2014/main" id="{ABB73F7B-C77D-228A-6D79-53EB3BC550F7}"/>
+              </a:ext>
+            </a:extLst>
+          </p:cNvPr>
+          <p:cNvPicPr>
+            <a:picLocks noChangeAspect="1"/>
+          </p:cNvPicPr>
+          <p:nvPr/>
+        </p:nvPicPr>
+        <p:blipFill>
+          <a:blip r:embed="rId4">
+            <a:extLst>
+              <a:ext uri="{28A0092B-C50C-407E-A947-70E740481C1C}">
+                <a14:useLocalDpi xmlns:a14="http://schemas.microsoft.com/office/drawing/2010/main" val="0"/>
+              </a:ext>
+              <a:ext uri="{837473B0-CC2E-450A-ABE3-18F120FF3D39}">
+                <a1611:picAttrSrcUrl xmlns:a1611="http://schemas.microsoft.com/office/drawing/2016/11/main" r:id="rId5"/>
+              </a:ext>
+            </a:extLst>
+          </a:blip>
+          <a:stretch>
+            <a:fillRect/>
+          </a:stretch>
+        </p:blipFill>
+        <p:spPr>
+          <a:xfrm>
+            <a:off x="3615787" y="1329947"/>
+            <a:ext cx="1912425" cy="1843949"/>
+          </a:xfrm>
+          <a:prstGeom prst="rect">
+            <a:avLst/>
+          </a:prstGeom>
+        </p:spPr>
+        <p:style>
+          <a:lnRef idx="2">
+            <a:schemeClr val="accent2"/>
+          </a:lnRef>
+          <a:fillRef idx="1">
+            <a:schemeClr val="lt1"/>
+          </a:fillRef>
+          <a:effectRef idx="0">
+            <a:schemeClr val="accent2"/>
+          </a:effectRef>
+          <a:fontRef idx="minor">
+            <a:schemeClr val="dk1"/>
+          </a:fontRef>
+        </p:style>
+      </p:pic>
+      <p:pic>
+        <p:nvPicPr>
+          <p:cNvPr id="12" name="Hình ảnh 11" descr="Ảnh có chứa văn bản, hình trụ, vòng tròn, thiết kế&#10;&#10;Mô tả được tạo tự động">
+            <a:extLst>
+              <a:ext uri="{FF2B5EF4-FFF2-40B4-BE49-F238E27FC236}">
+                <a16:creationId xmlns:a16="http://schemas.microsoft.com/office/drawing/2014/main" id="{4DBB2275-B4CA-D089-27AE-0BAC7AB59B42}"/>
+              </a:ext>
+            </a:extLst>
+          </p:cNvPr>
+          <p:cNvPicPr>
+            <a:picLocks noChangeAspect="1"/>
+          </p:cNvPicPr>
+          <p:nvPr/>
+        </p:nvPicPr>
+        <p:blipFill>
+          <a:blip r:embed="rId6">
+            <a:extLst>
+              <a:ext uri="{28A0092B-C50C-407E-A947-70E740481C1C}">
+                <a14:useLocalDpi xmlns:a14="http://schemas.microsoft.com/office/drawing/2010/main" val="0"/>
+              </a:ext>
+            </a:extLst>
+          </a:blip>
+          <a:stretch>
+            <a:fillRect/>
+          </a:stretch>
+        </p:blipFill>
+        <p:spPr>
+          <a:xfrm>
+            <a:off x="6638098" y="1008063"/>
+            <a:ext cx="1800225" cy="2543175"/>
+          </a:xfrm>
+          <a:prstGeom prst="rect">
+            <a:avLst/>
+          </a:prstGeom>
+        </p:spPr>
+        <p:style>
+          <a:lnRef idx="2">
+            <a:schemeClr val="accent3"/>
+          </a:lnRef>
+          <a:fillRef idx="1">
+            <a:schemeClr val="lt1"/>
+          </a:fillRef>
+          <a:effectRef idx="0">
+            <a:schemeClr val="accent3"/>
+          </a:effectRef>
+          <a:fontRef idx="minor">
+            <a:schemeClr val="dk1"/>
+          </a:fontRef>
+        </p:style>
+      </p:pic>
+      <p:sp>
+        <p:nvSpPr>
+          <p:cNvPr id="13" name="Hộp Văn bản 12">
+            <a:extLst>
+              <a:ext uri="{FF2B5EF4-FFF2-40B4-BE49-F238E27FC236}">
+                <a16:creationId xmlns:a16="http://schemas.microsoft.com/office/drawing/2014/main" id="{B0817561-5473-0C0D-377D-D410A271C72D}"/>
+              </a:ext>
+            </a:extLst>
+          </p:cNvPr>
+          <p:cNvSpPr txBox="1"/>
+          <p:nvPr/>
+        </p:nvSpPr>
+        <p:spPr>
+          <a:xfrm>
+            <a:off x="848139" y="4465983"/>
+            <a:ext cx="2597426" cy="369332"/>
+          </a:xfrm>
+          <a:prstGeom prst="rect">
+            <a:avLst/>
+          </a:prstGeom>
+          <a:noFill/>
+        </p:spPr>
+        <p:txBody>
+          <a:bodyPr wrap="square" rtlCol="0">
+            <a:spAutoFit/>
+          </a:bodyPr>
+          <a:lstStyle/>
+          <a:p>
+            <a:r>
+              <a:rPr lang="vi-VN" b="1" i="0" dirty="0">
+                <a:effectLst/>
+                <a:latin typeface="Söhne"/>
+              </a:rPr>
+              <a:t>- Phát triển nhanh chóng</a:t>
+            </a:r>
+            <a:endParaRPr lang="vi-VN" dirty="0"/>
+          </a:p>
+        </p:txBody>
+      </p:sp>
+      <p:sp>
+        <p:nvSpPr>
+          <p:cNvPr id="15" name="Hộp Văn bản 14">
+            <a:extLst>
+              <a:ext uri="{FF2B5EF4-FFF2-40B4-BE49-F238E27FC236}">
+                <a16:creationId xmlns:a16="http://schemas.microsoft.com/office/drawing/2014/main" id="{D800581B-56C8-5E28-6150-920F524E8F92}"/>
+              </a:ext>
+            </a:extLst>
+          </p:cNvPr>
+          <p:cNvSpPr txBox="1"/>
+          <p:nvPr/>
+        </p:nvSpPr>
+        <p:spPr>
+          <a:xfrm>
+            <a:off x="848139" y="5015948"/>
+            <a:ext cx="4572000" cy="369332"/>
+          </a:xfrm>
+          <a:prstGeom prst="rect">
+            <a:avLst/>
+          </a:prstGeom>
+          <a:noFill/>
+        </p:spPr>
+        <p:txBody>
+          <a:bodyPr wrap="square">
+            <a:spAutoFit/>
+          </a:bodyPr>
+          <a:lstStyle/>
+          <a:p>
+            <a:r>
+              <a:rPr lang="vi-VN" b="1" i="0" dirty="0">
+                <a:effectLst/>
+                <a:latin typeface="Söhne"/>
+              </a:rPr>
+              <a:t>- Hiệu suất cao</a:t>
+            </a:r>
+            <a:endParaRPr lang="vi-VN" dirty="0"/>
+          </a:p>
+        </p:txBody>
+      </p:sp>
+      <p:sp>
+        <p:nvSpPr>
+          <p:cNvPr id="16" name="Hộp Văn bản 15">
+            <a:extLst>
+              <a:ext uri="{FF2B5EF4-FFF2-40B4-BE49-F238E27FC236}">
+                <a16:creationId xmlns:a16="http://schemas.microsoft.com/office/drawing/2014/main" id="{4FA7BC9D-3550-361C-9057-153DC004A287}"/>
+              </a:ext>
+            </a:extLst>
+          </p:cNvPr>
+          <p:cNvSpPr txBox="1"/>
+          <p:nvPr/>
+        </p:nvSpPr>
+        <p:spPr>
+          <a:xfrm>
+            <a:off x="848139" y="3551238"/>
+            <a:ext cx="1470991" cy="369332"/>
+          </a:xfrm>
+          <a:prstGeom prst="rect">
+            <a:avLst/>
+          </a:prstGeom>
+        </p:spPr>
+        <p:style>
+          <a:lnRef idx="2">
+            <a:schemeClr val="accent2"/>
+          </a:lnRef>
+          <a:fillRef idx="1">
+            <a:schemeClr val="lt1"/>
+          </a:fillRef>
+          <a:effectRef idx="0">
+            <a:schemeClr val="accent2"/>
+          </a:effectRef>
+          <a:fontRef idx="minor">
+            <a:schemeClr val="dk1"/>
+          </a:fontRef>
+        </p:style>
+        <p:txBody>
+          <a:bodyPr wrap="square" rtlCol="0">
+            <a:spAutoFit/>
+          </a:bodyPr>
+          <a:lstStyle/>
+          <a:p>
+            <a:r>
+              <a:rPr lang="vi-VN" dirty="0" err="1"/>
+              <a:t>Backend</a:t>
+            </a:r>
+            <a:endParaRPr lang="vi-VN" dirty="0"/>
+          </a:p>
+        </p:txBody>
+      </p:sp>
+      <p:sp>
+        <p:nvSpPr>
+          <p:cNvPr id="17" name="Hộp Văn bản 16">
+            <a:extLst>
+              <a:ext uri="{FF2B5EF4-FFF2-40B4-BE49-F238E27FC236}">
+                <a16:creationId xmlns:a16="http://schemas.microsoft.com/office/drawing/2014/main" id="{92423499-D0D2-6D97-3BCC-A63F740DA64C}"/>
+              </a:ext>
+            </a:extLst>
+          </p:cNvPr>
+          <p:cNvSpPr txBox="1"/>
+          <p:nvPr/>
+        </p:nvSpPr>
+        <p:spPr>
+          <a:xfrm>
+            <a:off x="3743118" y="3551238"/>
+            <a:ext cx="1470991" cy="369332"/>
+          </a:xfrm>
+          <a:prstGeom prst="rect">
+            <a:avLst/>
+          </a:prstGeom>
+        </p:spPr>
+        <p:style>
+          <a:lnRef idx="2">
+            <a:schemeClr val="accent2"/>
+          </a:lnRef>
+          <a:fillRef idx="1">
+            <a:schemeClr val="lt1"/>
+          </a:fillRef>
+          <a:effectRef idx="0">
+            <a:schemeClr val="accent2"/>
+          </a:effectRef>
+          <a:fontRef idx="minor">
+            <a:schemeClr val="dk1"/>
+          </a:fontRef>
+        </p:style>
+        <p:txBody>
+          <a:bodyPr wrap="square" rtlCol="0">
+            <a:spAutoFit/>
+          </a:bodyPr>
+          <a:lstStyle/>
+          <a:p>
+            <a:r>
+              <a:rPr lang="vi-VN" dirty="0" err="1"/>
+              <a:t>Fontend</a:t>
+            </a:r>
+            <a:endParaRPr lang="vi-VN" dirty="0"/>
+          </a:p>
+        </p:txBody>
+      </p:sp>
+      <p:sp>
+        <p:nvSpPr>
+          <p:cNvPr id="18" name="Hộp Văn bản 17">
+            <a:extLst>
+              <a:ext uri="{FF2B5EF4-FFF2-40B4-BE49-F238E27FC236}">
+                <a16:creationId xmlns:a16="http://schemas.microsoft.com/office/drawing/2014/main" id="{738D1E0B-DB1D-CB3D-16FD-4161834DA618}"/>
+              </a:ext>
+            </a:extLst>
+          </p:cNvPr>
+          <p:cNvSpPr txBox="1"/>
+          <p:nvPr/>
+        </p:nvSpPr>
+        <p:spPr>
+          <a:xfrm>
+            <a:off x="6802714" y="3551238"/>
+            <a:ext cx="1470991" cy="369332"/>
+          </a:xfrm>
+          <a:prstGeom prst="rect">
+            <a:avLst/>
+          </a:prstGeom>
+        </p:spPr>
+        <p:style>
+          <a:lnRef idx="2">
+            <a:schemeClr val="accent2"/>
+          </a:lnRef>
+          <a:fillRef idx="1">
+            <a:schemeClr val="lt1"/>
+          </a:fillRef>
+          <a:effectRef idx="0">
+            <a:schemeClr val="accent2"/>
+          </a:effectRef>
+          <a:fontRef idx="minor">
+            <a:schemeClr val="dk1"/>
+          </a:fontRef>
+        </p:style>
+        <p:txBody>
+          <a:bodyPr wrap="square" rtlCol="0">
+            <a:spAutoFit/>
+          </a:bodyPr>
+          <a:lstStyle/>
+          <a:p>
+            <a:r>
+              <a:rPr lang="vi-VN" dirty="0" err="1"/>
+              <a:t>Database</a:t>
+            </a:r>
+            <a:endParaRPr lang="vi-VN" dirty="0"/>
+          </a:p>
+        </p:txBody>
+      </p:sp>
+    </p:spTree>
+    <p:extLst>
+      <p:ext uri="{BB962C8B-B14F-4D97-AF65-F5344CB8AC3E}">
+        <p14:creationId xmlns:p14="http://schemas.microsoft.com/office/powerpoint/2010/main" val="2542211000"/>
+      </p:ext>
+    </p:extLst>
+  </p:cSld>
+  <p:clrMapOvr>
+    <a:masterClrMapping/>
+  </p:clrMapOvr>
+</p:sld>
+</file>
+
+<file path=ppt/slides/slide14.xml><?xml version="1.0" encoding="utf-8"?>
+<p:sld xmlns:a="http://schemas.openxmlformats.org/drawingml/2006/main" xmlns:r="http://schemas.openxmlformats.org/officeDocument/2006/relationships" xmlns:p="http://schemas.openxmlformats.org/presentationml/2006/main">
+  <p:cSld>
+    <p:spTree>
+      <p:nvGrpSpPr>
+        <p:cNvPr id="1" name=""/>
+        <p:cNvGrpSpPr/>
+        <p:nvPr/>
+      </p:nvGrpSpPr>
+      <p:grpSpPr>
+        <a:xfrm>
+          <a:off x="0" y="0"/>
+          <a:ext cx="0" cy="0"/>
+          <a:chOff x="0" y="0"/>
+          <a:chExt cx="0" cy="0"/>
+        </a:xfrm>
+      </p:grpSpPr>
+      <p:sp>
+        <p:nvSpPr>
+          <p:cNvPr id="2" name="Title 1">
+            <a:extLst>
+              <a:ext uri="{FF2B5EF4-FFF2-40B4-BE49-F238E27FC236}">
+                <a16:creationId xmlns:a16="http://schemas.microsoft.com/office/drawing/2014/main" id="{87C0747E-B2EF-40FB-817D-1B9698A1DDF7}"/>
+              </a:ext>
+            </a:extLst>
+          </p:cNvPr>
+          <p:cNvSpPr>
+            <a:spLocks noGrp="1"/>
+          </p:cNvSpPr>
+          <p:nvPr>
+            <p:ph type="title"/>
+          </p:nvPr>
+        </p:nvSpPr>
+        <p:spPr/>
+        <p:txBody>
+          <a:bodyPr/>
+          <a:lstStyle/>
+          <a:p>
+            <a:r>
+              <a:rPr lang="vi-VN" dirty="0"/>
+              <a:t>Xây dựng và thiết kết </a:t>
+            </a:r>
+            <a:r>
+              <a:rPr lang="vi-VN" dirty="0" err="1"/>
+              <a:t>website</a:t>
+            </a:r>
+            <a:r>
+              <a:rPr lang="vi-VN" dirty="0"/>
+              <a:t> – Công nghệ </a:t>
+            </a:r>
+            <a:endParaRPr lang="en-US" dirty="0"/>
+          </a:p>
+        </p:txBody>
+      </p:sp>
+      <p:sp>
+        <p:nvSpPr>
+          <p:cNvPr id="5" name="Slide Number Placeholder 4">
+            <a:extLst>
+              <a:ext uri="{FF2B5EF4-FFF2-40B4-BE49-F238E27FC236}">
+                <a16:creationId xmlns:a16="http://schemas.microsoft.com/office/drawing/2014/main" id="{95F0CAEB-1E37-4136-AF3B-BBA69ACEC6DE}"/>
+              </a:ext>
+            </a:extLst>
+          </p:cNvPr>
+          <p:cNvSpPr>
+            <a:spLocks noGrp="1"/>
+          </p:cNvSpPr>
+          <p:nvPr>
+            <p:ph type="sldNum" sz="quarter" idx="12"/>
+          </p:nvPr>
+        </p:nvSpPr>
+        <p:spPr/>
+        <p:txBody>
+          <a:bodyPr/>
+          <a:lstStyle/>
+          <a:p>
+            <a:fld id="{9EA0BE3B-158A-4EDF-80DC-E394A0D1600F}" type="slidenum">
+              <a:rPr lang="en-US" smtClean="0"/>
+              <a:pPr/>
+              <a:t>14</a:t>
+            </a:fld>
+            <a:endParaRPr lang="en-US" dirty="0"/>
+          </a:p>
+        </p:txBody>
+      </p:sp>
+      <p:sp>
+        <p:nvSpPr>
+          <p:cNvPr id="7" name="Hộp Văn bản 6">
+            <a:extLst>
+              <a:ext uri="{FF2B5EF4-FFF2-40B4-BE49-F238E27FC236}">
+                <a16:creationId xmlns:a16="http://schemas.microsoft.com/office/drawing/2014/main" id="{224AD4AE-579F-9768-C9A3-5F05B6FBC1E4}"/>
+              </a:ext>
+            </a:extLst>
+          </p:cNvPr>
+          <p:cNvSpPr txBox="1"/>
+          <p:nvPr/>
+        </p:nvSpPr>
+        <p:spPr>
+          <a:xfrm>
+            <a:off x="450575" y="1273267"/>
+            <a:ext cx="4306956" cy="369332"/>
+          </a:xfrm>
+          <a:prstGeom prst="rect">
+            <a:avLst/>
+          </a:prstGeom>
+          <a:noFill/>
+        </p:spPr>
+        <p:txBody>
+          <a:bodyPr wrap="square" rtlCol="0">
+            <a:spAutoFit/>
+          </a:bodyPr>
+          <a:lstStyle/>
+          <a:p>
+            <a:r>
+              <a:rPr lang="vi-VN" dirty="0"/>
+              <a:t>Mô hình 3 lớp ( </a:t>
+            </a:r>
+            <a:r>
+              <a:rPr lang="vi-VN" dirty="0" err="1"/>
+              <a:t>Three</a:t>
+            </a:r>
+            <a:r>
+              <a:rPr lang="vi-VN" dirty="0"/>
+              <a:t> </a:t>
+            </a:r>
+            <a:r>
+              <a:rPr lang="vi-VN" dirty="0" err="1"/>
+              <a:t>layer</a:t>
+            </a:r>
+            <a:r>
+              <a:rPr lang="vi-VN" dirty="0"/>
+              <a:t>) </a:t>
+            </a:r>
+          </a:p>
+        </p:txBody>
+      </p:sp>
+      <p:pic>
+        <p:nvPicPr>
+          <p:cNvPr id="10" name="Hình ảnh 9" descr="Ảnh có chứa văn bản, ảnh chụp màn hình, Phông chữ, thiết kế">
+            <a:extLst>
+              <a:ext uri="{FF2B5EF4-FFF2-40B4-BE49-F238E27FC236}">
+                <a16:creationId xmlns:a16="http://schemas.microsoft.com/office/drawing/2014/main" id="{92E64F5C-63A4-43DC-37D2-5F03AB26B707}"/>
+              </a:ext>
+            </a:extLst>
+          </p:cNvPr>
+          <p:cNvPicPr>
+            <a:picLocks noChangeAspect="1"/>
+          </p:cNvPicPr>
+          <p:nvPr/>
+        </p:nvPicPr>
+        <p:blipFill>
+          <a:blip r:embed="rId2">
+            <a:extLst>
+              <a:ext uri="{28A0092B-C50C-407E-A947-70E740481C1C}">
+                <a14:useLocalDpi xmlns:a14="http://schemas.microsoft.com/office/drawing/2010/main" val="0"/>
+              </a:ext>
+            </a:extLst>
+          </a:blip>
+          <a:stretch>
+            <a:fillRect/>
+          </a:stretch>
+        </p:blipFill>
+        <p:spPr>
+          <a:xfrm>
+            <a:off x="1961555" y="1948070"/>
+            <a:ext cx="5999198" cy="3371813"/>
+          </a:xfrm>
+          <a:prstGeom prst="rect">
+            <a:avLst/>
+          </a:prstGeom>
+        </p:spPr>
+      </p:pic>
+    </p:spTree>
+    <p:extLst>
+      <p:ext uri="{BB962C8B-B14F-4D97-AF65-F5344CB8AC3E}">
+        <p14:creationId xmlns:p14="http://schemas.microsoft.com/office/powerpoint/2010/main" val="757373365"/>
+      </p:ext>
+    </p:extLst>
+  </p:cSld>
+  <p:clrMapOvr>
+    <a:masterClrMapping/>
+  </p:clrMapOvr>
+</p:sld>
+</file>
+
+<file path=ppt/slides/slide15.xml><?xml version="1.0" encoding="utf-8"?>
+<p:sld xmlns:a="http://schemas.openxmlformats.org/drawingml/2006/main" xmlns:r="http://schemas.openxmlformats.org/officeDocument/2006/relationships" xmlns:p="http://schemas.openxmlformats.org/presentationml/2006/main">
+  <p:cSld>
+    <p:spTree>
+      <p:nvGrpSpPr>
+        <p:cNvPr id="1" name=""/>
+        <p:cNvGrpSpPr/>
+        <p:nvPr/>
+      </p:nvGrpSpPr>
+      <p:grpSpPr>
+        <a:xfrm>
+          <a:off x="0" y="0"/>
+          <a:ext cx="0" cy="0"/>
+          <a:chOff x="0" y="0"/>
+          <a:chExt cx="0" cy="0"/>
+        </a:xfrm>
+      </p:grpSpPr>
+      <p:sp>
+        <p:nvSpPr>
+          <p:cNvPr id="2" name="Title 1">
+            <a:extLst>
+              <a:ext uri="{FF2B5EF4-FFF2-40B4-BE49-F238E27FC236}">
+                <a16:creationId xmlns:a16="http://schemas.microsoft.com/office/drawing/2014/main" id="{87C0747E-B2EF-40FB-817D-1B9698A1DDF7}"/>
+              </a:ext>
+            </a:extLst>
+          </p:cNvPr>
+          <p:cNvSpPr>
+            <a:spLocks noGrp="1"/>
+          </p:cNvSpPr>
+          <p:nvPr>
+            <p:ph type="title"/>
+          </p:nvPr>
+        </p:nvSpPr>
+        <p:spPr/>
+        <p:txBody>
+          <a:bodyPr/>
+          <a:lstStyle/>
+          <a:p>
+            <a:r>
+              <a:rPr lang="vi-VN" dirty="0"/>
+              <a:t>Xây dựng và thiết kết </a:t>
+            </a:r>
+            <a:r>
+              <a:rPr lang="vi-VN" dirty="0" err="1"/>
+              <a:t>website</a:t>
+            </a:r>
+            <a:r>
+              <a:rPr lang="vi-VN" dirty="0"/>
+              <a:t> – </a:t>
+            </a:r>
+            <a:r>
+              <a:rPr lang="vi-VN" dirty="0" err="1"/>
+              <a:t>deploy</a:t>
+            </a:r>
+            <a:r>
+              <a:rPr lang="vi-VN" dirty="0"/>
+              <a:t> </a:t>
+            </a:r>
+            <a:endParaRPr lang="en-US" dirty="0"/>
+          </a:p>
+        </p:txBody>
+      </p:sp>
+      <p:sp>
+        <p:nvSpPr>
+          <p:cNvPr id="5" name="Slide Number Placeholder 4">
+            <a:extLst>
+              <a:ext uri="{FF2B5EF4-FFF2-40B4-BE49-F238E27FC236}">
+                <a16:creationId xmlns:a16="http://schemas.microsoft.com/office/drawing/2014/main" id="{95F0CAEB-1E37-4136-AF3B-BBA69ACEC6DE}"/>
+              </a:ext>
+            </a:extLst>
+          </p:cNvPr>
+          <p:cNvSpPr>
+            <a:spLocks noGrp="1"/>
+          </p:cNvSpPr>
+          <p:nvPr>
+            <p:ph type="sldNum" sz="quarter" idx="12"/>
+          </p:nvPr>
+        </p:nvSpPr>
+        <p:spPr/>
+        <p:txBody>
+          <a:bodyPr/>
+          <a:lstStyle/>
+          <a:p>
+            <a:fld id="{9EA0BE3B-158A-4EDF-80DC-E394A0D1600F}" type="slidenum">
+              <a:rPr lang="en-US" smtClean="0"/>
+              <a:pPr/>
+              <a:t>15</a:t>
+            </a:fld>
+            <a:endParaRPr lang="en-US" dirty="0"/>
+          </a:p>
+        </p:txBody>
+      </p:sp>
+      <p:sp>
+        <p:nvSpPr>
+          <p:cNvPr id="3" name="Hộp Văn bản 2">
+            <a:extLst>
+              <a:ext uri="{FF2B5EF4-FFF2-40B4-BE49-F238E27FC236}">
+                <a16:creationId xmlns:a16="http://schemas.microsoft.com/office/drawing/2014/main" id="{B190354A-907B-9DA5-5005-145F685896A7}"/>
+              </a:ext>
+            </a:extLst>
+          </p:cNvPr>
+          <p:cNvSpPr txBox="1"/>
+          <p:nvPr/>
+        </p:nvSpPr>
+        <p:spPr>
+          <a:xfrm>
+            <a:off x="543339" y="1326083"/>
+            <a:ext cx="2619105" cy="369332"/>
+          </a:xfrm>
+          <a:prstGeom prst="rect">
+            <a:avLst/>
+          </a:prstGeom>
+        </p:spPr>
+        <p:style>
+          <a:lnRef idx="2">
+            <a:schemeClr val="accent5"/>
+          </a:lnRef>
+          <a:fillRef idx="1">
+            <a:schemeClr val="lt1"/>
+          </a:fillRef>
+          <a:effectRef idx="0">
+            <a:schemeClr val="accent5"/>
+          </a:effectRef>
+          <a:fontRef idx="minor">
+            <a:schemeClr val="dk1"/>
+          </a:fontRef>
+        </p:style>
+        <p:txBody>
+          <a:bodyPr wrap="square" rtlCol="0">
+            <a:spAutoFit/>
+          </a:bodyPr>
+          <a:lstStyle/>
+          <a:p>
+            <a:r>
+              <a:rPr lang="vi-VN" dirty="0" err="1"/>
+              <a:t>Backend</a:t>
+            </a:r>
+            <a:r>
+              <a:rPr lang="vi-VN" dirty="0"/>
+              <a:t>  (</a:t>
+            </a:r>
+            <a:r>
+              <a:rPr lang="vi-VN" dirty="0" err="1"/>
+              <a:t>nodejs</a:t>
+            </a:r>
+            <a:r>
+              <a:rPr lang="vi-VN" dirty="0"/>
+              <a:t> ) </a:t>
+            </a:r>
+          </a:p>
+        </p:txBody>
+      </p:sp>
+      <p:sp>
+        <p:nvSpPr>
+          <p:cNvPr id="4" name="Hộp Văn bản 3">
+            <a:extLst>
+              <a:ext uri="{FF2B5EF4-FFF2-40B4-BE49-F238E27FC236}">
+                <a16:creationId xmlns:a16="http://schemas.microsoft.com/office/drawing/2014/main" id="{BFA31085-1B50-E9E4-B86D-62D31E174A34}"/>
+              </a:ext>
+            </a:extLst>
+          </p:cNvPr>
+          <p:cNvSpPr txBox="1"/>
+          <p:nvPr/>
+        </p:nvSpPr>
+        <p:spPr>
+          <a:xfrm>
+            <a:off x="543339" y="2092897"/>
+            <a:ext cx="2619105" cy="369332"/>
+          </a:xfrm>
+          <a:prstGeom prst="rect">
+            <a:avLst/>
+          </a:prstGeom>
+        </p:spPr>
+        <p:style>
+          <a:lnRef idx="2">
+            <a:schemeClr val="accent5"/>
+          </a:lnRef>
+          <a:fillRef idx="1">
+            <a:schemeClr val="lt1"/>
+          </a:fillRef>
+          <a:effectRef idx="0">
+            <a:schemeClr val="accent5"/>
+          </a:effectRef>
+          <a:fontRef idx="minor">
+            <a:schemeClr val="dk1"/>
+          </a:fontRef>
+        </p:style>
+        <p:txBody>
+          <a:bodyPr wrap="square" rtlCol="0">
+            <a:spAutoFit/>
+          </a:bodyPr>
+          <a:lstStyle/>
+          <a:p>
+            <a:r>
+              <a:rPr lang="vi-VN" dirty="0" err="1"/>
+              <a:t>Database</a:t>
+            </a:r>
+            <a:r>
+              <a:rPr lang="vi-VN" dirty="0"/>
+              <a:t> (</a:t>
+            </a:r>
+            <a:r>
+              <a:rPr lang="vi-VN" dirty="0" err="1"/>
+              <a:t>Mysql</a:t>
+            </a:r>
+            <a:r>
+              <a:rPr lang="vi-VN" dirty="0"/>
+              <a:t>)  </a:t>
+            </a:r>
+          </a:p>
+        </p:txBody>
+      </p:sp>
+      <p:pic>
+        <p:nvPicPr>
+          <p:cNvPr id="8" name="Hình ảnh 7" descr="Ảnh có chứa Phông chữ, biểu tượng, Đồ họa, màu trắng&#10;&#10;Mô tả được tạo tự động">
+            <a:extLst>
+              <a:ext uri="{FF2B5EF4-FFF2-40B4-BE49-F238E27FC236}">
+                <a16:creationId xmlns:a16="http://schemas.microsoft.com/office/drawing/2014/main" id="{2E7FB514-9429-E32F-6DF7-224ED8EBD4F0}"/>
+              </a:ext>
+            </a:extLst>
+          </p:cNvPr>
+          <p:cNvPicPr>
+            <a:picLocks noChangeAspect="1"/>
+          </p:cNvPicPr>
+          <p:nvPr/>
+        </p:nvPicPr>
+        <p:blipFill>
+          <a:blip r:embed="rId2">
+            <a:extLst>
+              <a:ext uri="{28A0092B-C50C-407E-A947-70E740481C1C}">
+                <a14:useLocalDpi xmlns:a14="http://schemas.microsoft.com/office/drawing/2010/main" val="0"/>
+              </a:ext>
+            </a:extLst>
+          </a:blip>
+          <a:stretch>
+            <a:fillRect/>
+          </a:stretch>
+        </p:blipFill>
+        <p:spPr>
+          <a:xfrm>
+            <a:off x="5946648" y="3096149"/>
+            <a:ext cx="2911357" cy="2095500"/>
+          </a:xfrm>
+          <a:prstGeom prst="rect">
+            <a:avLst/>
+          </a:prstGeom>
+        </p:spPr>
+        <p:style>
+          <a:lnRef idx="2">
+            <a:schemeClr val="accent1"/>
+          </a:lnRef>
+          <a:fillRef idx="1">
+            <a:schemeClr val="lt1"/>
+          </a:fillRef>
+          <a:effectRef idx="0">
+            <a:schemeClr val="accent1"/>
+          </a:effectRef>
+          <a:fontRef idx="minor">
+            <a:schemeClr val="dk1"/>
+          </a:fontRef>
+        </p:style>
+      </p:pic>
+      <p:pic>
+        <p:nvPicPr>
+          <p:cNvPr id="11" name="Hình ảnh 10" descr="Ảnh có chứa Phông chữ, biểu tượng, Đồ họa, văn bản&#10;&#10;Mô tả được tạo tự động">
+            <a:extLst>
+              <a:ext uri="{FF2B5EF4-FFF2-40B4-BE49-F238E27FC236}">
+                <a16:creationId xmlns:a16="http://schemas.microsoft.com/office/drawing/2014/main" id="{E0E8535F-0DD1-96C3-9BA8-869DB30959E1}"/>
+              </a:ext>
+            </a:extLst>
+          </p:cNvPr>
+          <p:cNvPicPr>
+            <a:picLocks noChangeAspect="1"/>
+          </p:cNvPicPr>
+          <p:nvPr/>
+        </p:nvPicPr>
+        <p:blipFill>
+          <a:blip r:embed="rId3">
+            <a:extLst>
+              <a:ext uri="{28A0092B-C50C-407E-A947-70E740481C1C}">
+                <a14:useLocalDpi xmlns:a14="http://schemas.microsoft.com/office/drawing/2010/main" val="0"/>
+              </a:ext>
+            </a:extLst>
+          </a:blip>
+          <a:stretch>
+            <a:fillRect/>
+          </a:stretch>
+        </p:blipFill>
+        <p:spPr>
+          <a:xfrm>
+            <a:off x="5946648" y="1072614"/>
+            <a:ext cx="2962275" cy="1543050"/>
+          </a:xfrm>
+          <a:prstGeom prst="rect">
+            <a:avLst/>
+          </a:prstGeom>
+        </p:spPr>
+        <p:style>
+          <a:lnRef idx="2">
+            <a:schemeClr val="accent2"/>
+          </a:lnRef>
+          <a:fillRef idx="1">
+            <a:schemeClr val="lt1"/>
+          </a:fillRef>
+          <a:effectRef idx="0">
+            <a:schemeClr val="accent2"/>
+          </a:effectRef>
+          <a:fontRef idx="minor">
+            <a:schemeClr val="dk1"/>
+          </a:fontRef>
+        </p:style>
+      </p:pic>
+      <p:sp>
+        <p:nvSpPr>
+          <p:cNvPr id="12" name="Hộp Văn bản 11">
+            <a:extLst>
+              <a:ext uri="{FF2B5EF4-FFF2-40B4-BE49-F238E27FC236}">
+                <a16:creationId xmlns:a16="http://schemas.microsoft.com/office/drawing/2014/main" id="{64CD8DFA-B344-A717-709C-DD563FBEF518}"/>
+              </a:ext>
+            </a:extLst>
+          </p:cNvPr>
+          <p:cNvSpPr txBox="1"/>
+          <p:nvPr/>
+        </p:nvSpPr>
+        <p:spPr>
+          <a:xfrm>
+            <a:off x="543339" y="4143899"/>
+            <a:ext cx="2619105" cy="369332"/>
+          </a:xfrm>
+          <a:prstGeom prst="rect">
+            <a:avLst/>
+          </a:prstGeom>
+        </p:spPr>
+        <p:style>
+          <a:lnRef idx="2">
+            <a:schemeClr val="accent5"/>
+          </a:lnRef>
+          <a:fillRef idx="1">
+            <a:schemeClr val="lt1"/>
+          </a:fillRef>
+          <a:effectRef idx="0">
+            <a:schemeClr val="accent5"/>
+          </a:effectRef>
+          <a:fontRef idx="minor">
+            <a:schemeClr val="dk1"/>
+          </a:fontRef>
+        </p:style>
+        <p:txBody>
+          <a:bodyPr wrap="square" rtlCol="0">
+            <a:spAutoFit/>
+          </a:bodyPr>
+          <a:lstStyle/>
+          <a:p>
+            <a:r>
+              <a:rPr lang="vi-VN" dirty="0" err="1"/>
+              <a:t>FontEnd</a:t>
+            </a:r>
+            <a:r>
+              <a:rPr lang="vi-VN" dirty="0"/>
+              <a:t> (</a:t>
+            </a:r>
+            <a:r>
+              <a:rPr lang="vi-VN" dirty="0" err="1"/>
+              <a:t>React</a:t>
+            </a:r>
+            <a:r>
+              <a:rPr lang="vi-VN" dirty="0"/>
+              <a:t>)  </a:t>
+            </a:r>
+          </a:p>
+        </p:txBody>
+      </p:sp>
+      <p:sp>
+        <p:nvSpPr>
+          <p:cNvPr id="13" name="Ngoặc móc Phải 12">
+            <a:extLst>
+              <a:ext uri="{FF2B5EF4-FFF2-40B4-BE49-F238E27FC236}">
+                <a16:creationId xmlns:a16="http://schemas.microsoft.com/office/drawing/2014/main" id="{57F94FFF-3245-4DA4-893B-769B6652B9A1}"/>
+              </a:ext>
+            </a:extLst>
+          </p:cNvPr>
+          <p:cNvSpPr/>
+          <p:nvPr/>
+        </p:nvSpPr>
+        <p:spPr>
+          <a:xfrm>
+            <a:off x="3326295" y="1401109"/>
+            <a:ext cx="155448" cy="914400"/>
+          </a:xfrm>
+          <a:prstGeom prst="rightBrace">
+            <a:avLst/>
+          </a:prstGeom>
+        </p:spPr>
+        <p:style>
+          <a:lnRef idx="1">
+            <a:schemeClr val="accent1"/>
+          </a:lnRef>
+          <a:fillRef idx="0">
+            <a:schemeClr val="accent1"/>
+          </a:fillRef>
+          <a:effectRef idx="0">
+            <a:schemeClr val="accent1"/>
+          </a:effectRef>
+          <a:fontRef idx="minor">
+            <a:schemeClr val="tx1"/>
+          </a:fontRef>
+        </p:style>
+        <p:txBody>
+          <a:bodyPr rtlCol="0" anchor="ctr"/>
+          <a:lstStyle/>
+          <a:p>
+            <a:pPr algn="ctr"/>
+            <a:endParaRPr lang="vi-VN"/>
+          </a:p>
+        </p:txBody>
+      </p:sp>
+      <p:cxnSp>
+        <p:nvCxnSpPr>
+          <p:cNvPr id="15" name="Đường kết nối Mũi tên Thẳng 14">
+            <a:extLst>
+              <a:ext uri="{FF2B5EF4-FFF2-40B4-BE49-F238E27FC236}">
+                <a16:creationId xmlns:a16="http://schemas.microsoft.com/office/drawing/2014/main" id="{9217070F-1323-E657-40E2-A1CA861EEA82}"/>
+              </a:ext>
+            </a:extLst>
+          </p:cNvPr>
+          <p:cNvCxnSpPr>
+            <a:endCxn id="11" idx="1"/>
+          </p:cNvCxnSpPr>
+          <p:nvPr/>
+        </p:nvCxnSpPr>
+        <p:spPr>
+          <a:xfrm flipV="1">
+            <a:off x="3631096" y="1844139"/>
+            <a:ext cx="2315552" cy="14170"/>
+          </a:xfrm>
+          <a:prstGeom prst="straightConnector1">
+            <a:avLst/>
+          </a:prstGeom>
+          <a:ln>
+            <a:tailEnd type="triangle"/>
+          </a:ln>
+        </p:spPr>
+        <p:style>
+          <a:lnRef idx="1">
+            <a:schemeClr val="dk1"/>
+          </a:lnRef>
+          <a:fillRef idx="0">
+            <a:schemeClr val="dk1"/>
+          </a:fillRef>
+          <a:effectRef idx="0">
+            <a:schemeClr val="dk1"/>
+          </a:effectRef>
+          <a:fontRef idx="minor">
+            <a:schemeClr val="tx1"/>
+          </a:fontRef>
+        </p:style>
+      </p:cxnSp>
+      <p:sp>
+        <p:nvSpPr>
+          <p:cNvPr id="16" name="Hộp Văn bản 15">
+            <a:extLst>
+              <a:ext uri="{FF2B5EF4-FFF2-40B4-BE49-F238E27FC236}">
+                <a16:creationId xmlns:a16="http://schemas.microsoft.com/office/drawing/2014/main" id="{8DD1204B-6B20-A283-AB6F-EB5B3E51328F}"/>
+              </a:ext>
+            </a:extLst>
+          </p:cNvPr>
+          <p:cNvSpPr txBox="1"/>
+          <p:nvPr/>
+        </p:nvSpPr>
+        <p:spPr>
+          <a:xfrm>
+            <a:off x="3975652" y="1488977"/>
+            <a:ext cx="927652" cy="369332"/>
+          </a:xfrm>
+          <a:prstGeom prst="rect">
+            <a:avLst/>
+          </a:prstGeom>
+          <a:noFill/>
+        </p:spPr>
+        <p:txBody>
+          <a:bodyPr wrap="square" rtlCol="0">
+            <a:spAutoFit/>
+          </a:bodyPr>
+          <a:lstStyle/>
+          <a:p>
+            <a:r>
+              <a:rPr lang="vi-VN" dirty="0" err="1"/>
+              <a:t>Deploy</a:t>
+            </a:r>
+            <a:endParaRPr lang="vi-VN" dirty="0"/>
+          </a:p>
+        </p:txBody>
+      </p:sp>
+      <p:sp>
+        <p:nvSpPr>
+          <p:cNvPr id="18" name="Hộp Văn bản 17">
+            <a:extLst>
+              <a:ext uri="{FF2B5EF4-FFF2-40B4-BE49-F238E27FC236}">
+                <a16:creationId xmlns:a16="http://schemas.microsoft.com/office/drawing/2014/main" id="{3AB8D265-6C78-29E8-E2FE-2EEF74B2A82F}"/>
+              </a:ext>
+            </a:extLst>
+          </p:cNvPr>
+          <p:cNvSpPr txBox="1"/>
+          <p:nvPr/>
+        </p:nvSpPr>
+        <p:spPr>
+          <a:xfrm>
+            <a:off x="3861220" y="3934815"/>
+            <a:ext cx="927652" cy="369332"/>
+          </a:xfrm>
+          <a:prstGeom prst="rect">
+            <a:avLst/>
+          </a:prstGeom>
+          <a:noFill/>
+        </p:spPr>
+        <p:txBody>
+          <a:bodyPr wrap="square" rtlCol="0">
+            <a:spAutoFit/>
+          </a:bodyPr>
+          <a:lstStyle/>
+          <a:p>
+            <a:r>
+              <a:rPr lang="vi-VN" dirty="0" err="1"/>
+              <a:t>Deploy</a:t>
+            </a:r>
+            <a:endParaRPr lang="vi-VN" dirty="0"/>
+          </a:p>
+        </p:txBody>
+      </p:sp>
+      <p:cxnSp>
+        <p:nvCxnSpPr>
+          <p:cNvPr id="19" name="Đường kết nối Mũi tên Thẳng 18">
+            <a:extLst>
+              <a:ext uri="{FF2B5EF4-FFF2-40B4-BE49-F238E27FC236}">
+                <a16:creationId xmlns:a16="http://schemas.microsoft.com/office/drawing/2014/main" id="{5A488D84-E689-B45D-9954-ACB1A6C559F3}"/>
+              </a:ext>
+            </a:extLst>
+          </p:cNvPr>
+          <p:cNvCxnSpPr>
+            <a:cxnSpLocks/>
+          </p:cNvCxnSpPr>
+          <p:nvPr/>
+        </p:nvCxnSpPr>
+        <p:spPr>
+          <a:xfrm>
+            <a:off x="3261823" y="4359750"/>
+            <a:ext cx="2620353" cy="0"/>
+          </a:xfrm>
+          <a:prstGeom prst="straightConnector1">
+            <a:avLst/>
+          </a:prstGeom>
+          <a:ln>
+            <a:tailEnd type="triangle"/>
+          </a:ln>
+        </p:spPr>
+        <p:style>
+          <a:lnRef idx="1">
+            <a:schemeClr val="dk1"/>
+          </a:lnRef>
+          <a:fillRef idx="0">
+            <a:schemeClr val="dk1"/>
+          </a:fillRef>
+          <a:effectRef idx="0">
+            <a:schemeClr val="dk1"/>
+          </a:effectRef>
+          <a:fontRef idx="minor">
+            <a:schemeClr val="tx1"/>
+          </a:fontRef>
+        </p:style>
+      </p:cxnSp>
+      <p:sp>
+        <p:nvSpPr>
+          <p:cNvPr id="23" name="Hộp Văn bản 22">
+            <a:extLst>
+              <a:ext uri="{FF2B5EF4-FFF2-40B4-BE49-F238E27FC236}">
+                <a16:creationId xmlns:a16="http://schemas.microsoft.com/office/drawing/2014/main" id="{7050A58F-57C9-F791-DBC5-F7A16A213631}"/>
+              </a:ext>
+            </a:extLst>
+          </p:cNvPr>
+          <p:cNvSpPr txBox="1"/>
+          <p:nvPr/>
+        </p:nvSpPr>
+        <p:spPr>
+          <a:xfrm>
+            <a:off x="502108" y="5785386"/>
+            <a:ext cx="7645875" cy="369332"/>
+          </a:xfrm>
+          <a:prstGeom prst="rect">
+            <a:avLst/>
+          </a:prstGeom>
+          <a:noFill/>
+        </p:spPr>
+        <p:txBody>
+          <a:bodyPr wrap="square">
+            <a:spAutoFit/>
+          </a:bodyPr>
+          <a:lstStyle/>
+          <a:p>
+            <a:r>
+              <a:rPr lang="vi-VN" b="1" i="1" dirty="0"/>
+              <a:t>https://timnhanhanh-datn-client.vercel.app/</a:t>
+            </a:r>
+          </a:p>
+        </p:txBody>
+      </p:sp>
+    </p:spTree>
+    <p:extLst>
+      <p:ext uri="{BB962C8B-B14F-4D97-AF65-F5344CB8AC3E}">
+        <p14:creationId xmlns:p14="http://schemas.microsoft.com/office/powerpoint/2010/main" val="2530462416"/>
+      </p:ext>
+    </p:extLst>
+  </p:cSld>
+  <p:clrMapOvr>
+    <a:masterClrMapping/>
+  </p:clrMapOvr>
+</p:sld>
+</file>
+
+<file path=ppt/slides/slide16.xml><?xml version="1.0" encoding="utf-8"?>
+<p:sld xmlns:a="http://schemas.openxmlformats.org/drawingml/2006/main" xmlns:r="http://schemas.openxmlformats.org/officeDocument/2006/relationships" xmlns:p="http://schemas.openxmlformats.org/presentationml/2006/main">
+  <p:cSld>
+    <p:spTree>
+      <p:nvGrpSpPr>
+        <p:cNvPr id="1" name=""/>
+        <p:cNvGrpSpPr/>
+        <p:nvPr/>
+      </p:nvGrpSpPr>
+      <p:grpSpPr>
+        <a:xfrm>
+          <a:off x="0" y="0"/>
+          <a:ext cx="0" cy="0"/>
+          <a:chOff x="0" y="0"/>
+          <a:chExt cx="0" cy="0"/>
+        </a:xfrm>
+      </p:grpSpPr>
+      <p:sp>
+        <p:nvSpPr>
+          <p:cNvPr id="2" name="Title 1">
+            <a:extLst>
+              <a:ext uri="{FF2B5EF4-FFF2-40B4-BE49-F238E27FC236}">
+                <a16:creationId xmlns:a16="http://schemas.microsoft.com/office/drawing/2014/main" id="{87C0747E-B2EF-40FB-817D-1B9698A1DDF7}"/>
+              </a:ext>
+            </a:extLst>
+          </p:cNvPr>
+          <p:cNvSpPr>
+            <a:spLocks noGrp="1"/>
+          </p:cNvSpPr>
+          <p:nvPr>
+            <p:ph type="title"/>
+          </p:nvPr>
+        </p:nvSpPr>
+        <p:spPr/>
+        <p:txBody>
+          <a:bodyPr/>
+          <a:lstStyle/>
+          <a:p>
+            <a:r>
+              <a:rPr lang="vi-VN" dirty="0"/>
+              <a:t>Ưu điểm</a:t>
+            </a:r>
+            <a:endParaRPr lang="en-US" dirty="0"/>
+          </a:p>
+        </p:txBody>
+      </p:sp>
+      <p:sp>
+        <p:nvSpPr>
+          <p:cNvPr id="5" name="Slide Number Placeholder 4">
+            <a:extLst>
+              <a:ext uri="{FF2B5EF4-FFF2-40B4-BE49-F238E27FC236}">
+                <a16:creationId xmlns:a16="http://schemas.microsoft.com/office/drawing/2014/main" id="{95F0CAEB-1E37-4136-AF3B-BBA69ACEC6DE}"/>
+              </a:ext>
+            </a:extLst>
+          </p:cNvPr>
+          <p:cNvSpPr>
+            <a:spLocks noGrp="1"/>
+          </p:cNvSpPr>
+          <p:nvPr>
+            <p:ph type="sldNum" sz="quarter" idx="12"/>
+          </p:nvPr>
+        </p:nvSpPr>
+        <p:spPr/>
+        <p:txBody>
+          <a:bodyPr/>
+          <a:lstStyle/>
+          <a:p>
+            <a:fld id="{9EA0BE3B-158A-4EDF-80DC-E394A0D1600F}" type="slidenum">
+              <a:rPr lang="en-US" smtClean="0"/>
+              <a:pPr/>
+              <a:t>16</a:t>
+            </a:fld>
+            <a:endParaRPr lang="en-US" dirty="0"/>
+          </a:p>
+        </p:txBody>
+      </p:sp>
+      <p:sp>
+        <p:nvSpPr>
+          <p:cNvPr id="6" name="Hộp Văn bản 5">
+            <a:extLst>
+              <a:ext uri="{FF2B5EF4-FFF2-40B4-BE49-F238E27FC236}">
+                <a16:creationId xmlns:a16="http://schemas.microsoft.com/office/drawing/2014/main" id="{678CF59B-5BDB-303A-1B49-A0556D01DC9F}"/>
+              </a:ext>
+            </a:extLst>
+          </p:cNvPr>
+          <p:cNvSpPr txBox="1"/>
+          <p:nvPr/>
+        </p:nvSpPr>
+        <p:spPr>
+          <a:xfrm>
+            <a:off x="702364" y="1364974"/>
+            <a:ext cx="7566991" cy="369332"/>
+          </a:xfrm>
+          <a:prstGeom prst="rect">
+            <a:avLst/>
+          </a:prstGeom>
+        </p:spPr>
+        <p:style>
+          <a:lnRef idx="1">
+            <a:schemeClr val="accent6"/>
+          </a:lnRef>
+          <a:fillRef idx="2">
+            <a:schemeClr val="accent6"/>
+          </a:fillRef>
+          <a:effectRef idx="1">
+            <a:schemeClr val="accent6"/>
+          </a:effectRef>
+          <a:fontRef idx="minor">
+            <a:schemeClr val="dk1"/>
+          </a:fontRef>
+        </p:style>
+        <p:txBody>
+          <a:bodyPr wrap="square" rtlCol="0">
+            <a:spAutoFit/>
+          </a:bodyPr>
+          <a:lstStyle/>
+          <a:p>
+            <a:r>
+              <a:rPr lang="vi-VN" b="1" i="0" dirty="0">
+                <a:effectLst/>
+                <a:latin typeface="Söhne"/>
+              </a:rPr>
+              <a:t>Dễ Sử Dụng:</a:t>
+            </a:r>
+            <a:r>
+              <a:rPr lang="vi-VN" b="0" i="0" dirty="0">
+                <a:solidFill>
+                  <a:srgbClr val="374151"/>
+                </a:solidFill>
+                <a:effectLst/>
+                <a:latin typeface="Söhne"/>
+              </a:rPr>
+              <a:t> Giao diện thân thiện, dễ sử dụng cho cả người dùng mới.</a:t>
+            </a:r>
+            <a:endParaRPr lang="vi-VN" dirty="0"/>
+          </a:p>
+        </p:txBody>
+      </p:sp>
+      <p:sp>
+        <p:nvSpPr>
+          <p:cNvPr id="7" name="Hộp Văn bản 6">
+            <a:extLst>
+              <a:ext uri="{FF2B5EF4-FFF2-40B4-BE49-F238E27FC236}">
+                <a16:creationId xmlns:a16="http://schemas.microsoft.com/office/drawing/2014/main" id="{AB74B007-09C1-BE20-4F2A-2EDBD72C0F66}"/>
+              </a:ext>
+            </a:extLst>
+          </p:cNvPr>
+          <p:cNvSpPr txBox="1"/>
+          <p:nvPr/>
+        </p:nvSpPr>
+        <p:spPr>
+          <a:xfrm>
+            <a:off x="702363" y="2426250"/>
+            <a:ext cx="7566992" cy="369332"/>
+          </a:xfrm>
+          <a:prstGeom prst="rect">
+            <a:avLst/>
+          </a:prstGeom>
+        </p:spPr>
+        <p:style>
+          <a:lnRef idx="1">
+            <a:schemeClr val="accent6"/>
+          </a:lnRef>
+          <a:fillRef idx="2">
+            <a:schemeClr val="accent6"/>
+          </a:fillRef>
+          <a:effectRef idx="1">
+            <a:schemeClr val="accent6"/>
+          </a:effectRef>
+          <a:fontRef idx="minor">
+            <a:schemeClr val="dk1"/>
+          </a:fontRef>
+        </p:style>
+        <p:txBody>
+          <a:bodyPr wrap="square" rtlCol="0">
+            <a:spAutoFit/>
+          </a:bodyPr>
+          <a:lstStyle/>
+          <a:p>
+            <a:r>
+              <a:rPr lang="vi-VN" b="1" i="0" dirty="0">
+                <a:effectLst/>
+                <a:latin typeface="Söhne"/>
+              </a:rPr>
+              <a:t>Tính Linh Hoạt:</a:t>
+            </a:r>
+            <a:r>
+              <a:rPr lang="vi-VN" b="0" i="0" dirty="0">
+                <a:solidFill>
+                  <a:srgbClr val="374151"/>
+                </a:solidFill>
+                <a:effectLst/>
+                <a:latin typeface="Söhne"/>
+              </a:rPr>
+              <a:t> Đáp ứng đa dạng nhu cầu của người thuê và </a:t>
+            </a:r>
+            <a:r>
+              <a:rPr lang="vi-VN" dirty="0">
+                <a:solidFill>
+                  <a:srgbClr val="374151"/>
+                </a:solidFill>
+                <a:latin typeface="Söhne"/>
+              </a:rPr>
+              <a:t>người cho thuê  </a:t>
+            </a:r>
+            <a:r>
+              <a:rPr lang="vi-VN" b="0" i="0" dirty="0">
+                <a:solidFill>
+                  <a:srgbClr val="374151"/>
+                </a:solidFill>
+                <a:effectLst/>
+                <a:latin typeface="Söhne"/>
+              </a:rPr>
+              <a:t>.</a:t>
+            </a:r>
+            <a:endParaRPr lang="vi-VN" dirty="0"/>
+          </a:p>
+        </p:txBody>
+      </p:sp>
+    </p:spTree>
+    <p:extLst>
+      <p:ext uri="{BB962C8B-B14F-4D97-AF65-F5344CB8AC3E}">
+        <p14:creationId xmlns:p14="http://schemas.microsoft.com/office/powerpoint/2010/main" val="2816281676"/>
+      </p:ext>
+    </p:extLst>
+  </p:cSld>
+  <p:clrMapOvr>
+    <a:masterClrMapping/>
+  </p:clrMapOvr>
+</p:sld>
+</file>
+
+<file path=ppt/slides/slide17.xml><?xml version="1.0" encoding="utf-8"?>
+<p:sld xmlns:a="http://schemas.openxmlformats.org/drawingml/2006/main" xmlns:r="http://schemas.openxmlformats.org/officeDocument/2006/relationships" xmlns:p="http://schemas.openxmlformats.org/presentationml/2006/main">
+  <p:cSld>
+    <p:spTree>
+      <p:nvGrpSpPr>
+        <p:cNvPr id="1" name=""/>
+        <p:cNvGrpSpPr/>
+        <p:nvPr/>
+      </p:nvGrpSpPr>
+      <p:grpSpPr>
+        <a:xfrm>
+          <a:off x="0" y="0"/>
+          <a:ext cx="0" cy="0"/>
+          <a:chOff x="0" y="0"/>
+          <a:chExt cx="0" cy="0"/>
+        </a:xfrm>
+      </p:grpSpPr>
+      <p:sp>
+        <p:nvSpPr>
+          <p:cNvPr id="2" name="Title 1">
+            <a:extLst>
+              <a:ext uri="{FF2B5EF4-FFF2-40B4-BE49-F238E27FC236}">
+                <a16:creationId xmlns:a16="http://schemas.microsoft.com/office/drawing/2014/main" id="{87C0747E-B2EF-40FB-817D-1B9698A1DDF7}"/>
+              </a:ext>
+            </a:extLst>
+          </p:cNvPr>
+          <p:cNvSpPr>
+            <a:spLocks noGrp="1"/>
+          </p:cNvSpPr>
+          <p:nvPr>
+            <p:ph type="title"/>
+          </p:nvPr>
+        </p:nvSpPr>
+        <p:spPr/>
+        <p:txBody>
+          <a:bodyPr/>
+          <a:lstStyle/>
+          <a:p>
+            <a:r>
+              <a:rPr lang="vi-VN" dirty="0"/>
+              <a:t>4 . Kết luận và Hướng phát triển </a:t>
+            </a:r>
+            <a:endParaRPr lang="en-US" dirty="0"/>
+          </a:p>
+        </p:txBody>
+      </p:sp>
+      <p:sp>
+        <p:nvSpPr>
+          <p:cNvPr id="5" name="Slide Number Placeholder 4">
+            <a:extLst>
+              <a:ext uri="{FF2B5EF4-FFF2-40B4-BE49-F238E27FC236}">
+                <a16:creationId xmlns:a16="http://schemas.microsoft.com/office/drawing/2014/main" id="{95F0CAEB-1E37-4136-AF3B-BBA69ACEC6DE}"/>
+              </a:ext>
+            </a:extLst>
+          </p:cNvPr>
+          <p:cNvSpPr>
+            <a:spLocks noGrp="1"/>
+          </p:cNvSpPr>
+          <p:nvPr>
+            <p:ph type="sldNum" sz="quarter" idx="12"/>
+          </p:nvPr>
+        </p:nvSpPr>
+        <p:spPr/>
+        <p:txBody>
+          <a:bodyPr/>
+          <a:lstStyle/>
+          <a:p>
+            <a:fld id="{9EA0BE3B-158A-4EDF-80DC-E394A0D1600F}" type="slidenum">
+              <a:rPr lang="en-US" smtClean="0"/>
+              <a:pPr/>
+              <a:t>17</a:t>
+            </a:fld>
+            <a:endParaRPr lang="en-US" dirty="0"/>
+          </a:p>
+        </p:txBody>
+      </p:sp>
       <p:sp>
         <p:nvSpPr>
           <p:cNvPr id="4" name="Hộp Văn bản 3">
@@ -4009,7 +6271,7 @@
         <p:spPr>
           <a:xfrm>
             <a:off x="563217" y="1233966"/>
-            <a:ext cx="7745896" cy="646331"/>
+            <a:ext cx="7904922" cy="707886"/>
           </a:xfrm>
           <a:prstGeom prst="rect">
             <a:avLst/>
@@ -4036,23 +6298,33 @@
           <a:lstStyle/>
           <a:p>
             <a:r>
-              <a:rPr lang="vi-VN" b="1" i="0" dirty="0">
+              <a:rPr lang="vi-VN" sz="2000" b="1" i="0" dirty="0">
                 <a:effectLst/>
                 <a:latin typeface="Söhne"/>
               </a:rPr>
               <a:t>Tầm Quan Trọng:</a:t>
             </a:r>
             <a:r>
-              <a:rPr lang="vi-VN" b="0" i="0" dirty="0">
+              <a:rPr lang="vi-VN" sz="2000" b="0" i="0" dirty="0">
                 <a:solidFill>
                   <a:srgbClr val="374151"/>
                 </a:solidFill>
                 <a:effectLst/>
                 <a:latin typeface="Söhne"/>
               </a:rPr>
-              <a:t> Hệ thống giúp nâng cao trải nghiệm tìm kiếm và cho thuê nhà , căn hộ với người dùng .</a:t>
-            </a:r>
-            <a:endParaRPr lang="vi-VN" dirty="0"/>
+              <a:t> </a:t>
+            </a:r>
+            <a:r>
+              <a:rPr lang="vi-VN" sz="2000" b="0" i="0" dirty="0">
+                <a:solidFill>
+                  <a:schemeClr val="bg1"/>
+                </a:solidFill>
+                <a:effectLst/>
+                <a:latin typeface="Söhne"/>
+              </a:rPr>
+              <a:t>Hệ thống giúp nâng cao trải nghiệm tìm kiếm và cho thuê nhà đối với người dùng </a:t>
+            </a:r>
+            <a:endParaRPr lang="vi-VN" sz="2000" dirty="0"/>
           </a:p>
         </p:txBody>
       </p:sp>
@@ -4070,8 +6342,8 @@
         </p:nvSpPr>
         <p:spPr>
           <a:xfrm>
-            <a:off x="563215" y="3429000"/>
-            <a:ext cx="7745897" cy="369332"/>
+            <a:off x="563217" y="3105834"/>
+            <a:ext cx="7745897" cy="646331"/>
           </a:xfrm>
           <a:prstGeom prst="rect">
             <a:avLst/>
@@ -4105,14 +6377,26 @@
               <a:t>Đóng Góp:</a:t>
             </a:r>
             <a:r>
-              <a:rPr lang="vi-VN" b="0" i="0" dirty="0">
+              <a:rPr lang="vi-VN" dirty="0">
                 <a:solidFill>
                   <a:srgbClr val="374151"/>
                 </a:solidFill>
-                <a:effectLst/>
                 <a:latin typeface="Söhne"/>
               </a:rPr>
-              <a:t> Góp phần thúc đẩy sự phát triển trong lĩnh vực cho thuê nhà, căn hộ.</a:t>
+              <a:t> </a:t>
+            </a:r>
+            <a:r>
+              <a:rPr lang="vi-VN" dirty="0"/>
+              <a:t>Góp phần thúc đẩy sự phát triển trong lĩnh vực cho thuê nhà,          căn hộ</a:t>
+            </a:r>
+            <a:r>
+              <a:rPr lang="vi-VN" dirty="0">
+                <a:solidFill>
+                  <a:srgbClr val="374151"/>
+                </a:solidFill>
+                <a:latin typeface="Söhne"/>
+              </a:rPr>
+              <a:t>.</a:t>
             </a:r>
             <a:endParaRPr lang="vi-VN" dirty="0"/>
           </a:p>
@@ -4363,7 +6647,7 @@
 </p:sld>
 </file>
 
-<file path=ppt/slides/slide14.xml><?xml version="1.0" encoding="utf-8"?>
+<file path=ppt/slides/slide18.xml><?xml version="1.0" encoding="utf-8"?>
 <p:sld xmlns:a="http://schemas.openxmlformats.org/drawingml/2006/main" xmlns:r="http://schemas.openxmlformats.org/officeDocument/2006/relationships" xmlns:p="http://schemas.openxmlformats.org/presentationml/2006/main">
   <p:cSld>
     <p:spTree>
@@ -4436,7 +6720,7 @@
             <a:fld id="{9EA0BE3B-158A-4EDF-80DC-E394A0D1600F}" type="slidenum">
               <a:rPr lang="en-US" smtClean="0"/>
               <a:pPr/>
-              <a:t>14</a:t>
+              <a:t>18</a:t>
             </a:fld>
             <a:endParaRPr lang="en-US" dirty="0"/>
           </a:p>
@@ -4456,8 +6740,8 @@
         </p:nvSpPr>
         <p:spPr>
           <a:xfrm>
-            <a:off x="874643" y="1722783"/>
-            <a:ext cx="7156174" cy="646331"/>
+            <a:off x="235077" y="1692571"/>
+            <a:ext cx="3806836" cy="923330"/>
           </a:xfrm>
           <a:prstGeom prst="rect">
             <a:avLst/>
@@ -4484,23 +6768,13 @@
           <a:lstStyle/>
           <a:p>
             <a:r>
-              <a:rPr lang="vi-VN" b="1" i="0" dirty="0">
-                <a:effectLst/>
-                <a:latin typeface="Söhne"/>
-              </a:rPr>
-              <a:t>Mở Rộng Nền Tảng:</a:t>
-            </a:r>
-            <a:r>
-              <a:rPr lang="vi-VN" b="0" i="0" dirty="0">
-                <a:solidFill>
-                  <a:srgbClr val="374151"/>
-                </a:solidFill>
-                <a:effectLst/>
-                <a:latin typeface="Söhne"/>
-              </a:rPr>
-              <a:t> Phát triển ứng dụng di động và kết nối nền tảng với các dịch vụ khác.</a:t>
-            </a:r>
-            <a:endParaRPr lang="vi-VN" dirty="0"/>
+              <a:rPr lang="vi-VN" b="1" dirty="0"/>
+              <a:t>Mở Rộng Nền Tảng</a:t>
+            </a:r>
+            <a:r>
+              <a:rPr lang="vi-VN" dirty="0"/>
+              <a:t>: Phát triển ứng dụng di động và kết nối với các dịch vụ khác.</a:t>
+            </a:r>
           </a:p>
         </p:txBody>
       </p:sp>
@@ -4518,8 +6792,8 @@
         </p:nvSpPr>
         <p:spPr>
           <a:xfrm>
-            <a:off x="874643" y="4073781"/>
-            <a:ext cx="6255026" cy="646331"/>
+            <a:off x="235077" y="4107698"/>
+            <a:ext cx="3806836" cy="923330"/>
           </a:xfrm>
           <a:prstGeom prst="rect">
             <a:avLst/>
@@ -4546,26 +6820,91 @@
           <a:lstStyle/>
           <a:p>
             <a:r>
-              <a:rPr lang="vi-VN" b="1" i="0" dirty="0">
-                <a:effectLst/>
-                <a:latin typeface="Söhne"/>
-              </a:rPr>
-              <a:t>Tích Hợp Trí Tuệ Nhân Tạo:</a:t>
-            </a:r>
-            <a:r>
-              <a:rPr lang="vi-VN" b="0" i="0" dirty="0">
-                <a:solidFill>
-                  <a:srgbClr val="374151"/>
-                </a:solidFill>
-                <a:effectLst/>
-                <a:latin typeface="Söhne"/>
-              </a:rPr>
-              <a:t> Tối ưu hóa gợi ý bất động sản dựa trên sở thích và hành vi người dùng.</a:t>
-            </a:r>
-            <a:endParaRPr lang="vi-VN" dirty="0"/>
+              <a:rPr lang="vi-VN" b="1" dirty="0"/>
+              <a:t>Tích Hợp Trí Tuệ Nhân Tạo</a:t>
+            </a:r>
+            <a:r>
+              <a:rPr lang="vi-VN" dirty="0"/>
+              <a:t>: Tối ưu hóa gợi ý bất động sản dựa trên sở thích và hành vi người dùng.</a:t>
+            </a:r>
           </a:p>
         </p:txBody>
       </p:sp>
+      <p:pic>
+        <p:nvPicPr>
+          <p:cNvPr id="6" name="Hình ảnh 5" descr="Ảnh có chứa ảnh chụp màn hình, thiết kế&#10;&#10;Mô tả được tạo tự động">
+            <a:extLst>
+              <a:ext uri="{FF2B5EF4-FFF2-40B4-BE49-F238E27FC236}">
+                <a16:creationId xmlns:a16="http://schemas.microsoft.com/office/drawing/2014/main" id="{E6633E79-4E9F-2285-21E5-29F0629E1310}"/>
+              </a:ext>
+            </a:extLst>
+          </p:cNvPr>
+          <p:cNvPicPr>
+            <a:picLocks noChangeAspect="1"/>
+          </p:cNvPicPr>
+          <p:nvPr/>
+        </p:nvPicPr>
+        <p:blipFill>
+          <a:blip r:embed="rId2">
+            <a:extLst>
+              <a:ext uri="{28A0092B-C50C-407E-A947-70E740481C1C}">
+                <a14:useLocalDpi xmlns:a14="http://schemas.microsoft.com/office/drawing/2010/main" val="0"/>
+              </a:ext>
+              <a:ext uri="{837473B0-CC2E-450A-ABE3-18F120FF3D39}">
+                <a1611:picAttrSrcUrl xmlns:a1611="http://schemas.microsoft.com/office/drawing/2016/11/main" r:id="rId3"/>
+              </a:ext>
+            </a:extLst>
+          </a:blip>
+          <a:stretch>
+            <a:fillRect/>
+          </a:stretch>
+        </p:blipFill>
+        <p:spPr>
+          <a:xfrm>
+            <a:off x="4850296" y="1161223"/>
+            <a:ext cx="3190718" cy="1798767"/>
+          </a:xfrm>
+          <a:prstGeom prst="rect">
+            <a:avLst/>
+          </a:prstGeom>
+        </p:spPr>
+      </p:pic>
+      <p:pic>
+        <p:nvPicPr>
+          <p:cNvPr id="9" name="Hình ảnh 8" descr="Ảnh có chứa kính lúp cầm tay, gương, trong nhà&#10;&#10;Mô tả được tạo tự động">
+            <a:extLst>
+              <a:ext uri="{FF2B5EF4-FFF2-40B4-BE49-F238E27FC236}">
+                <a16:creationId xmlns:a16="http://schemas.microsoft.com/office/drawing/2014/main" id="{5F6A377C-BDC4-34F5-ECF2-4F55F01A0C1D}"/>
+              </a:ext>
+            </a:extLst>
+          </p:cNvPr>
+          <p:cNvPicPr>
+            <a:picLocks noChangeAspect="1"/>
+          </p:cNvPicPr>
+          <p:nvPr/>
+        </p:nvPicPr>
+        <p:blipFill>
+          <a:blip r:embed="rId4">
+            <a:extLst>
+              <a:ext uri="{28A0092B-C50C-407E-A947-70E740481C1C}">
+                <a14:useLocalDpi xmlns:a14="http://schemas.microsoft.com/office/drawing/2010/main" val="0"/>
+              </a:ext>
+            </a:extLst>
+          </a:blip>
+          <a:stretch>
+            <a:fillRect/>
+          </a:stretch>
+        </p:blipFill>
+        <p:spPr>
+          <a:xfrm>
+            <a:off x="4850296" y="3516103"/>
+            <a:ext cx="3190718" cy="1847850"/>
+          </a:xfrm>
+          <a:prstGeom prst="rect">
+            <a:avLst/>
+          </a:prstGeom>
+        </p:spPr>
+      </p:pic>
     </p:spTree>
     <p:extLst>
       <p:ext uri="{BB962C8B-B14F-4D97-AF65-F5344CB8AC3E}">
@@ -4719,7 +7058,7 @@
 </p:sld>
 </file>
 
-<file path=ppt/slides/slide15.xml><?xml version="1.0" encoding="utf-8"?>
+<file path=ppt/slides/slide19.xml><?xml version="1.0" encoding="utf-8"?>
 <p:sld xmlns:a="http://schemas.openxmlformats.org/drawingml/2006/main" xmlns:r="http://schemas.openxmlformats.org/officeDocument/2006/relationships" xmlns:p="http://schemas.openxmlformats.org/presentationml/2006/main">
   <p:cSld>
     <p:spTree>
@@ -4760,7 +7099,7 @@
             <a:fld id="{9EA0BE3B-158A-4EDF-80DC-E394A0D1600F}" type="slidenum">
               <a:rPr lang="en-US" smtClean="0"/>
               <a:pPr/>
-              <a:t>15</a:t>
+              <a:t>19</a:t>
             </a:fld>
             <a:endParaRPr lang="en-US" dirty="0"/>
           </a:p>
@@ -4831,7 +7170,7 @@
 </p:sld>
 </file>
 
-<file path=ppt/slides/slide16.xml><?xml version="1.0" encoding="utf-8"?>
+<file path=ppt/slides/slide2.xml><?xml version="1.0" encoding="utf-8"?>
 <p:sld xmlns:a="http://schemas.openxmlformats.org/drawingml/2006/main" xmlns:r="http://schemas.openxmlformats.org/officeDocument/2006/relationships" xmlns:p="http://schemas.openxmlformats.org/presentationml/2006/main">
   <p:cSld>
     <p:spTree>
@@ -4853,7 +7192,7 @@
           <p:cNvPr id="2" name="Title 1">
             <a:extLst>
               <a:ext uri="{FF2B5EF4-FFF2-40B4-BE49-F238E27FC236}">
-                <a16:creationId xmlns:a16="http://schemas.microsoft.com/office/drawing/2014/main" id="{66CA7ECF-1792-4255-AF79-1338056A166B}"/>
+                <a16:creationId xmlns:a16="http://schemas.microsoft.com/office/drawing/2014/main" id="{B88898E0-30FF-4956-A658-42E15A83164B}"/>
               </a:ext>
             </a:extLst>
           </p:cNvPr>
@@ -4864,74 +7203,203 @@
             <p:ph type="title"/>
           </p:nvPr>
         </p:nvSpPr>
-        <p:spPr/>
+        <p:spPr>
+          <a:xfrm>
+            <a:off x="294044" y="1684056"/>
+            <a:ext cx="8849956" cy="2127504"/>
+          </a:xfrm>
+        </p:spPr>
         <p:txBody>
           <a:bodyPr/>
           <a:lstStyle/>
           <a:p>
-            <a:endParaRPr lang="en-US"/>
+            <a:r>
+              <a:rPr lang="en-US" dirty="0" err="1"/>
+              <a:t>Đồ</a:t>
+            </a:r>
+            <a:r>
+              <a:rPr lang="en-US" dirty="0"/>
+              <a:t> </a:t>
+            </a:r>
+            <a:r>
+              <a:rPr lang="en-US" dirty="0" err="1"/>
+              <a:t>án</a:t>
+            </a:r>
+            <a:r>
+              <a:rPr lang="en-US" dirty="0"/>
+              <a:t> </a:t>
+            </a:r>
+            <a:r>
+              <a:rPr lang="en-US" dirty="0" err="1"/>
+              <a:t>tốt</a:t>
+            </a:r>
+            <a:r>
+              <a:rPr lang="en-US" dirty="0"/>
+              <a:t> </a:t>
+            </a:r>
+            <a:r>
+              <a:rPr lang="en-US" dirty="0" err="1"/>
+              <a:t>nghiệp</a:t>
+            </a:r>
+            <a:br>
+              <a:rPr lang="en-US" dirty="0"/>
+            </a:br>
+            <a:r>
+              <a:rPr lang="en-US" dirty="0" err="1"/>
+              <a:t>Xây</a:t>
+            </a:r>
+            <a:r>
+              <a:rPr lang="en-US" dirty="0"/>
+              <a:t> </a:t>
+            </a:r>
+            <a:r>
+              <a:rPr lang="en-US" dirty="0" err="1"/>
+              <a:t>dựng,thiết</a:t>
+            </a:r>
+            <a:r>
+              <a:rPr lang="en-US" dirty="0"/>
+              <a:t> </a:t>
+            </a:r>
+            <a:r>
+              <a:rPr lang="en-US" dirty="0" err="1"/>
+              <a:t>kế</a:t>
+            </a:r>
+            <a:r>
+              <a:rPr lang="en-US" dirty="0"/>
+              <a:t> website </a:t>
+            </a:r>
+            <a:r>
+              <a:rPr lang="en-US" dirty="0" err="1"/>
+              <a:t>tìm</a:t>
+            </a:r>
+            <a:r>
+              <a:rPr lang="en-US" dirty="0"/>
+              <a:t> </a:t>
+            </a:r>
+            <a:r>
+              <a:rPr lang="en-US" dirty="0" err="1"/>
+              <a:t>và</a:t>
+            </a:r>
+            <a:r>
+              <a:rPr lang="en-US" dirty="0"/>
+              <a:t> </a:t>
+            </a:r>
+            <a:r>
+              <a:rPr lang="en-US" dirty="0" err="1"/>
+              <a:t>quản</a:t>
+            </a:r>
+            <a:r>
+              <a:rPr lang="en-US" dirty="0"/>
+              <a:t> </a:t>
+            </a:r>
+            <a:r>
+              <a:rPr lang="en-US" dirty="0" err="1"/>
+              <a:t>lí</a:t>
+            </a:r>
+            <a:r>
+              <a:rPr lang="en-US" dirty="0"/>
+              <a:t> </a:t>
+            </a:r>
+            <a:r>
+              <a:rPr lang="en-US" dirty="0" err="1"/>
+              <a:t>nhà</a:t>
+            </a:r>
+            <a:r>
+              <a:rPr lang="en-US" dirty="0"/>
+              <a:t> </a:t>
+            </a:r>
+            <a:r>
+              <a:rPr lang="en-US" dirty="0" err="1"/>
+              <a:t>trọ</a:t>
+            </a:r>
+            <a:endParaRPr lang="en-US" dirty="0"/>
           </a:p>
         </p:txBody>
       </p:sp>
       <p:sp>
         <p:nvSpPr>
-          <p:cNvPr id="3" name="Text Placeholder 2">
-            <a:extLst>
-              <a:ext uri="{FF2B5EF4-FFF2-40B4-BE49-F238E27FC236}">
-                <a16:creationId xmlns:a16="http://schemas.microsoft.com/office/drawing/2014/main" id="{387A365B-2C63-46A3-AD64-BA52831BEC40}"/>
-              </a:ext>
-            </a:extLst>
-          </p:cNvPr>
-          <p:cNvSpPr>
-            <a:spLocks noGrp="1"/>
-          </p:cNvSpPr>
-          <p:nvPr>
-            <p:ph type="body" sz="quarter" idx="13"/>
-          </p:nvPr>
+          <p:cNvPr id="5" name="Hộp Văn bản 4">
+            <a:extLst>
+              <a:ext uri="{FF2B5EF4-FFF2-40B4-BE49-F238E27FC236}">
+                <a16:creationId xmlns:a16="http://schemas.microsoft.com/office/drawing/2014/main" id="{34CD5712-75A4-4FE1-9728-AED929B7E82D}"/>
+              </a:ext>
+            </a:extLst>
+          </p:cNvPr>
+          <p:cNvSpPr txBox="1"/>
+          <p:nvPr/>
         </p:nvSpPr>
-        <p:spPr/>
+        <p:spPr>
+          <a:xfrm>
+            <a:off x="4828934" y="4383156"/>
+            <a:ext cx="4447823" cy="369332"/>
+          </a:xfrm>
+          <a:prstGeom prst="rect">
+            <a:avLst/>
+          </a:prstGeom>
+          <a:noFill/>
+        </p:spPr>
         <p:txBody>
-          <a:bodyPr/>
+          <a:bodyPr wrap="square" rtlCol="0">
+            <a:spAutoFit/>
+          </a:bodyPr>
           <a:lstStyle/>
           <a:p>
-            <a:endParaRPr lang="en-US"/>
+            <a:r>
+              <a:rPr lang="en-US" dirty="0">
+                <a:solidFill>
+                  <a:schemeClr val="bg1"/>
+                </a:solidFill>
+                <a:effectLst/>
+              </a:rPr>
+              <a:t>Doãn Minh Phụng    20183810 </a:t>
+            </a:r>
           </a:p>
         </p:txBody>
       </p:sp>
       <p:sp>
         <p:nvSpPr>
-          <p:cNvPr id="4" name="Slide Number Placeholder 3">
-            <a:extLst>
-              <a:ext uri="{FF2B5EF4-FFF2-40B4-BE49-F238E27FC236}">
-                <a16:creationId xmlns:a16="http://schemas.microsoft.com/office/drawing/2014/main" id="{FB67697B-E2F6-452F-B4AF-9444ACC6F580}"/>
-              </a:ext>
-            </a:extLst>
-          </p:cNvPr>
-          <p:cNvSpPr>
-            <a:spLocks noGrp="1"/>
-          </p:cNvSpPr>
-          <p:nvPr>
-            <p:ph type="sldNum" sz="quarter" idx="12"/>
-          </p:nvPr>
+          <p:cNvPr id="4" name="Hộp Văn bản 3">
+            <a:extLst>
+              <a:ext uri="{FF2B5EF4-FFF2-40B4-BE49-F238E27FC236}">
+                <a16:creationId xmlns:a16="http://schemas.microsoft.com/office/drawing/2014/main" id="{3885B75F-DFFB-210D-8938-8EA4949FD6E5}"/>
+              </a:ext>
+            </a:extLst>
+          </p:cNvPr>
+          <p:cNvSpPr txBox="1"/>
+          <p:nvPr/>
         </p:nvSpPr>
-        <p:spPr/>
+        <p:spPr>
+          <a:xfrm>
+            <a:off x="4828933" y="4989278"/>
+            <a:ext cx="4447823" cy="369332"/>
+          </a:xfrm>
+          <a:prstGeom prst="rect">
+            <a:avLst/>
+          </a:prstGeom>
+          <a:noFill/>
+        </p:spPr>
         <p:txBody>
-          <a:bodyPr/>
+          <a:bodyPr wrap="square" rtlCol="0">
+            <a:spAutoFit/>
+          </a:bodyPr>
           <a:lstStyle/>
           <a:p>
-            <a:fld id="{9EA0BE3B-158A-4EDF-80DC-E394A0D1600F}" type="slidenum">
-              <a:rPr lang="en-US" smtClean="0"/>
-              <a:pPr/>
-              <a:t>16</a:t>
-            </a:fld>
-            <a:endParaRPr lang="en-US" dirty="0"/>
+            <a:r>
+              <a:rPr lang="en-US" dirty="0">
+                <a:solidFill>
+                  <a:schemeClr val="bg1"/>
+                </a:solidFill>
+                <a:effectLst/>
+              </a:rPr>
+              <a:t>GVHD : PGS TS ĐẶNG VĂN CHUYẾT</a:t>
+            </a:r>
           </a:p>
         </p:txBody>
       </p:sp>
     </p:spTree>
     <p:extLst>
       <p:ext uri="{BB962C8B-B14F-4D97-AF65-F5344CB8AC3E}">
-        <p14:creationId xmlns:p14="http://schemas.microsoft.com/office/powerpoint/2010/main" val="3194012731"/>
+        <p14:creationId xmlns:p14="http://schemas.microsoft.com/office/powerpoint/2010/main" val="1850899118"/>
       </p:ext>
     </p:extLst>
   </p:cSld>
@@ -4941,7 +7409,7 @@
 </p:sld>
 </file>
 
-<file path=ppt/slides/slide17.xml><?xml version="1.0" encoding="utf-8"?>
+<file path=ppt/slides/slide20.xml><?xml version="1.0" encoding="utf-8"?>
 <p:sld xmlns:a="http://schemas.openxmlformats.org/drawingml/2006/main" xmlns:r="http://schemas.openxmlformats.org/officeDocument/2006/relationships" xmlns:p="http://schemas.openxmlformats.org/presentationml/2006/main">
   <p:cSld>
     <p:spTree>
@@ -4958,6 +7426,184 @@
           <a:chExt cx="0" cy="0"/>
         </a:xfrm>
       </p:grpSpPr>
+      <p:sp>
+        <p:nvSpPr>
+          <p:cNvPr id="2" name="Title 1">
+            <a:extLst>
+              <a:ext uri="{FF2B5EF4-FFF2-40B4-BE49-F238E27FC236}">
+                <a16:creationId xmlns:a16="http://schemas.microsoft.com/office/drawing/2014/main" id="{66CA7ECF-1792-4255-AF79-1338056A166B}"/>
+              </a:ext>
+            </a:extLst>
+          </p:cNvPr>
+          <p:cNvSpPr>
+            <a:spLocks noGrp="1"/>
+          </p:cNvSpPr>
+          <p:nvPr>
+            <p:ph type="title"/>
+          </p:nvPr>
+        </p:nvSpPr>
+        <p:spPr/>
+        <p:txBody>
+          <a:bodyPr/>
+          <a:lstStyle/>
+          <a:p>
+            <a:endParaRPr lang="en-US"/>
+          </a:p>
+        </p:txBody>
+      </p:sp>
+      <p:sp>
+        <p:nvSpPr>
+          <p:cNvPr id="3" name="Text Placeholder 2">
+            <a:extLst>
+              <a:ext uri="{FF2B5EF4-FFF2-40B4-BE49-F238E27FC236}">
+                <a16:creationId xmlns:a16="http://schemas.microsoft.com/office/drawing/2014/main" id="{387A365B-2C63-46A3-AD64-BA52831BEC40}"/>
+              </a:ext>
+            </a:extLst>
+          </p:cNvPr>
+          <p:cNvSpPr>
+            <a:spLocks noGrp="1"/>
+          </p:cNvSpPr>
+          <p:nvPr>
+            <p:ph type="body" sz="quarter" idx="13"/>
+          </p:nvPr>
+        </p:nvSpPr>
+        <p:spPr/>
+        <p:txBody>
+          <a:bodyPr/>
+          <a:lstStyle/>
+          <a:p>
+            <a:endParaRPr lang="en-US"/>
+          </a:p>
+        </p:txBody>
+      </p:sp>
+      <p:sp>
+        <p:nvSpPr>
+          <p:cNvPr id="4" name="Slide Number Placeholder 3">
+            <a:extLst>
+              <a:ext uri="{FF2B5EF4-FFF2-40B4-BE49-F238E27FC236}">
+                <a16:creationId xmlns:a16="http://schemas.microsoft.com/office/drawing/2014/main" id="{FB67697B-E2F6-452F-B4AF-9444ACC6F580}"/>
+              </a:ext>
+            </a:extLst>
+          </p:cNvPr>
+          <p:cNvSpPr>
+            <a:spLocks noGrp="1"/>
+          </p:cNvSpPr>
+          <p:nvPr>
+            <p:ph type="sldNum" sz="quarter" idx="12"/>
+          </p:nvPr>
+        </p:nvSpPr>
+        <p:spPr/>
+        <p:txBody>
+          <a:bodyPr/>
+          <a:lstStyle/>
+          <a:p>
+            <a:fld id="{9EA0BE3B-158A-4EDF-80DC-E394A0D1600F}" type="slidenum">
+              <a:rPr lang="en-US" smtClean="0"/>
+              <a:pPr/>
+              <a:t>20</a:t>
+            </a:fld>
+            <a:endParaRPr lang="en-US" dirty="0"/>
+          </a:p>
+        </p:txBody>
+      </p:sp>
+    </p:spTree>
+    <p:extLst>
+      <p:ext uri="{BB962C8B-B14F-4D97-AF65-F5344CB8AC3E}">
+        <p14:creationId xmlns:p14="http://schemas.microsoft.com/office/powerpoint/2010/main" val="3194012731"/>
+      </p:ext>
+    </p:extLst>
+  </p:cSld>
+  <p:clrMapOvr>
+    <a:masterClrMapping/>
+  </p:clrMapOvr>
+</p:sld>
+</file>
+
+<file path=ppt/slides/slide3.xml><?xml version="1.0" encoding="utf-8"?>
+<p:sld xmlns:a="http://schemas.openxmlformats.org/drawingml/2006/main" xmlns:r="http://schemas.openxmlformats.org/officeDocument/2006/relationships" xmlns:p="http://schemas.openxmlformats.org/presentationml/2006/main">
+  <p:cSld>
+    <p:bg>
+      <p:bgPr>
+        <a:solidFill>
+          <a:schemeClr val="bg1"/>
+        </a:solidFill>
+        <a:effectLst/>
+      </p:bgPr>
+    </p:bg>
+    <p:spTree>
+      <p:nvGrpSpPr>
+        <p:cNvPr id="1" name=""/>
+        <p:cNvGrpSpPr/>
+        <p:nvPr/>
+      </p:nvGrpSpPr>
+      <p:grpSpPr>
+        <a:xfrm>
+          <a:off x="0" y="0"/>
+          <a:ext cx="0" cy="0"/>
+          <a:chOff x="0" y="0"/>
+          <a:chExt cx="0" cy="0"/>
+        </a:xfrm>
+      </p:grpSpPr>
+      <p:sp useBgFill="1">
+        <p:nvSpPr>
+          <p:cNvPr id="17" name="Rectangle 16">
+            <a:extLst>
+              <a:ext uri="{FF2B5EF4-FFF2-40B4-BE49-F238E27FC236}">
+                <a16:creationId xmlns:a16="http://schemas.microsoft.com/office/drawing/2014/main" id="{7B831B6F-405A-4B47-B9BB-5CA88F285844}"/>
+              </a:ext>
+              <a:ext uri="{C183D7F6-B498-43B3-948B-1728B52AA6E4}">
+                <adec:decorative xmlns:adec="http://schemas.microsoft.com/office/drawing/2017/decorative" val="1"/>
+              </a:ext>
+            </a:extLst>
+          </p:cNvPr>
+          <p:cNvSpPr>
+            <a:spLocks noGrp="1" noRot="1" noChangeAspect="1" noMove="1" noResize="1" noEditPoints="1" noAdjustHandles="1" noChangeArrowheads="1" noChangeShapeType="1" noTextEdit="1"/>
+          </p:cNvSpPr>
+          <p:nvPr>
+            <p:extLst>
+              <p:ext uri="{386F3935-93C4-4BCD-93E2-E3B085C9AB24}">
+                <p16:designElem xmlns:p16="http://schemas.microsoft.com/office/powerpoint/2015/main" val="1"/>
+              </p:ext>
+            </p:extLst>
+          </p:nvPr>
+        </p:nvSpPr>
+        <p:spPr>
+          <a:xfrm>
+            <a:off x="0" y="0"/>
+            <a:ext cx="9144000" cy="6858000"/>
+          </a:xfrm>
+          <a:prstGeom prst="rect">
+            <a:avLst/>
+          </a:prstGeom>
+          <a:ln>
+            <a:noFill/>
+          </a:ln>
+        </p:spPr>
+        <p:style>
+          <a:lnRef idx="2">
+            <a:schemeClr val="accent1">
+              <a:shade val="50000"/>
+            </a:schemeClr>
+          </a:lnRef>
+          <a:fillRef idx="1">
+            <a:schemeClr val="accent1"/>
+          </a:fillRef>
+          <a:effectRef idx="0">
+            <a:schemeClr val="accent1"/>
+          </a:effectRef>
+          <a:fontRef idx="minor">
+            <a:schemeClr val="lt1"/>
+          </a:fontRef>
+        </p:style>
+        <p:txBody>
+          <a:bodyPr rtlCol="0" anchor="ctr"/>
+          <a:lstStyle/>
+          <a:p>
+            <a:pPr algn="ctr"/>
+            <a:endParaRPr lang="en-US"/>
+          </a:p>
+        </p:txBody>
+      </p:sp>
       <p:pic>
         <p:nvPicPr>
           <p:cNvPr id="10" name="Picture 3" descr="Text&#10;&#10;Description automatically generated">
@@ -4986,14 +7632,1431 @@
         </p:blipFill>
         <p:spPr>
           <a:xfrm>
-            <a:off x="413012" y="317038"/>
-            <a:ext cx="2576374" cy="936215"/>
+            <a:off x="573741" y="2971031"/>
+            <a:ext cx="2526726" cy="915938"/>
           </a:xfrm>
           <a:prstGeom prst="rect">
             <a:avLst/>
           </a:prstGeom>
         </p:spPr>
       </p:pic>
+      <p:sp>
+        <p:nvSpPr>
+          <p:cNvPr id="19" name="Freeform: Shape 18">
+            <a:extLst>
+              <a:ext uri="{FF2B5EF4-FFF2-40B4-BE49-F238E27FC236}">
+                <a16:creationId xmlns:a16="http://schemas.microsoft.com/office/drawing/2014/main" id="{15109354-9C5D-4F8C-B0E6-D1043C7BF20A}"/>
+              </a:ext>
+              <a:ext uri="{C183D7F6-B498-43B3-948B-1728B52AA6E4}">
+                <adec:decorative xmlns:adec="http://schemas.microsoft.com/office/drawing/2017/decorative" val="1"/>
+              </a:ext>
+            </a:extLst>
+          </p:cNvPr>
+          <p:cNvSpPr>
+            <a:spLocks noGrp="1" noRot="1" noChangeAspect="1" noMove="1" noResize="1" noEditPoints="1" noAdjustHandles="1" noChangeArrowheads="1" noChangeShapeType="1" noTextEdit="1"/>
+          </p:cNvSpPr>
+          <p:nvPr>
+            <p:extLst>
+              <p:ext uri="{386F3935-93C4-4BCD-93E2-E3B085C9AB24}">
+                <p16:designElem xmlns:p16="http://schemas.microsoft.com/office/powerpoint/2015/main" val="1"/>
+              </p:ext>
+            </p:extLst>
+          </p:nvPr>
+        </p:nvSpPr>
+        <p:spPr>
+          <a:xfrm>
+            <a:off x="3472494" y="0"/>
+            <a:ext cx="5671506" cy="6858000"/>
+          </a:xfrm>
+          <a:custGeom>
+            <a:avLst/>
+            <a:gdLst>
+              <a:gd name="connsiteX0" fmla="*/ 7529613 w 7529613"/>
+              <a:gd name="connsiteY0" fmla="*/ 0 h 6858000"/>
+              <a:gd name="connsiteX1" fmla="*/ 1222331 w 7529613"/>
+              <a:gd name="connsiteY1" fmla="*/ 0 h 6858000"/>
+              <a:gd name="connsiteX2" fmla="*/ 1126483 w 7529613"/>
+              <a:gd name="connsiteY2" fmla="*/ 148742 h 6858000"/>
+              <a:gd name="connsiteX3" fmla="*/ 767554 w 7529613"/>
+              <a:gd name="connsiteY3" fmla="*/ 819975 h 6858000"/>
+              <a:gd name="connsiteX4" fmla="*/ 742103 w 7529613"/>
+              <a:gd name="connsiteY4" fmla="*/ 854514 h 6858000"/>
+              <a:gd name="connsiteX5" fmla="*/ 785881 w 7529613"/>
+              <a:gd name="connsiteY5" fmla="*/ 750263 h 6858000"/>
+              <a:gd name="connsiteX6" fmla="*/ 978978 w 7529613"/>
+              <a:gd name="connsiteY6" fmla="*/ 331786 h 6858000"/>
+              <a:gd name="connsiteX7" fmla="*/ 1155717 w 7529613"/>
+              <a:gd name="connsiteY7" fmla="*/ 0 h 6858000"/>
+              <a:gd name="connsiteX8" fmla="*/ 1098249 w 7529613"/>
+              <a:gd name="connsiteY8" fmla="*/ 0 h 6858000"/>
+              <a:gd name="connsiteX9" fmla="*/ 991458 w 7529613"/>
+              <a:gd name="connsiteY9" fmla="*/ 196614 h 6858000"/>
+              <a:gd name="connsiteX10" fmla="*/ 493941 w 7529613"/>
+              <a:gd name="connsiteY10" fmla="*/ 1371196 h 6858000"/>
+              <a:gd name="connsiteX11" fmla="*/ 46485 w 7529613"/>
+              <a:gd name="connsiteY11" fmla="*/ 3331516 h 6858000"/>
+              <a:gd name="connsiteX12" fmla="*/ 12252 w 7529613"/>
+              <a:gd name="connsiteY12" fmla="*/ 4357388 h 6858000"/>
+              <a:gd name="connsiteX13" fmla="*/ 170821 w 7529613"/>
+              <a:gd name="connsiteY13" fmla="*/ 5552906 h 6858000"/>
+              <a:gd name="connsiteX14" fmla="*/ 537265 w 7529613"/>
+              <a:gd name="connsiteY14" fmla="*/ 6828295 h 6858000"/>
+              <a:gd name="connsiteX15" fmla="*/ 549692 w 7529613"/>
+              <a:gd name="connsiteY15" fmla="*/ 6858000 h 6858000"/>
+              <a:gd name="connsiteX16" fmla="*/ 602234 w 7529613"/>
+              <a:gd name="connsiteY16" fmla="*/ 6858000 h 6858000"/>
+              <a:gd name="connsiteX17" fmla="*/ 595414 w 7529613"/>
+              <a:gd name="connsiteY17" fmla="*/ 6841549 h 6858000"/>
+              <a:gd name="connsiteX18" fmla="*/ 364260 w 7529613"/>
+              <a:gd name="connsiteY18" fmla="*/ 6142729 h 6858000"/>
+              <a:gd name="connsiteX19" fmla="*/ 213071 w 7529613"/>
+              <a:gd name="connsiteY19" fmla="*/ 5513923 h 6858000"/>
+              <a:gd name="connsiteX20" fmla="*/ 211290 w 7529613"/>
+              <a:gd name="connsiteY20" fmla="*/ 5480401 h 6858000"/>
+              <a:gd name="connsiteX21" fmla="*/ 311446 w 7529613"/>
+              <a:gd name="connsiteY21" fmla="*/ 5830359 h 6858000"/>
+              <a:gd name="connsiteX22" fmla="*/ 622963 w 7529613"/>
+              <a:gd name="connsiteY22" fmla="*/ 6670527 h 6858000"/>
+              <a:gd name="connsiteX23" fmla="*/ 710464 w 7529613"/>
+              <a:gd name="connsiteY23" fmla="*/ 6858000 h 6858000"/>
+              <a:gd name="connsiteX24" fmla="*/ 7529613 w 7529613"/>
+              <a:gd name="connsiteY24" fmla="*/ 6858000 h 6858000"/>
+            </a:gdLst>
+            <a:ahLst/>
+            <a:cxnLst>
+              <a:cxn ang="0">
+                <a:pos x="connsiteX0" y="connsiteY0"/>
+              </a:cxn>
+              <a:cxn ang="0">
+                <a:pos x="connsiteX1" y="connsiteY1"/>
+              </a:cxn>
+              <a:cxn ang="0">
+                <a:pos x="connsiteX2" y="connsiteY2"/>
+              </a:cxn>
+              <a:cxn ang="0">
+                <a:pos x="connsiteX3" y="connsiteY3"/>
+              </a:cxn>
+              <a:cxn ang="0">
+                <a:pos x="connsiteX4" y="connsiteY4"/>
+              </a:cxn>
+              <a:cxn ang="0">
+                <a:pos x="connsiteX5" y="connsiteY5"/>
+              </a:cxn>
+              <a:cxn ang="0">
+                <a:pos x="connsiteX6" y="connsiteY6"/>
+              </a:cxn>
+              <a:cxn ang="0">
+                <a:pos x="connsiteX7" y="connsiteY7"/>
+              </a:cxn>
+              <a:cxn ang="0">
+                <a:pos x="connsiteX8" y="connsiteY8"/>
+              </a:cxn>
+              <a:cxn ang="0">
+                <a:pos x="connsiteX9" y="connsiteY9"/>
+              </a:cxn>
+              <a:cxn ang="0">
+                <a:pos x="connsiteX10" y="connsiteY10"/>
+              </a:cxn>
+              <a:cxn ang="0">
+                <a:pos x="connsiteX11" y="connsiteY11"/>
+              </a:cxn>
+              <a:cxn ang="0">
+                <a:pos x="connsiteX12" y="connsiteY12"/>
+              </a:cxn>
+              <a:cxn ang="0">
+                <a:pos x="connsiteX13" y="connsiteY13"/>
+              </a:cxn>
+              <a:cxn ang="0">
+                <a:pos x="connsiteX14" y="connsiteY14"/>
+              </a:cxn>
+              <a:cxn ang="0">
+                <a:pos x="connsiteX15" y="connsiteY15"/>
+              </a:cxn>
+              <a:cxn ang="0">
+                <a:pos x="connsiteX16" y="connsiteY16"/>
+              </a:cxn>
+              <a:cxn ang="0">
+                <a:pos x="connsiteX17" y="connsiteY17"/>
+              </a:cxn>
+              <a:cxn ang="0">
+                <a:pos x="connsiteX18" y="connsiteY18"/>
+              </a:cxn>
+              <a:cxn ang="0">
+                <a:pos x="connsiteX19" y="connsiteY19"/>
+              </a:cxn>
+              <a:cxn ang="0">
+                <a:pos x="connsiteX20" y="connsiteY20"/>
+              </a:cxn>
+              <a:cxn ang="0">
+                <a:pos x="connsiteX21" y="connsiteY21"/>
+              </a:cxn>
+              <a:cxn ang="0">
+                <a:pos x="connsiteX22" y="connsiteY22"/>
+              </a:cxn>
+              <a:cxn ang="0">
+                <a:pos x="connsiteX23" y="connsiteY23"/>
+              </a:cxn>
+              <a:cxn ang="0">
+                <a:pos x="connsiteX24" y="connsiteY24"/>
+              </a:cxn>
+            </a:cxnLst>
+            <a:rect l="l" t="t" r="r" b="b"/>
+            <a:pathLst>
+              <a:path w="7529613" h="6858000">
+                <a:moveTo>
+                  <a:pt x="7529613" y="0"/>
+                </a:moveTo>
+                <a:lnTo>
+                  <a:pt x="1222331" y="0"/>
+                </a:lnTo>
+                <a:lnTo>
+                  <a:pt x="1126483" y="148742"/>
+                </a:lnTo>
+                <a:cubicBezTo>
+                  <a:pt x="995323" y="365513"/>
+                  <a:pt x="876174" y="589569"/>
+                  <a:pt x="767554" y="819975"/>
+                </a:cubicBezTo>
+                <a:cubicBezTo>
+                  <a:pt x="762210" y="833492"/>
+                  <a:pt x="753441" y="845393"/>
+                  <a:pt x="742103" y="854514"/>
+                </a:cubicBezTo>
+                <a:cubicBezTo>
+                  <a:pt x="756737" y="819849"/>
+                  <a:pt x="770991" y="784928"/>
+                  <a:pt x="785881" y="750263"/>
+                </a:cubicBezTo>
+                <a:cubicBezTo>
+                  <a:pt x="846713" y="608712"/>
+                  <a:pt x="910948" y="469145"/>
+                  <a:pt x="978978" y="331786"/>
+                </a:cubicBezTo>
+                <a:lnTo>
+                  <a:pt x="1155717" y="0"/>
+                </a:lnTo>
+                <a:lnTo>
+                  <a:pt x="1098249" y="0"/>
+                </a:lnTo>
+                <a:lnTo>
+                  <a:pt x="991458" y="196614"/>
+                </a:lnTo>
+                <a:cubicBezTo>
+                  <a:pt x="797017" y="573253"/>
+                  <a:pt x="633548" y="966066"/>
+                  <a:pt x="493941" y="1371196"/>
+                </a:cubicBezTo>
+                <a:cubicBezTo>
+                  <a:pt x="276630" y="2007265"/>
+                  <a:pt x="126659" y="2664286"/>
+                  <a:pt x="46485" y="3331516"/>
+                </a:cubicBezTo>
+                <a:cubicBezTo>
+                  <a:pt x="4488" y="3672965"/>
+                  <a:pt x="-14219" y="4013908"/>
+                  <a:pt x="12252" y="4357388"/>
+                </a:cubicBezTo>
+                <a:cubicBezTo>
+                  <a:pt x="43558" y="4758899"/>
+                  <a:pt x="90773" y="5157998"/>
+                  <a:pt x="170821" y="5552906"/>
+                </a:cubicBezTo>
+                <a:cubicBezTo>
+                  <a:pt x="259109" y="5988893"/>
+                  <a:pt x="378967" y="6414594"/>
+                  <a:pt x="537265" y="6828295"/>
+                </a:cubicBezTo>
+                <a:lnTo>
+                  <a:pt x="549692" y="6858000"/>
+                </a:lnTo>
+                <a:lnTo>
+                  <a:pt x="602234" y="6858000"/>
+                </a:lnTo>
+                <a:lnTo>
+                  <a:pt x="595414" y="6841549"/>
+                </a:lnTo>
+                <a:cubicBezTo>
+                  <a:pt x="507884" y="6614016"/>
+                  <a:pt x="431296" y="6380817"/>
+                  <a:pt x="364260" y="6142729"/>
+                </a:cubicBezTo>
+                <a:cubicBezTo>
+                  <a:pt x="305974" y="5935370"/>
+                  <a:pt x="262958" y="5723695"/>
+                  <a:pt x="213071" y="5513923"/>
+                </a:cubicBezTo>
+                <a:cubicBezTo>
+                  <a:pt x="211892" y="5502788"/>
+                  <a:pt x="211299" y="5491601"/>
+                  <a:pt x="211290" y="5480401"/>
+                </a:cubicBezTo>
+                <a:cubicBezTo>
+                  <a:pt x="247814" y="5607635"/>
+                  <a:pt x="276958" y="5719759"/>
+                  <a:pt x="311446" y="5830359"/>
+                </a:cubicBezTo>
+                <a:cubicBezTo>
+                  <a:pt x="401357" y="6118381"/>
+                  <a:pt x="505060" y="6398531"/>
+                  <a:pt x="622963" y="6670527"/>
+                </a:cubicBezTo>
+                <a:lnTo>
+                  <a:pt x="710464" y="6858000"/>
+                </a:lnTo>
+                <a:lnTo>
+                  <a:pt x="7529613" y="6858000"/>
+                </a:lnTo>
+                <a:close/>
+              </a:path>
+            </a:pathLst>
+          </a:custGeom>
+          <a:solidFill>
+            <a:schemeClr val="accent2"/>
+          </a:solidFill>
+          <a:ln w="6857" cap="flat">
+            <a:noFill/>
+            <a:prstDash val="solid"/>
+            <a:miter/>
+          </a:ln>
+        </p:spPr>
+        <p:txBody>
+          <a:bodyPr wrap="square" rtlCol="0" anchor="ctr">
+            <a:noAutofit/>
+          </a:bodyPr>
+          <a:lstStyle/>
+          <a:p>
+            <a:endParaRPr lang="en-US"/>
+          </a:p>
+        </p:txBody>
+      </p:sp>
+      <p:sp>
+        <p:nvSpPr>
+          <p:cNvPr id="2" name="Hộp Văn bản 1">
+            <a:extLst>
+              <a:ext uri="{FF2B5EF4-FFF2-40B4-BE49-F238E27FC236}">
+                <a16:creationId xmlns:a16="http://schemas.microsoft.com/office/drawing/2014/main" id="{E8219F51-2147-6581-5613-33D96E4BCB18}"/>
+              </a:ext>
+            </a:extLst>
+          </p:cNvPr>
+          <p:cNvSpPr txBox="1"/>
+          <p:nvPr/>
+        </p:nvSpPr>
+        <p:spPr>
+          <a:xfrm>
+            <a:off x="4319515" y="457201"/>
+            <a:ext cx="4002953" cy="1835911"/>
+          </a:xfrm>
+          <a:prstGeom prst="rect">
+            <a:avLst/>
+          </a:prstGeom>
+        </p:spPr>
+        <p:txBody>
+          <a:bodyPr vert="horz" lIns="91440" tIns="45720" rIns="91440" bIns="45720" rtlCol="0" anchor="b">
+            <a:normAutofit/>
+          </a:bodyPr>
+          <a:lstStyle/>
+          <a:p>
+            <a:pPr defTabSz="914400">
+              <a:lnSpc>
+                <a:spcPct val="90000"/>
+              </a:lnSpc>
+              <a:spcBef>
+                <a:spcPct val="0"/>
+              </a:spcBef>
+              <a:spcAft>
+                <a:spcPts val="600"/>
+              </a:spcAft>
+            </a:pPr>
+            <a:r>
+              <a:rPr lang="en-US" sz="4700" kern="1200">
+                <a:solidFill>
+                  <a:srgbClr val="FFFFFF"/>
+                </a:solidFill>
+                <a:latin typeface="+mj-lt"/>
+                <a:ea typeface="+mj-ea"/>
+                <a:cs typeface="+mj-cs"/>
+              </a:rPr>
+              <a:t>Nội dung trình bày </a:t>
+            </a:r>
+          </a:p>
+        </p:txBody>
+      </p:sp>
+      <p:sp>
+        <p:nvSpPr>
+          <p:cNvPr id="21" name="sketch line">
+            <a:extLst>
+              <a:ext uri="{FF2B5EF4-FFF2-40B4-BE49-F238E27FC236}">
+                <a16:creationId xmlns:a16="http://schemas.microsoft.com/office/drawing/2014/main" id="{49B530FE-A87D-41A0-A920-ADC6539EAA44}"/>
+              </a:ext>
+              <a:ext uri="{C183D7F6-B498-43B3-948B-1728B52AA6E4}">
+                <adec:decorative xmlns:adec="http://schemas.microsoft.com/office/drawing/2017/decorative" val="1"/>
+              </a:ext>
+            </a:extLst>
+          </p:cNvPr>
+          <p:cNvSpPr>
+            <a:spLocks noGrp="1" noRot="1" noChangeAspect="1" noMove="1" noResize="1" noEditPoints="1" noAdjustHandles="1" noChangeArrowheads="1" noChangeShapeType="1" noTextEdit="1"/>
+          </p:cNvSpPr>
+          <p:nvPr>
+            <p:extLst>
+              <p:ext uri="{386F3935-93C4-4BCD-93E2-E3B085C9AB24}">
+                <p16:designElem xmlns:p16="http://schemas.microsoft.com/office/powerpoint/2015/main" val="1"/>
+              </p:ext>
+            </p:extLst>
+          </p:nvPr>
+        </p:nvSpPr>
+        <p:spPr>
+          <a:xfrm>
+            <a:off x="4319514" y="2560829"/>
+            <a:ext cx="3771900" cy="18288"/>
+          </a:xfrm>
+          <a:custGeom>
+            <a:avLst/>
+            <a:gdLst>
+              <a:gd name="connsiteX0" fmla="*/ 0 w 3771900"/>
+              <a:gd name="connsiteY0" fmla="*/ 0 h 18288"/>
+              <a:gd name="connsiteX1" fmla="*/ 704088 w 3771900"/>
+              <a:gd name="connsiteY1" fmla="*/ 0 h 18288"/>
+              <a:gd name="connsiteX2" fmla="*/ 1370457 w 3771900"/>
+              <a:gd name="connsiteY2" fmla="*/ 0 h 18288"/>
+              <a:gd name="connsiteX3" fmla="*/ 2036826 w 3771900"/>
+              <a:gd name="connsiteY3" fmla="*/ 0 h 18288"/>
+              <a:gd name="connsiteX4" fmla="*/ 2552319 w 3771900"/>
+              <a:gd name="connsiteY4" fmla="*/ 0 h 18288"/>
+              <a:gd name="connsiteX5" fmla="*/ 3105531 w 3771900"/>
+              <a:gd name="connsiteY5" fmla="*/ 0 h 18288"/>
+              <a:gd name="connsiteX6" fmla="*/ 3771900 w 3771900"/>
+              <a:gd name="connsiteY6" fmla="*/ 0 h 18288"/>
+              <a:gd name="connsiteX7" fmla="*/ 3771900 w 3771900"/>
+              <a:gd name="connsiteY7" fmla="*/ 18288 h 18288"/>
+              <a:gd name="connsiteX8" fmla="*/ 3143250 w 3771900"/>
+              <a:gd name="connsiteY8" fmla="*/ 18288 h 18288"/>
+              <a:gd name="connsiteX9" fmla="*/ 2627757 w 3771900"/>
+              <a:gd name="connsiteY9" fmla="*/ 18288 h 18288"/>
+              <a:gd name="connsiteX10" fmla="*/ 2112264 w 3771900"/>
+              <a:gd name="connsiteY10" fmla="*/ 18288 h 18288"/>
+              <a:gd name="connsiteX11" fmla="*/ 1445895 w 3771900"/>
+              <a:gd name="connsiteY11" fmla="*/ 18288 h 18288"/>
+              <a:gd name="connsiteX12" fmla="*/ 892683 w 3771900"/>
+              <a:gd name="connsiteY12" fmla="*/ 18288 h 18288"/>
+              <a:gd name="connsiteX13" fmla="*/ 0 w 3771900"/>
+              <a:gd name="connsiteY13" fmla="*/ 18288 h 18288"/>
+              <a:gd name="connsiteX14" fmla="*/ 0 w 3771900"/>
+              <a:gd name="connsiteY14" fmla="*/ 0 h 18288"/>
+              <a:gd name="connsiteX0" fmla="*/ 0 w 3771900"/>
+              <a:gd name="connsiteY0" fmla="*/ 0 h 18288"/>
+              <a:gd name="connsiteX1" fmla="*/ 590931 w 3771900"/>
+              <a:gd name="connsiteY1" fmla="*/ 0 h 18288"/>
+              <a:gd name="connsiteX2" fmla="*/ 1106424 w 3771900"/>
+              <a:gd name="connsiteY2" fmla="*/ 0 h 18288"/>
+              <a:gd name="connsiteX3" fmla="*/ 1810512 w 3771900"/>
+              <a:gd name="connsiteY3" fmla="*/ 0 h 18288"/>
+              <a:gd name="connsiteX4" fmla="*/ 2401443 w 3771900"/>
+              <a:gd name="connsiteY4" fmla="*/ 0 h 18288"/>
+              <a:gd name="connsiteX5" fmla="*/ 2992374 w 3771900"/>
+              <a:gd name="connsiteY5" fmla="*/ 0 h 18288"/>
+              <a:gd name="connsiteX6" fmla="*/ 3771900 w 3771900"/>
+              <a:gd name="connsiteY6" fmla="*/ 0 h 18288"/>
+              <a:gd name="connsiteX7" fmla="*/ 3771900 w 3771900"/>
+              <a:gd name="connsiteY7" fmla="*/ 18288 h 18288"/>
+              <a:gd name="connsiteX8" fmla="*/ 3143250 w 3771900"/>
+              <a:gd name="connsiteY8" fmla="*/ 18288 h 18288"/>
+              <a:gd name="connsiteX9" fmla="*/ 2627757 w 3771900"/>
+              <a:gd name="connsiteY9" fmla="*/ 18288 h 18288"/>
+              <a:gd name="connsiteX10" fmla="*/ 1999107 w 3771900"/>
+              <a:gd name="connsiteY10" fmla="*/ 18288 h 18288"/>
+              <a:gd name="connsiteX11" fmla="*/ 1370457 w 3771900"/>
+              <a:gd name="connsiteY11" fmla="*/ 18288 h 18288"/>
+              <a:gd name="connsiteX12" fmla="*/ 779526 w 3771900"/>
+              <a:gd name="connsiteY12" fmla="*/ 18288 h 18288"/>
+              <a:gd name="connsiteX13" fmla="*/ 0 w 3771900"/>
+              <a:gd name="connsiteY13" fmla="*/ 18288 h 18288"/>
+              <a:gd name="connsiteX14" fmla="*/ 0 w 3771900"/>
+              <a:gd name="connsiteY14" fmla="*/ 0 h 18288"/>
+            </a:gdLst>
+            <a:ahLst/>
+            <a:cxnLst>
+              <a:cxn ang="0">
+                <a:pos x="connsiteX0" y="connsiteY0"/>
+              </a:cxn>
+              <a:cxn ang="0">
+                <a:pos x="connsiteX1" y="connsiteY1"/>
+              </a:cxn>
+              <a:cxn ang="0">
+                <a:pos x="connsiteX2" y="connsiteY2"/>
+              </a:cxn>
+              <a:cxn ang="0">
+                <a:pos x="connsiteX3" y="connsiteY3"/>
+              </a:cxn>
+              <a:cxn ang="0">
+                <a:pos x="connsiteX4" y="connsiteY4"/>
+              </a:cxn>
+              <a:cxn ang="0">
+                <a:pos x="connsiteX5" y="connsiteY5"/>
+              </a:cxn>
+              <a:cxn ang="0">
+                <a:pos x="connsiteX6" y="connsiteY6"/>
+              </a:cxn>
+              <a:cxn ang="0">
+                <a:pos x="connsiteX7" y="connsiteY7"/>
+              </a:cxn>
+              <a:cxn ang="0">
+                <a:pos x="connsiteX8" y="connsiteY8"/>
+              </a:cxn>
+              <a:cxn ang="0">
+                <a:pos x="connsiteX9" y="connsiteY9"/>
+              </a:cxn>
+              <a:cxn ang="0">
+                <a:pos x="connsiteX10" y="connsiteY10"/>
+              </a:cxn>
+              <a:cxn ang="0">
+                <a:pos x="connsiteX11" y="connsiteY11"/>
+              </a:cxn>
+              <a:cxn ang="0">
+                <a:pos x="connsiteX12" y="connsiteY12"/>
+              </a:cxn>
+              <a:cxn ang="0">
+                <a:pos x="connsiteX13" y="connsiteY13"/>
+              </a:cxn>
+              <a:cxn ang="0">
+                <a:pos x="connsiteX14" y="connsiteY14"/>
+              </a:cxn>
+            </a:cxnLst>
+            <a:rect l="l" t="t" r="r" b="b"/>
+            <a:pathLst>
+              <a:path w="3771900" h="18288" fill="none" extrusionOk="0">
+                <a:moveTo>
+                  <a:pt x="0" y="0"/>
+                </a:moveTo>
+                <a:cubicBezTo>
+                  <a:pt x="287436" y="-36175"/>
+                  <a:pt x="366245" y="33246"/>
+                  <a:pt x="704088" y="0"/>
+                </a:cubicBezTo>
+                <a:cubicBezTo>
+                  <a:pt x="1023542" y="-9212"/>
+                  <a:pt x="1135888" y="21706"/>
+                  <a:pt x="1370457" y="0"/>
+                </a:cubicBezTo>
+                <a:cubicBezTo>
+                  <a:pt x="1612643" y="1012"/>
+                  <a:pt x="1918282" y="-28472"/>
+                  <a:pt x="2036826" y="0"/>
+                </a:cubicBezTo>
+                <a:cubicBezTo>
+                  <a:pt x="2158661" y="40105"/>
+                  <a:pt x="2354247" y="26415"/>
+                  <a:pt x="2552319" y="0"/>
+                </a:cubicBezTo>
+                <a:cubicBezTo>
+                  <a:pt x="2716777" y="-17114"/>
+                  <a:pt x="2824915" y="23043"/>
+                  <a:pt x="3105531" y="0"/>
+                </a:cubicBezTo>
+                <a:cubicBezTo>
+                  <a:pt x="3381044" y="-32429"/>
+                  <a:pt x="3596902" y="3395"/>
+                  <a:pt x="3771900" y="0"/>
+                </a:cubicBezTo>
+                <a:cubicBezTo>
+                  <a:pt x="3771609" y="9035"/>
+                  <a:pt x="3771801" y="15148"/>
+                  <a:pt x="3771900" y="18288"/>
+                </a:cubicBezTo>
+                <a:cubicBezTo>
+                  <a:pt x="3457794" y="19957"/>
+                  <a:pt x="3415448" y="-15179"/>
+                  <a:pt x="3143250" y="18288"/>
+                </a:cubicBezTo>
+                <a:cubicBezTo>
+                  <a:pt x="2866953" y="44091"/>
+                  <a:pt x="2852564" y="22861"/>
+                  <a:pt x="2627757" y="18288"/>
+                </a:cubicBezTo>
+                <a:cubicBezTo>
+                  <a:pt x="2412632" y="15061"/>
+                  <a:pt x="2228768" y="-1260"/>
+                  <a:pt x="2112264" y="18288"/>
+                </a:cubicBezTo>
+                <a:cubicBezTo>
+                  <a:pt x="1975640" y="66897"/>
+                  <a:pt x="1635725" y="-13484"/>
+                  <a:pt x="1445895" y="18288"/>
+                </a:cubicBezTo>
+                <a:cubicBezTo>
+                  <a:pt x="1247266" y="8685"/>
+                  <a:pt x="1124650" y="19647"/>
+                  <a:pt x="892683" y="18288"/>
+                </a:cubicBezTo>
+                <a:cubicBezTo>
+                  <a:pt x="637653" y="4646"/>
+                  <a:pt x="185278" y="-30427"/>
+                  <a:pt x="0" y="18288"/>
+                </a:cubicBezTo>
+                <a:cubicBezTo>
+                  <a:pt x="-470" y="12661"/>
+                  <a:pt x="773" y="6041"/>
+                  <a:pt x="0" y="0"/>
+                </a:cubicBezTo>
+                <a:close/>
+              </a:path>
+              <a:path w="3771900" h="18288" stroke="0" extrusionOk="0">
+                <a:moveTo>
+                  <a:pt x="0" y="0"/>
+                </a:moveTo>
+                <a:cubicBezTo>
+                  <a:pt x="191819" y="-28991"/>
+                  <a:pt x="417180" y="8728"/>
+                  <a:pt x="590931" y="0"/>
+                </a:cubicBezTo>
+                <a:cubicBezTo>
+                  <a:pt x="784185" y="36025"/>
+                  <a:pt x="942031" y="-7179"/>
+                  <a:pt x="1106424" y="0"/>
+                </a:cubicBezTo>
+                <a:cubicBezTo>
+                  <a:pt x="1308616" y="2226"/>
+                  <a:pt x="1630174" y="34516"/>
+                  <a:pt x="1810512" y="0"/>
+                </a:cubicBezTo>
+                <a:cubicBezTo>
+                  <a:pt x="2022091" y="-3811"/>
+                  <a:pt x="2188284" y="60598"/>
+                  <a:pt x="2401443" y="0"/>
+                </a:cubicBezTo>
+                <a:cubicBezTo>
+                  <a:pt x="2637014" y="-16349"/>
+                  <a:pt x="2745608" y="-42652"/>
+                  <a:pt x="2992374" y="0"/>
+                </a:cubicBezTo>
+                <a:cubicBezTo>
+                  <a:pt x="3199629" y="42236"/>
+                  <a:pt x="3496969" y="9414"/>
+                  <a:pt x="3771900" y="0"/>
+                </a:cubicBezTo>
+                <a:cubicBezTo>
+                  <a:pt x="3771420" y="6734"/>
+                  <a:pt x="3771655" y="13051"/>
+                  <a:pt x="3771900" y="18288"/>
+                </a:cubicBezTo>
+                <a:cubicBezTo>
+                  <a:pt x="3462953" y="18781"/>
+                  <a:pt x="3361132" y="1005"/>
+                  <a:pt x="3143250" y="18288"/>
+                </a:cubicBezTo>
+                <a:cubicBezTo>
+                  <a:pt x="2921481" y="34309"/>
+                  <a:pt x="2854045" y="33328"/>
+                  <a:pt x="2627757" y="18288"/>
+                </a:cubicBezTo>
+                <a:cubicBezTo>
+                  <a:pt x="2409270" y="9750"/>
+                  <a:pt x="2187246" y="-7226"/>
+                  <a:pt x="1999107" y="18288"/>
+                </a:cubicBezTo>
+                <a:cubicBezTo>
+                  <a:pt x="1815666" y="58826"/>
+                  <a:pt x="1527808" y="-26152"/>
+                  <a:pt x="1370457" y="18288"/>
+                </a:cubicBezTo>
+                <a:cubicBezTo>
+                  <a:pt x="1214923" y="5764"/>
+                  <a:pt x="1016212" y="-1456"/>
+                  <a:pt x="779526" y="18288"/>
+                </a:cubicBezTo>
+                <a:cubicBezTo>
+                  <a:pt x="536663" y="13268"/>
+                  <a:pt x="178663" y="4126"/>
+                  <a:pt x="0" y="18288"/>
+                </a:cubicBezTo>
+                <a:cubicBezTo>
+                  <a:pt x="675" y="10011"/>
+                  <a:pt x="125" y="8388"/>
+                  <a:pt x="0" y="0"/>
+                </a:cubicBezTo>
+                <a:close/>
+              </a:path>
+              <a:path w="3771900" h="18288" fill="none" stroke="0" extrusionOk="0">
+                <a:moveTo>
+                  <a:pt x="0" y="0"/>
+                </a:moveTo>
+                <a:cubicBezTo>
+                  <a:pt x="271103" y="-25687"/>
+                  <a:pt x="370438" y="30140"/>
+                  <a:pt x="704088" y="0"/>
+                </a:cubicBezTo>
+                <a:cubicBezTo>
+                  <a:pt x="1051115" y="-25477"/>
+                  <a:pt x="1106895" y="16187"/>
+                  <a:pt x="1370457" y="0"/>
+                </a:cubicBezTo>
+                <a:cubicBezTo>
+                  <a:pt x="1595146" y="2237"/>
+                  <a:pt x="1896955" y="5767"/>
+                  <a:pt x="2036826" y="0"/>
+                </a:cubicBezTo>
+                <a:cubicBezTo>
+                  <a:pt x="2142627" y="2170"/>
+                  <a:pt x="2421721" y="38840"/>
+                  <a:pt x="2552319" y="0"/>
+                </a:cubicBezTo>
+                <a:cubicBezTo>
+                  <a:pt x="2724848" y="-23030"/>
+                  <a:pt x="2834005" y="15708"/>
+                  <a:pt x="3105531" y="0"/>
+                </a:cubicBezTo>
+                <a:cubicBezTo>
+                  <a:pt x="3342444" y="-24681"/>
+                  <a:pt x="3609910" y="18784"/>
+                  <a:pt x="3771900" y="0"/>
+                </a:cubicBezTo>
+                <a:cubicBezTo>
+                  <a:pt x="3771328" y="8167"/>
+                  <a:pt x="3771537" y="15177"/>
+                  <a:pt x="3771900" y="18288"/>
+                </a:cubicBezTo>
+                <a:cubicBezTo>
+                  <a:pt x="3464839" y="21068"/>
+                  <a:pt x="3426011" y="-5801"/>
+                  <a:pt x="3143250" y="18288"/>
+                </a:cubicBezTo>
+                <a:cubicBezTo>
+                  <a:pt x="2863841" y="43255"/>
+                  <a:pt x="2853465" y="28308"/>
+                  <a:pt x="2627757" y="18288"/>
+                </a:cubicBezTo>
+                <a:cubicBezTo>
+                  <a:pt x="2409491" y="18900"/>
+                  <a:pt x="2243209" y="25448"/>
+                  <a:pt x="2112264" y="18288"/>
+                </a:cubicBezTo>
+                <a:cubicBezTo>
+                  <a:pt x="1997644" y="61180"/>
+                  <a:pt x="1680001" y="64423"/>
+                  <a:pt x="1445895" y="18288"/>
+                </a:cubicBezTo>
+                <a:cubicBezTo>
+                  <a:pt x="1252635" y="3548"/>
+                  <a:pt x="1127940" y="-648"/>
+                  <a:pt x="892683" y="18288"/>
+                </a:cubicBezTo>
+                <a:cubicBezTo>
+                  <a:pt x="631867" y="19114"/>
+                  <a:pt x="176899" y="-29012"/>
+                  <a:pt x="0" y="18288"/>
+                </a:cubicBezTo>
+                <a:cubicBezTo>
+                  <a:pt x="-201" y="11951"/>
+                  <a:pt x="215" y="4870"/>
+                  <a:pt x="0" y="0"/>
+                </a:cubicBezTo>
+                <a:close/>
+              </a:path>
+            </a:pathLst>
+          </a:custGeom>
+          <a:solidFill>
+            <a:srgbClr val="FFFFFF"/>
+          </a:solidFill>
+          <a:ln w="38100" cap="rnd">
+            <a:solidFill>
+              <a:srgbClr val="FFFFFF"/>
+            </a:solidFill>
+            <a:round/>
+            <a:extLst>
+              <a:ext uri="{C807C97D-BFC1-408E-A445-0C87EB9F89A2}">
+                <ask:lineSketchStyleProps xmlns:ask="http://schemas.microsoft.com/office/drawing/2018/sketchyshapes" sd="1219033472">
+                  <a:custGeom>
+                    <a:avLst/>
+                    <a:gdLst>
+                      <a:gd name="connsiteX0" fmla="*/ 0 w 3771900"/>
+                      <a:gd name="connsiteY0" fmla="*/ 0 h 18288"/>
+                      <a:gd name="connsiteX1" fmla="*/ 704088 w 3771900"/>
+                      <a:gd name="connsiteY1" fmla="*/ 0 h 18288"/>
+                      <a:gd name="connsiteX2" fmla="*/ 1370457 w 3771900"/>
+                      <a:gd name="connsiteY2" fmla="*/ 0 h 18288"/>
+                      <a:gd name="connsiteX3" fmla="*/ 2036826 w 3771900"/>
+                      <a:gd name="connsiteY3" fmla="*/ 0 h 18288"/>
+                      <a:gd name="connsiteX4" fmla="*/ 2552319 w 3771900"/>
+                      <a:gd name="connsiteY4" fmla="*/ 0 h 18288"/>
+                      <a:gd name="connsiteX5" fmla="*/ 3105531 w 3771900"/>
+                      <a:gd name="connsiteY5" fmla="*/ 0 h 18288"/>
+                      <a:gd name="connsiteX6" fmla="*/ 3771900 w 3771900"/>
+                      <a:gd name="connsiteY6" fmla="*/ 0 h 18288"/>
+                      <a:gd name="connsiteX7" fmla="*/ 3771900 w 3771900"/>
+                      <a:gd name="connsiteY7" fmla="*/ 18288 h 18288"/>
+                      <a:gd name="connsiteX8" fmla="*/ 3143250 w 3771900"/>
+                      <a:gd name="connsiteY8" fmla="*/ 18288 h 18288"/>
+                      <a:gd name="connsiteX9" fmla="*/ 2627757 w 3771900"/>
+                      <a:gd name="connsiteY9" fmla="*/ 18288 h 18288"/>
+                      <a:gd name="connsiteX10" fmla="*/ 2112264 w 3771900"/>
+                      <a:gd name="connsiteY10" fmla="*/ 18288 h 18288"/>
+                      <a:gd name="connsiteX11" fmla="*/ 1445895 w 3771900"/>
+                      <a:gd name="connsiteY11" fmla="*/ 18288 h 18288"/>
+                      <a:gd name="connsiteX12" fmla="*/ 892683 w 3771900"/>
+                      <a:gd name="connsiteY12" fmla="*/ 18288 h 18288"/>
+                      <a:gd name="connsiteX13" fmla="*/ 0 w 3771900"/>
+                      <a:gd name="connsiteY13" fmla="*/ 18288 h 18288"/>
+                      <a:gd name="connsiteX14" fmla="*/ 0 w 3771900"/>
+                      <a:gd name="connsiteY14" fmla="*/ 0 h 18288"/>
+                    </a:gdLst>
+                    <a:ahLst/>
+                    <a:cxnLst>
+                      <a:cxn ang="0">
+                        <a:pos x="connsiteX0" y="connsiteY0"/>
+                      </a:cxn>
+                      <a:cxn ang="0">
+                        <a:pos x="connsiteX1" y="connsiteY1"/>
+                      </a:cxn>
+                      <a:cxn ang="0">
+                        <a:pos x="connsiteX2" y="connsiteY2"/>
+                      </a:cxn>
+                      <a:cxn ang="0">
+                        <a:pos x="connsiteX3" y="connsiteY3"/>
+                      </a:cxn>
+                      <a:cxn ang="0">
+                        <a:pos x="connsiteX4" y="connsiteY4"/>
+                      </a:cxn>
+                      <a:cxn ang="0">
+                        <a:pos x="connsiteX5" y="connsiteY5"/>
+                      </a:cxn>
+                      <a:cxn ang="0">
+                        <a:pos x="connsiteX6" y="connsiteY6"/>
+                      </a:cxn>
+                      <a:cxn ang="0">
+                        <a:pos x="connsiteX7" y="connsiteY7"/>
+                      </a:cxn>
+                      <a:cxn ang="0">
+                        <a:pos x="connsiteX8" y="connsiteY8"/>
+                      </a:cxn>
+                      <a:cxn ang="0">
+                        <a:pos x="connsiteX9" y="connsiteY9"/>
+                      </a:cxn>
+                      <a:cxn ang="0">
+                        <a:pos x="connsiteX10" y="connsiteY10"/>
+                      </a:cxn>
+                      <a:cxn ang="0">
+                        <a:pos x="connsiteX11" y="connsiteY11"/>
+                      </a:cxn>
+                      <a:cxn ang="0">
+                        <a:pos x="connsiteX12" y="connsiteY12"/>
+                      </a:cxn>
+                      <a:cxn ang="0">
+                        <a:pos x="connsiteX13" y="connsiteY13"/>
+                      </a:cxn>
+                      <a:cxn ang="0">
+                        <a:pos x="connsiteX14" y="connsiteY14"/>
+                      </a:cxn>
+                    </a:cxnLst>
+                    <a:rect l="l" t="t" r="r" b="b"/>
+                    <a:pathLst>
+                      <a:path w="3771900" h="18288" fill="none" extrusionOk="0">
+                        <a:moveTo>
+                          <a:pt x="0" y="0"/>
+                        </a:moveTo>
+                        <a:cubicBezTo>
+                          <a:pt x="285982" y="-16509"/>
+                          <a:pt x="373591" y="28957"/>
+                          <a:pt x="704088" y="0"/>
+                        </a:cubicBezTo>
+                        <a:cubicBezTo>
+                          <a:pt x="1034585" y="-28957"/>
+                          <a:pt x="1127575" y="15529"/>
+                          <a:pt x="1370457" y="0"/>
+                        </a:cubicBezTo>
+                        <a:cubicBezTo>
+                          <a:pt x="1613339" y="-15529"/>
+                          <a:pt x="1901330" y="-18417"/>
+                          <a:pt x="2036826" y="0"/>
+                        </a:cubicBezTo>
+                        <a:cubicBezTo>
+                          <a:pt x="2172322" y="18417"/>
+                          <a:pt x="2391554" y="24426"/>
+                          <a:pt x="2552319" y="0"/>
+                        </a:cubicBezTo>
+                        <a:cubicBezTo>
+                          <a:pt x="2713084" y="-24426"/>
+                          <a:pt x="2832344" y="19126"/>
+                          <a:pt x="3105531" y="0"/>
+                        </a:cubicBezTo>
+                        <a:cubicBezTo>
+                          <a:pt x="3378718" y="-19126"/>
+                          <a:pt x="3624591" y="4962"/>
+                          <a:pt x="3771900" y="0"/>
+                        </a:cubicBezTo>
+                        <a:cubicBezTo>
+                          <a:pt x="3771400" y="8855"/>
+                          <a:pt x="3772009" y="14521"/>
+                          <a:pt x="3771900" y="18288"/>
+                        </a:cubicBezTo>
+                        <a:cubicBezTo>
+                          <a:pt x="3458898" y="17742"/>
+                          <a:pt x="3421743" y="-6827"/>
+                          <a:pt x="3143250" y="18288"/>
+                        </a:cubicBezTo>
+                        <a:cubicBezTo>
+                          <a:pt x="2864757" y="43403"/>
+                          <a:pt x="2852800" y="27764"/>
+                          <a:pt x="2627757" y="18288"/>
+                        </a:cubicBezTo>
+                        <a:cubicBezTo>
+                          <a:pt x="2402714" y="8812"/>
+                          <a:pt x="2240384" y="-3809"/>
+                          <a:pt x="2112264" y="18288"/>
+                        </a:cubicBezTo>
+                        <a:cubicBezTo>
+                          <a:pt x="1984144" y="40385"/>
+                          <a:pt x="1648028" y="25259"/>
+                          <a:pt x="1445895" y="18288"/>
+                        </a:cubicBezTo>
+                        <a:cubicBezTo>
+                          <a:pt x="1243762" y="11317"/>
+                          <a:pt x="1123026" y="22466"/>
+                          <a:pt x="892683" y="18288"/>
+                        </a:cubicBezTo>
+                        <a:cubicBezTo>
+                          <a:pt x="662340" y="14110"/>
+                          <a:pt x="180978" y="-26198"/>
+                          <a:pt x="0" y="18288"/>
+                        </a:cubicBezTo>
+                        <a:cubicBezTo>
+                          <a:pt x="683" y="12014"/>
+                          <a:pt x="724" y="5908"/>
+                          <a:pt x="0" y="0"/>
+                        </a:cubicBezTo>
+                        <a:close/>
+                      </a:path>
+                      <a:path w="3771900" h="18288" stroke="0" extrusionOk="0">
+                        <a:moveTo>
+                          <a:pt x="0" y="0"/>
+                        </a:moveTo>
+                        <a:cubicBezTo>
+                          <a:pt x="168080" y="-24280"/>
+                          <a:pt x="426899" y="-27643"/>
+                          <a:pt x="590931" y="0"/>
+                        </a:cubicBezTo>
+                        <a:cubicBezTo>
+                          <a:pt x="754963" y="27643"/>
+                          <a:pt x="943937" y="-964"/>
+                          <a:pt x="1106424" y="0"/>
+                        </a:cubicBezTo>
+                        <a:cubicBezTo>
+                          <a:pt x="1268911" y="964"/>
+                          <a:pt x="1620128" y="24107"/>
+                          <a:pt x="1810512" y="0"/>
+                        </a:cubicBezTo>
+                        <a:cubicBezTo>
+                          <a:pt x="2000896" y="-24107"/>
+                          <a:pt x="2173109" y="23508"/>
+                          <a:pt x="2401443" y="0"/>
+                        </a:cubicBezTo>
+                        <a:cubicBezTo>
+                          <a:pt x="2629777" y="-23508"/>
+                          <a:pt x="2762620" y="-19902"/>
+                          <a:pt x="2992374" y="0"/>
+                        </a:cubicBezTo>
+                        <a:cubicBezTo>
+                          <a:pt x="3222128" y="19902"/>
+                          <a:pt x="3483193" y="6322"/>
+                          <a:pt x="3771900" y="0"/>
+                        </a:cubicBezTo>
+                        <a:cubicBezTo>
+                          <a:pt x="3771002" y="7180"/>
+                          <a:pt x="3772069" y="13790"/>
+                          <a:pt x="3771900" y="18288"/>
+                        </a:cubicBezTo>
+                        <a:cubicBezTo>
+                          <a:pt x="3466427" y="17166"/>
+                          <a:pt x="3360902" y="-2444"/>
+                          <a:pt x="3143250" y="18288"/>
+                        </a:cubicBezTo>
+                        <a:cubicBezTo>
+                          <a:pt x="2925598" y="39020"/>
+                          <a:pt x="2852709" y="34774"/>
+                          <a:pt x="2627757" y="18288"/>
+                        </a:cubicBezTo>
+                        <a:cubicBezTo>
+                          <a:pt x="2402805" y="1802"/>
+                          <a:pt x="2156087" y="-12568"/>
+                          <a:pt x="1999107" y="18288"/>
+                        </a:cubicBezTo>
+                        <a:cubicBezTo>
+                          <a:pt x="1842127" y="49144"/>
+                          <a:pt x="1528676" y="3672"/>
+                          <a:pt x="1370457" y="18288"/>
+                        </a:cubicBezTo>
+                        <a:cubicBezTo>
+                          <a:pt x="1212238" y="32905"/>
+                          <a:pt x="1007440" y="24475"/>
+                          <a:pt x="779526" y="18288"/>
+                        </a:cubicBezTo>
+                        <a:cubicBezTo>
+                          <a:pt x="551612" y="12101"/>
+                          <a:pt x="175765" y="8638"/>
+                          <a:pt x="0" y="18288"/>
+                        </a:cubicBezTo>
+                        <a:cubicBezTo>
+                          <a:pt x="571" y="10093"/>
+                          <a:pt x="-125" y="8407"/>
+                          <a:pt x="0" y="0"/>
+                        </a:cubicBezTo>
+                        <a:close/>
+                      </a:path>
+                    </a:pathLst>
+                  </a:custGeom>
+                  <ask:type>
+                    <ask:lineSketchFreehand/>
+                  </ask:type>
+                </ask:lineSketchStyleProps>
+              </a:ext>
+            </a:extLst>
+          </a:ln>
+        </p:spPr>
+        <p:style>
+          <a:lnRef idx="2">
+            <a:schemeClr val="accent1">
+              <a:shade val="50000"/>
+            </a:schemeClr>
+          </a:lnRef>
+          <a:fillRef idx="1">
+            <a:schemeClr val="accent1"/>
+          </a:fillRef>
+          <a:effectRef idx="0">
+            <a:schemeClr val="accent1"/>
+          </a:effectRef>
+          <a:fontRef idx="minor">
+            <a:schemeClr val="lt1"/>
+          </a:fontRef>
+        </p:style>
+        <p:txBody>
+          <a:bodyPr rtlCol="0" anchor="ctr"/>
+          <a:lstStyle/>
+          <a:p>
+            <a:pPr algn="ctr"/>
+            <a:endParaRPr lang="en-US"/>
+          </a:p>
+        </p:txBody>
+      </p:sp>
+      <p:sp>
+        <p:nvSpPr>
+          <p:cNvPr id="4" name="Hộp Văn bản 3">
+            <a:extLst>
+              <a:ext uri="{FF2B5EF4-FFF2-40B4-BE49-F238E27FC236}">
+                <a16:creationId xmlns:a16="http://schemas.microsoft.com/office/drawing/2014/main" id="{31DCC409-42B3-EA58-069D-ADDD46C0AFDF}"/>
+              </a:ext>
+            </a:extLst>
+          </p:cNvPr>
+          <p:cNvSpPr txBox="1"/>
+          <p:nvPr/>
+        </p:nvSpPr>
+        <p:spPr>
+          <a:xfrm>
+            <a:off x="4319515" y="2798064"/>
+            <a:ext cx="4095821" cy="3417611"/>
+          </a:xfrm>
+          <a:prstGeom prst="rect">
+            <a:avLst/>
+          </a:prstGeom>
+        </p:spPr>
+        <p:txBody>
+          <a:bodyPr vert="horz" lIns="91440" tIns="45720" rIns="91440" bIns="45720" rtlCol="0" anchor="t">
+            <a:normAutofit/>
+          </a:bodyPr>
+          <a:lstStyle/>
+          <a:p>
+            <a:pPr indent="-228600" defTabSz="914400">
+              <a:lnSpc>
+                <a:spcPct val="90000"/>
+              </a:lnSpc>
+              <a:spcAft>
+                <a:spcPts val="600"/>
+              </a:spcAft>
+              <a:buFont typeface="Arial" panose="020B0604020202020204" pitchFamily="34" charset="0"/>
+              <a:buChar char="•"/>
+            </a:pPr>
+            <a:r>
+              <a:rPr lang="en-US" sz="1900" dirty="0">
+                <a:solidFill>
+                  <a:srgbClr val="FFFFFF"/>
+                </a:solidFill>
+              </a:rPr>
+              <a:t>1 .</a:t>
+            </a:r>
+            <a:r>
+              <a:rPr lang="en-US" sz="1900" dirty="0" err="1">
+                <a:solidFill>
+                  <a:srgbClr val="FFFFFF"/>
+                </a:solidFill>
+              </a:rPr>
+              <a:t>Đặt</a:t>
+            </a:r>
+            <a:r>
+              <a:rPr lang="en-US" sz="1900" dirty="0">
+                <a:solidFill>
+                  <a:srgbClr val="FFFFFF"/>
+                </a:solidFill>
+              </a:rPr>
+              <a:t> </a:t>
+            </a:r>
+            <a:r>
+              <a:rPr lang="en-US" sz="1900" dirty="0" err="1">
+                <a:solidFill>
+                  <a:srgbClr val="FFFFFF"/>
+                </a:solidFill>
+              </a:rPr>
+              <a:t>vấn</a:t>
+            </a:r>
+            <a:r>
+              <a:rPr lang="en-US" sz="1900" dirty="0">
+                <a:solidFill>
+                  <a:srgbClr val="FFFFFF"/>
+                </a:solidFill>
+              </a:rPr>
+              <a:t> </a:t>
+            </a:r>
+            <a:r>
+              <a:rPr lang="en-US" sz="1900" dirty="0" err="1">
+                <a:solidFill>
+                  <a:srgbClr val="FFFFFF"/>
+                </a:solidFill>
+              </a:rPr>
+              <a:t>đề</a:t>
+            </a:r>
+            <a:endParaRPr lang="en-US" sz="1900" dirty="0">
+              <a:solidFill>
+                <a:srgbClr val="FFFFFF"/>
+              </a:solidFill>
+            </a:endParaRPr>
+          </a:p>
+          <a:p>
+            <a:pPr indent="-228600" defTabSz="914400">
+              <a:lnSpc>
+                <a:spcPct val="90000"/>
+              </a:lnSpc>
+              <a:spcAft>
+                <a:spcPts val="600"/>
+              </a:spcAft>
+              <a:buFont typeface="Arial" panose="020B0604020202020204" pitchFamily="34" charset="0"/>
+              <a:buChar char="•"/>
+            </a:pPr>
+            <a:endParaRPr lang="en-US" sz="1900" dirty="0">
+              <a:solidFill>
+                <a:srgbClr val="FFFFFF"/>
+              </a:solidFill>
+            </a:endParaRPr>
+          </a:p>
+          <a:p>
+            <a:pPr indent="-228600" defTabSz="914400">
+              <a:lnSpc>
+                <a:spcPct val="90000"/>
+              </a:lnSpc>
+              <a:spcAft>
+                <a:spcPts val="600"/>
+              </a:spcAft>
+              <a:buFont typeface="Arial" panose="020B0604020202020204" pitchFamily="34" charset="0"/>
+              <a:buChar char="•"/>
+            </a:pPr>
+            <a:r>
+              <a:rPr lang="en-US" sz="1900" dirty="0">
+                <a:solidFill>
+                  <a:srgbClr val="FFFFFF"/>
+                </a:solidFill>
+              </a:rPr>
+              <a:t>2. </a:t>
+            </a:r>
+            <a:r>
+              <a:rPr lang="en-US" sz="1900" dirty="0" err="1">
+                <a:solidFill>
+                  <a:srgbClr val="FFFFFF"/>
+                </a:solidFill>
+              </a:rPr>
+              <a:t>Mục</a:t>
+            </a:r>
+            <a:r>
+              <a:rPr lang="en-US" sz="1900" dirty="0">
+                <a:solidFill>
+                  <a:srgbClr val="FFFFFF"/>
+                </a:solidFill>
+              </a:rPr>
+              <a:t> </a:t>
+            </a:r>
+            <a:r>
+              <a:rPr lang="en-US" sz="1900" dirty="0" err="1">
+                <a:solidFill>
+                  <a:srgbClr val="FFFFFF"/>
+                </a:solidFill>
+              </a:rPr>
+              <a:t>tiêu</a:t>
+            </a:r>
+            <a:r>
+              <a:rPr lang="en-US" sz="1900" dirty="0">
+                <a:solidFill>
+                  <a:srgbClr val="FFFFFF"/>
+                </a:solidFill>
+              </a:rPr>
+              <a:t> </a:t>
+            </a:r>
+            <a:r>
+              <a:rPr lang="en-US" sz="1900" dirty="0" err="1">
+                <a:solidFill>
+                  <a:srgbClr val="FFFFFF"/>
+                </a:solidFill>
+              </a:rPr>
+              <a:t>đề</a:t>
+            </a:r>
+            <a:r>
+              <a:rPr lang="en-US" sz="1900" dirty="0">
+                <a:solidFill>
+                  <a:srgbClr val="FFFFFF"/>
+                </a:solidFill>
+              </a:rPr>
+              <a:t> </a:t>
+            </a:r>
+            <a:r>
+              <a:rPr lang="en-US" sz="1900" dirty="0" err="1">
+                <a:solidFill>
+                  <a:srgbClr val="FFFFFF"/>
+                </a:solidFill>
+              </a:rPr>
+              <a:t>tài</a:t>
+            </a:r>
+            <a:endParaRPr lang="en-US" sz="1900" dirty="0">
+              <a:solidFill>
+                <a:srgbClr val="FFFFFF"/>
+              </a:solidFill>
+            </a:endParaRPr>
+          </a:p>
+          <a:p>
+            <a:pPr indent="-228600" defTabSz="914400">
+              <a:lnSpc>
+                <a:spcPct val="90000"/>
+              </a:lnSpc>
+              <a:spcAft>
+                <a:spcPts val="600"/>
+              </a:spcAft>
+              <a:buFont typeface="Arial" panose="020B0604020202020204" pitchFamily="34" charset="0"/>
+              <a:buChar char="•"/>
+            </a:pPr>
+            <a:endParaRPr lang="en-US" sz="1900" dirty="0">
+              <a:solidFill>
+                <a:srgbClr val="FFFFFF"/>
+              </a:solidFill>
+            </a:endParaRPr>
+          </a:p>
+          <a:p>
+            <a:pPr indent="-228600" defTabSz="914400">
+              <a:lnSpc>
+                <a:spcPct val="90000"/>
+              </a:lnSpc>
+              <a:spcAft>
+                <a:spcPts val="600"/>
+              </a:spcAft>
+              <a:buFont typeface="Arial" panose="020B0604020202020204" pitchFamily="34" charset="0"/>
+              <a:buChar char="•"/>
+            </a:pPr>
+            <a:r>
+              <a:rPr lang="en-US" sz="1900" dirty="0">
+                <a:solidFill>
+                  <a:srgbClr val="FFFFFF"/>
+                </a:solidFill>
+              </a:rPr>
+              <a:t>3 .</a:t>
+            </a:r>
+            <a:r>
+              <a:rPr lang="en-US" sz="1900" dirty="0" err="1">
+                <a:solidFill>
+                  <a:srgbClr val="FFFFFF"/>
+                </a:solidFill>
+              </a:rPr>
+              <a:t>Xây</a:t>
+            </a:r>
+            <a:r>
+              <a:rPr lang="en-US" sz="1900" dirty="0">
+                <a:solidFill>
+                  <a:srgbClr val="FFFFFF"/>
+                </a:solidFill>
+              </a:rPr>
+              <a:t> </a:t>
+            </a:r>
+            <a:r>
+              <a:rPr lang="en-US" sz="1900" dirty="0" err="1">
+                <a:solidFill>
+                  <a:srgbClr val="FFFFFF"/>
+                </a:solidFill>
+              </a:rPr>
+              <a:t>dựng</a:t>
+            </a:r>
+            <a:r>
+              <a:rPr lang="en-US" sz="1900" dirty="0">
+                <a:solidFill>
+                  <a:srgbClr val="FFFFFF"/>
+                </a:solidFill>
+              </a:rPr>
+              <a:t> , </a:t>
+            </a:r>
+            <a:r>
+              <a:rPr lang="en-US" sz="1900" dirty="0" err="1">
+                <a:solidFill>
+                  <a:srgbClr val="FFFFFF"/>
+                </a:solidFill>
+              </a:rPr>
+              <a:t>thiết</a:t>
+            </a:r>
+            <a:r>
+              <a:rPr lang="en-US" sz="1900" dirty="0">
+                <a:solidFill>
+                  <a:srgbClr val="FFFFFF"/>
+                </a:solidFill>
+              </a:rPr>
+              <a:t> </a:t>
+            </a:r>
+            <a:r>
+              <a:rPr lang="en-US" sz="1900" dirty="0" err="1">
+                <a:solidFill>
+                  <a:srgbClr val="FFFFFF"/>
+                </a:solidFill>
+              </a:rPr>
+              <a:t>kế</a:t>
+            </a:r>
+            <a:r>
+              <a:rPr lang="en-US" sz="1900" dirty="0">
+                <a:solidFill>
+                  <a:srgbClr val="FFFFFF"/>
+                </a:solidFill>
+              </a:rPr>
+              <a:t> website </a:t>
+            </a:r>
+          </a:p>
+          <a:p>
+            <a:pPr indent="-228600" defTabSz="914400">
+              <a:lnSpc>
+                <a:spcPct val="90000"/>
+              </a:lnSpc>
+              <a:spcAft>
+                <a:spcPts val="600"/>
+              </a:spcAft>
+              <a:buFont typeface="Arial" panose="020B0604020202020204" pitchFamily="34" charset="0"/>
+              <a:buChar char="•"/>
+            </a:pPr>
+            <a:endParaRPr lang="en-US" sz="1900" dirty="0">
+              <a:solidFill>
+                <a:srgbClr val="FFFFFF"/>
+              </a:solidFill>
+            </a:endParaRPr>
+          </a:p>
+          <a:p>
+            <a:pPr indent="-228600" defTabSz="914400">
+              <a:lnSpc>
+                <a:spcPct val="90000"/>
+              </a:lnSpc>
+              <a:spcAft>
+                <a:spcPts val="600"/>
+              </a:spcAft>
+              <a:buFont typeface="Arial" panose="020B0604020202020204" pitchFamily="34" charset="0"/>
+              <a:buChar char="•"/>
+            </a:pPr>
+            <a:r>
+              <a:rPr lang="en-US" sz="1900" dirty="0">
+                <a:solidFill>
+                  <a:srgbClr val="FFFFFF"/>
+                </a:solidFill>
+              </a:rPr>
+              <a:t>4. </a:t>
+            </a:r>
+            <a:r>
+              <a:rPr lang="en-US" sz="1900" dirty="0" err="1">
+                <a:solidFill>
+                  <a:srgbClr val="FFFFFF"/>
+                </a:solidFill>
+              </a:rPr>
+              <a:t>Kết</a:t>
+            </a:r>
+            <a:r>
+              <a:rPr lang="en-US" sz="1900" dirty="0">
+                <a:solidFill>
+                  <a:srgbClr val="FFFFFF"/>
+                </a:solidFill>
+              </a:rPr>
+              <a:t> </a:t>
+            </a:r>
+            <a:r>
+              <a:rPr lang="en-US" sz="1900" dirty="0" err="1">
+                <a:solidFill>
+                  <a:srgbClr val="FFFFFF"/>
+                </a:solidFill>
+              </a:rPr>
+              <a:t>luận</a:t>
+            </a:r>
+            <a:r>
+              <a:rPr lang="en-US" sz="1900" dirty="0">
+                <a:solidFill>
+                  <a:srgbClr val="FFFFFF"/>
+                </a:solidFill>
+              </a:rPr>
+              <a:t> </a:t>
+            </a:r>
+            <a:r>
+              <a:rPr lang="en-US" sz="1900" dirty="0" err="1">
+                <a:solidFill>
+                  <a:srgbClr val="FFFFFF"/>
+                </a:solidFill>
+              </a:rPr>
+              <a:t>và</a:t>
+            </a:r>
+            <a:r>
+              <a:rPr lang="en-US" sz="1900" dirty="0">
+                <a:solidFill>
+                  <a:srgbClr val="FFFFFF"/>
+                </a:solidFill>
+              </a:rPr>
+              <a:t> </a:t>
+            </a:r>
+            <a:r>
+              <a:rPr lang="en-US" sz="1900" dirty="0" err="1">
+                <a:solidFill>
+                  <a:srgbClr val="FFFFFF"/>
+                </a:solidFill>
+              </a:rPr>
+              <a:t>Hướng</a:t>
+            </a:r>
+            <a:r>
+              <a:rPr lang="en-US" sz="1900" dirty="0">
+                <a:solidFill>
+                  <a:srgbClr val="FFFFFF"/>
+                </a:solidFill>
+              </a:rPr>
+              <a:t> </a:t>
+            </a:r>
+            <a:r>
+              <a:rPr lang="en-US" sz="1900" dirty="0" err="1">
+                <a:solidFill>
+                  <a:srgbClr val="FFFFFF"/>
+                </a:solidFill>
+              </a:rPr>
+              <a:t>phát</a:t>
+            </a:r>
+            <a:r>
+              <a:rPr lang="en-US" sz="1900" dirty="0">
+                <a:solidFill>
+                  <a:srgbClr val="FFFFFF"/>
+                </a:solidFill>
+              </a:rPr>
+              <a:t> </a:t>
+            </a:r>
+            <a:r>
+              <a:rPr lang="en-US" sz="1900" dirty="0" err="1">
+                <a:solidFill>
+                  <a:srgbClr val="FFFFFF"/>
+                </a:solidFill>
+              </a:rPr>
+              <a:t>triển</a:t>
+            </a:r>
+            <a:endParaRPr lang="en-US" sz="1900" dirty="0">
+              <a:solidFill>
+                <a:srgbClr val="FFFFFF"/>
+              </a:solidFill>
+            </a:endParaRPr>
+          </a:p>
+        </p:txBody>
+      </p:sp>
       <p:sp>
         <p:nvSpPr>
           <p:cNvPr id="11" name="Title 6">
@@ -5088,10 +9151,20 @@
             </a:lvl1pPr>
           </a:lstStyle>
           <a:p>
-            <a:endParaRPr lang="en-US" sz="2800" b="0" dirty="0"/>
-          </a:p>
-          <a:p>
-            <a:endParaRPr lang="en-US" sz="2800" b="0" dirty="0"/>
+            <a:pPr>
+              <a:spcAft>
+                <a:spcPts val="600"/>
+              </a:spcAft>
+            </a:pPr>
+            <a:endParaRPr lang="en-US" sz="2800" b="0"/>
+          </a:p>
+          <a:p>
+            <a:pPr>
+              <a:spcAft>
+                <a:spcPts val="600"/>
+              </a:spcAft>
+            </a:pPr>
+            <a:endParaRPr lang="en-US" sz="2800" b="0"/>
           </a:p>
         </p:txBody>
       </p:sp>
@@ -5099,461 +9172,6 @@
     <p:extLst>
       <p:ext uri="{BB962C8B-B14F-4D97-AF65-F5344CB8AC3E}">
         <p14:creationId xmlns:p14="http://schemas.microsoft.com/office/powerpoint/2010/main" val="743172911"/>
-      </p:ext>
-    </p:extLst>
-  </p:cSld>
-  <p:clrMapOvr>
-    <a:masterClrMapping/>
-  </p:clrMapOvr>
-</p:sld>
-</file>
-
-<file path=ppt/slides/slide2.xml><?xml version="1.0" encoding="utf-8"?>
-<p:sld xmlns:a="http://schemas.openxmlformats.org/drawingml/2006/main" xmlns:r="http://schemas.openxmlformats.org/officeDocument/2006/relationships" xmlns:p="http://schemas.openxmlformats.org/presentationml/2006/main">
-  <p:cSld>
-    <p:spTree>
-      <p:nvGrpSpPr>
-        <p:cNvPr id="1" name=""/>
-        <p:cNvGrpSpPr/>
-        <p:nvPr/>
-      </p:nvGrpSpPr>
-      <p:grpSpPr>
-        <a:xfrm>
-          <a:off x="0" y="0"/>
-          <a:ext cx="0" cy="0"/>
-          <a:chOff x="0" y="0"/>
-          <a:chExt cx="0" cy="0"/>
-        </a:xfrm>
-      </p:grpSpPr>
-      <p:sp>
-        <p:nvSpPr>
-          <p:cNvPr id="2" name="Title 1">
-            <a:extLst>
-              <a:ext uri="{FF2B5EF4-FFF2-40B4-BE49-F238E27FC236}">
-                <a16:creationId xmlns:a16="http://schemas.microsoft.com/office/drawing/2014/main" id="{B88898E0-30FF-4956-A658-42E15A83164B}"/>
-              </a:ext>
-            </a:extLst>
-          </p:cNvPr>
-          <p:cNvSpPr>
-            <a:spLocks noGrp="1"/>
-          </p:cNvSpPr>
-          <p:nvPr>
-            <p:ph type="title"/>
-          </p:nvPr>
-        </p:nvSpPr>
-        <p:spPr>
-          <a:xfrm>
-            <a:off x="294044" y="1684056"/>
-            <a:ext cx="8849956" cy="2127504"/>
-          </a:xfrm>
-        </p:spPr>
-        <p:txBody>
-          <a:bodyPr/>
-          <a:lstStyle/>
-          <a:p>
-            <a:r>
-              <a:rPr lang="en-US" dirty="0" err="1"/>
-              <a:t>Đồ</a:t>
-            </a:r>
-            <a:r>
-              <a:rPr lang="en-US" dirty="0"/>
-              <a:t> </a:t>
-            </a:r>
-            <a:r>
-              <a:rPr lang="en-US" dirty="0" err="1"/>
-              <a:t>án</a:t>
-            </a:r>
-            <a:r>
-              <a:rPr lang="en-US" dirty="0"/>
-              <a:t> </a:t>
-            </a:r>
-            <a:r>
-              <a:rPr lang="en-US" dirty="0" err="1"/>
-              <a:t>tốt</a:t>
-            </a:r>
-            <a:r>
-              <a:rPr lang="en-US" dirty="0"/>
-              <a:t> </a:t>
-            </a:r>
-            <a:r>
-              <a:rPr lang="en-US" dirty="0" err="1"/>
-              <a:t>nghiệp</a:t>
-            </a:r>
-            <a:br>
-              <a:rPr lang="en-US" dirty="0"/>
-            </a:br>
-            <a:r>
-              <a:rPr lang="en-US" dirty="0" err="1"/>
-              <a:t>Xây</a:t>
-            </a:r>
-            <a:r>
-              <a:rPr lang="en-US" dirty="0"/>
-              <a:t> </a:t>
-            </a:r>
-            <a:r>
-              <a:rPr lang="en-US" dirty="0" err="1"/>
-              <a:t>dựng,thiết</a:t>
-            </a:r>
-            <a:r>
-              <a:rPr lang="en-US" dirty="0"/>
-              <a:t> </a:t>
-            </a:r>
-            <a:r>
-              <a:rPr lang="en-US" dirty="0" err="1"/>
-              <a:t>kế</a:t>
-            </a:r>
-            <a:r>
-              <a:rPr lang="en-US" dirty="0"/>
-              <a:t> website </a:t>
-            </a:r>
-            <a:r>
-              <a:rPr lang="en-US" dirty="0" err="1"/>
-              <a:t>tìm</a:t>
-            </a:r>
-            <a:r>
-              <a:rPr lang="en-US" dirty="0"/>
-              <a:t> </a:t>
-            </a:r>
-            <a:r>
-              <a:rPr lang="en-US" dirty="0" err="1"/>
-              <a:t>và</a:t>
-            </a:r>
-            <a:r>
-              <a:rPr lang="en-US" dirty="0"/>
-              <a:t> </a:t>
-            </a:r>
-            <a:r>
-              <a:rPr lang="en-US" dirty="0" err="1"/>
-              <a:t>quản</a:t>
-            </a:r>
-            <a:r>
-              <a:rPr lang="en-US" dirty="0"/>
-              <a:t> </a:t>
-            </a:r>
-            <a:r>
-              <a:rPr lang="en-US" dirty="0" err="1"/>
-              <a:t>lí</a:t>
-            </a:r>
-            <a:r>
-              <a:rPr lang="en-US" dirty="0"/>
-              <a:t> </a:t>
-            </a:r>
-            <a:r>
-              <a:rPr lang="en-US" dirty="0" err="1"/>
-              <a:t>nhà</a:t>
-            </a:r>
-            <a:r>
-              <a:rPr lang="en-US" dirty="0"/>
-              <a:t> </a:t>
-            </a:r>
-            <a:r>
-              <a:rPr lang="en-US" dirty="0" err="1"/>
-              <a:t>trọ</a:t>
-            </a:r>
-            <a:endParaRPr lang="en-US" dirty="0"/>
-          </a:p>
-        </p:txBody>
-      </p:sp>
-      <p:sp>
-        <p:nvSpPr>
-          <p:cNvPr id="5" name="Hộp Văn bản 4">
-            <a:extLst>
-              <a:ext uri="{FF2B5EF4-FFF2-40B4-BE49-F238E27FC236}">
-                <a16:creationId xmlns:a16="http://schemas.microsoft.com/office/drawing/2014/main" id="{34CD5712-75A4-4FE1-9728-AED929B7E82D}"/>
-              </a:ext>
-            </a:extLst>
-          </p:cNvPr>
-          <p:cNvSpPr txBox="1"/>
-          <p:nvPr/>
-        </p:nvSpPr>
-        <p:spPr>
-          <a:xfrm>
-            <a:off x="4828934" y="4383156"/>
-            <a:ext cx="4447823" cy="369332"/>
-          </a:xfrm>
-          <a:prstGeom prst="rect">
-            <a:avLst/>
-          </a:prstGeom>
-          <a:noFill/>
-        </p:spPr>
-        <p:txBody>
-          <a:bodyPr wrap="square" rtlCol="0">
-            <a:spAutoFit/>
-          </a:bodyPr>
-          <a:lstStyle/>
-          <a:p>
-            <a:r>
-              <a:rPr lang="en-US" dirty="0">
-                <a:solidFill>
-                  <a:schemeClr val="bg1"/>
-                </a:solidFill>
-                <a:effectLst/>
-              </a:rPr>
-              <a:t>Doãn Minh Phụng    20183810 </a:t>
-            </a:r>
-          </a:p>
-        </p:txBody>
-      </p:sp>
-      <p:sp>
-        <p:nvSpPr>
-          <p:cNvPr id="4" name="Hộp Văn bản 3">
-            <a:extLst>
-              <a:ext uri="{FF2B5EF4-FFF2-40B4-BE49-F238E27FC236}">
-                <a16:creationId xmlns:a16="http://schemas.microsoft.com/office/drawing/2014/main" id="{3885B75F-DFFB-210D-8938-8EA4949FD6E5}"/>
-              </a:ext>
-            </a:extLst>
-          </p:cNvPr>
-          <p:cNvSpPr txBox="1"/>
-          <p:nvPr/>
-        </p:nvSpPr>
-        <p:spPr>
-          <a:xfrm>
-            <a:off x="4828933" y="4989278"/>
-            <a:ext cx="4447823" cy="369332"/>
-          </a:xfrm>
-          <a:prstGeom prst="rect">
-            <a:avLst/>
-          </a:prstGeom>
-          <a:noFill/>
-        </p:spPr>
-        <p:txBody>
-          <a:bodyPr wrap="square" rtlCol="0">
-            <a:spAutoFit/>
-          </a:bodyPr>
-          <a:lstStyle/>
-          <a:p>
-            <a:r>
-              <a:rPr lang="en-US" dirty="0">
-                <a:solidFill>
-                  <a:schemeClr val="bg1"/>
-                </a:solidFill>
-                <a:effectLst/>
-              </a:rPr>
-              <a:t>GVHD : PGS TS ĐẶNG VĂN CHUYẾT</a:t>
-            </a:r>
-          </a:p>
-        </p:txBody>
-      </p:sp>
-    </p:spTree>
-    <p:extLst>
-      <p:ext uri="{BB962C8B-B14F-4D97-AF65-F5344CB8AC3E}">
-        <p14:creationId xmlns:p14="http://schemas.microsoft.com/office/powerpoint/2010/main" val="1850899118"/>
-      </p:ext>
-    </p:extLst>
-  </p:cSld>
-  <p:clrMapOvr>
-    <a:masterClrMapping/>
-  </p:clrMapOvr>
-</p:sld>
-</file>
-
-<file path=ppt/slides/slide3.xml><?xml version="1.0" encoding="utf-8"?>
-<p:sld xmlns:a="http://schemas.openxmlformats.org/drawingml/2006/main" xmlns:r="http://schemas.openxmlformats.org/officeDocument/2006/relationships" xmlns:p="http://schemas.openxmlformats.org/presentationml/2006/main">
-  <p:cSld>
-    <p:spTree>
-      <p:nvGrpSpPr>
-        <p:cNvPr id="1" name=""/>
-        <p:cNvGrpSpPr/>
-        <p:nvPr/>
-      </p:nvGrpSpPr>
-      <p:grpSpPr>
-        <a:xfrm>
-          <a:off x="0" y="0"/>
-          <a:ext cx="0" cy="0"/>
-          <a:chOff x="0" y="0"/>
-          <a:chExt cx="0" cy="0"/>
-        </a:xfrm>
-      </p:grpSpPr>
-      <p:sp>
-        <p:nvSpPr>
-          <p:cNvPr id="2" name="Slide Number Placeholder 1">
-            <a:extLst>
-              <a:ext uri="{FF2B5EF4-FFF2-40B4-BE49-F238E27FC236}">
-                <a16:creationId xmlns:a16="http://schemas.microsoft.com/office/drawing/2014/main" id="{A7101F79-2CBF-4392-B538-B0B5700DB4C6}"/>
-              </a:ext>
-            </a:extLst>
-          </p:cNvPr>
-          <p:cNvSpPr>
-            <a:spLocks noGrp="1"/>
-          </p:cNvSpPr>
-          <p:nvPr>
-            <p:ph type="sldNum" sz="quarter" idx="12"/>
-          </p:nvPr>
-        </p:nvSpPr>
-        <p:spPr/>
-        <p:txBody>
-          <a:bodyPr/>
-          <a:lstStyle/>
-          <a:p>
-            <a:fld id="{9EA0BE3B-158A-4EDF-80DC-E394A0D1600F}" type="slidenum">
-              <a:rPr lang="en-US" smtClean="0"/>
-              <a:pPr/>
-              <a:t>3</a:t>
-            </a:fld>
-            <a:endParaRPr lang="en-US" dirty="0"/>
-          </a:p>
-        </p:txBody>
-      </p:sp>
-      <p:sp>
-        <p:nvSpPr>
-          <p:cNvPr id="3" name="Title 2">
-            <a:extLst>
-              <a:ext uri="{FF2B5EF4-FFF2-40B4-BE49-F238E27FC236}">
-                <a16:creationId xmlns:a16="http://schemas.microsoft.com/office/drawing/2014/main" id="{9EF27CAA-32BA-4E6B-B8C0-1A481E08E81D}"/>
-              </a:ext>
-            </a:extLst>
-          </p:cNvPr>
-          <p:cNvSpPr>
-            <a:spLocks noGrp="1"/>
-          </p:cNvSpPr>
-          <p:nvPr>
-            <p:ph type="title"/>
-          </p:nvPr>
-        </p:nvSpPr>
-        <p:spPr/>
-        <p:txBody>
-          <a:bodyPr/>
-          <a:lstStyle/>
-          <a:p>
-            <a:r>
-              <a:rPr lang="en-US" dirty="0" err="1"/>
-              <a:t>Mục</a:t>
-            </a:r>
-            <a:r>
-              <a:rPr lang="en-US" dirty="0"/>
-              <a:t> </a:t>
-            </a:r>
-            <a:r>
-              <a:rPr lang="en-US" dirty="0" err="1"/>
-              <a:t>tiêu</a:t>
-            </a:r>
-            <a:r>
-              <a:rPr lang="en-US" dirty="0"/>
-              <a:t> </a:t>
-            </a:r>
-            <a:r>
-              <a:rPr lang="en-US" dirty="0" err="1"/>
-              <a:t>đề</a:t>
-            </a:r>
-            <a:r>
-              <a:rPr lang="en-US" dirty="0"/>
-              <a:t> </a:t>
-            </a:r>
-            <a:r>
-              <a:rPr lang="en-US" dirty="0" err="1"/>
-              <a:t>tài</a:t>
-            </a:r>
-            <a:endParaRPr lang="en-US" dirty="0"/>
-          </a:p>
-        </p:txBody>
-      </p:sp>
-      <p:sp>
-        <p:nvSpPr>
-          <p:cNvPr id="8" name="Hộp Văn bản 7">
-            <a:extLst>
-              <a:ext uri="{FF2B5EF4-FFF2-40B4-BE49-F238E27FC236}">
-                <a16:creationId xmlns:a16="http://schemas.microsoft.com/office/drawing/2014/main" id="{644D16C6-EBFC-FB10-F777-97B16E154398}"/>
-              </a:ext>
-            </a:extLst>
-          </p:cNvPr>
-          <p:cNvSpPr txBox="1"/>
-          <p:nvPr/>
-        </p:nvSpPr>
-        <p:spPr>
-          <a:xfrm>
-            <a:off x="618981" y="1555810"/>
-            <a:ext cx="6380923" cy="830997"/>
-          </a:xfrm>
-          <a:prstGeom prst="rect">
-            <a:avLst/>
-          </a:prstGeom>
-        </p:spPr>
-        <p:style>
-          <a:lnRef idx="2">
-            <a:schemeClr val="accent6"/>
-          </a:lnRef>
-          <a:fillRef idx="1">
-            <a:schemeClr val="lt1"/>
-          </a:fillRef>
-          <a:effectRef idx="0">
-            <a:schemeClr val="accent6"/>
-          </a:effectRef>
-          <a:fontRef idx="minor">
-            <a:schemeClr val="dk1"/>
-          </a:fontRef>
-        </p:style>
-        <p:txBody>
-          <a:bodyPr wrap="square">
-            <a:spAutoFit/>
-          </a:bodyPr>
-          <a:lstStyle/>
-          <a:p>
-            <a:r>
-              <a:rPr lang="vi-VN" sz="2400" b="0" i="0" dirty="0">
-                <a:solidFill>
-                  <a:srgbClr val="374151"/>
-                </a:solidFill>
-                <a:effectLst/>
-                <a:latin typeface="Söhne"/>
-              </a:rPr>
-              <a:t>Phát triển một hệ thống tìm kiếm và cho thuê nhà ,căn hộ hiệu quả và thuận tiện.</a:t>
-            </a:r>
-            <a:endParaRPr lang="vi-VN" sz="2400" dirty="0"/>
-          </a:p>
-        </p:txBody>
-      </p:sp>
-      <p:sp>
-        <p:nvSpPr>
-          <p:cNvPr id="11" name="Hộp Văn bản 10">
-            <a:extLst>
-              <a:ext uri="{FF2B5EF4-FFF2-40B4-BE49-F238E27FC236}">
-                <a16:creationId xmlns:a16="http://schemas.microsoft.com/office/drawing/2014/main" id="{55F3DFF3-AEF3-4355-2997-C1905D387654}"/>
-              </a:ext>
-            </a:extLst>
-          </p:cNvPr>
-          <p:cNvSpPr txBox="1"/>
-          <p:nvPr/>
-        </p:nvSpPr>
-        <p:spPr>
-          <a:xfrm>
-            <a:off x="618981" y="2968487"/>
-            <a:ext cx="6380923" cy="707886"/>
-          </a:xfrm>
-          <a:prstGeom prst="rect">
-            <a:avLst/>
-          </a:prstGeom>
-        </p:spPr>
-        <p:style>
-          <a:lnRef idx="2">
-            <a:schemeClr val="accent1"/>
-          </a:lnRef>
-          <a:fillRef idx="1">
-            <a:schemeClr val="lt1"/>
-          </a:fillRef>
-          <a:effectRef idx="0">
-            <a:schemeClr val="accent1"/>
-          </a:effectRef>
-          <a:fontRef idx="minor">
-            <a:schemeClr val="dk1"/>
-          </a:fontRef>
-        </p:style>
-        <p:txBody>
-          <a:bodyPr wrap="square" rtlCol="0">
-            <a:spAutoFit/>
-          </a:bodyPr>
-          <a:lstStyle/>
-          <a:p>
-            <a:r>
-              <a:rPr lang="vi-VN" sz="2000" dirty="0"/>
-              <a:t>Kết  nối người thuê và người cho thuê một cách hiệu quả </a:t>
-            </a:r>
-          </a:p>
-        </p:txBody>
-      </p:sp>
-    </p:spTree>
-    <p:extLst>
-      <p:ext uri="{BB962C8B-B14F-4D97-AF65-F5344CB8AC3E}">
-        <p14:creationId xmlns:p14="http://schemas.microsoft.com/office/powerpoint/2010/main" val="292364014"/>
       </p:ext>
     </p:extLst>
   </p:cSld>
@@ -5632,6 +9250,10 @@
           <a:lstStyle/>
           <a:p>
             <a:r>
+              <a:rPr lang="en-US" dirty="0"/>
+              <a:t>1 . </a:t>
+            </a:r>
+            <a:r>
               <a:rPr lang="en-US" dirty="0" err="1"/>
               <a:t>Đặt</a:t>
             </a:r>
@@ -5651,26 +9273,7 @@
               <a:rPr lang="en-US" dirty="0" err="1"/>
               <a:t>đề</a:t>
             </a:r>
-            <a:r>
-              <a:rPr lang="en-US" dirty="0"/>
-              <a:t> - </a:t>
-            </a:r>
-            <a:r>
-              <a:rPr lang="en-US" dirty="0" err="1"/>
-              <a:t>Thách</a:t>
-            </a:r>
-            <a:r>
-              <a:rPr lang="en-US" dirty="0"/>
-              <a:t> </a:t>
-            </a:r>
-            <a:r>
-              <a:rPr lang="en-US" dirty="0" err="1"/>
-              <a:t>thức</a:t>
-            </a:r>
-            <a:r>
-              <a:rPr lang="en-US" dirty="0"/>
-              <a:t> </a:t>
-            </a:r>
+            <a:endParaRPr lang="en-US" dirty="0"/>
           </a:p>
         </p:txBody>
       </p:sp>
@@ -5688,7 +9291,7 @@
         </p:nvSpPr>
         <p:spPr>
           <a:xfrm>
-            <a:off x="530087" y="1364974"/>
+            <a:off x="235077" y="1247406"/>
             <a:ext cx="5247861" cy="369332"/>
           </a:xfrm>
           <a:prstGeom prst="rect">
@@ -5736,8 +9339,8 @@
         </p:nvSpPr>
         <p:spPr>
           <a:xfrm>
-            <a:off x="530087" y="3595213"/>
-            <a:ext cx="5247861" cy="646331"/>
+            <a:off x="235077" y="3547507"/>
+            <a:ext cx="5247861" cy="923330"/>
           </a:xfrm>
           <a:prstGeom prst="rect">
             <a:avLst/>
@@ -5773,7 +9376,7 @@
             </a:r>
             <a:r>
               <a:rPr lang="vi-VN" dirty="0"/>
-              <a:t> lớn </a:t>
+              <a:t> lớn : Hà nội , TP HCM</a:t>
             </a:r>
           </a:p>
         </p:txBody>
@@ -5792,7 +9395,7 @@
         </p:nvSpPr>
         <p:spPr>
           <a:xfrm>
-            <a:off x="530087" y="5445498"/>
+            <a:off x="331304" y="5610594"/>
             <a:ext cx="6970644" cy="461665"/>
           </a:xfrm>
           <a:prstGeom prst="rect">
@@ -5896,7 +9499,7 @@
         </p:blipFill>
         <p:spPr>
           <a:xfrm>
-            <a:off x="5903288" y="3072457"/>
+            <a:off x="5903288" y="3095475"/>
             <a:ext cx="3021495" cy="2338173"/>
           </a:xfrm>
           <a:prstGeom prst="rect">
@@ -6404,8 +10007,8 @@
         </p:blipFill>
         <p:spPr>
           <a:xfrm>
-            <a:off x="4972320" y="3124498"/>
-            <a:ext cx="2663687" cy="1773017"/>
+            <a:off x="5232396" y="3916130"/>
+            <a:ext cx="3116474" cy="2074403"/>
           </a:xfrm>
           <a:prstGeom prst="rect">
             <a:avLst/>
@@ -6443,8 +10046,8 @@
         </p:blipFill>
         <p:spPr>
           <a:xfrm>
-            <a:off x="4972321" y="1168853"/>
-            <a:ext cx="2663687" cy="1831179"/>
+            <a:off x="5033612" y="1094725"/>
+            <a:ext cx="3485322" cy="2396020"/>
           </a:xfrm>
           <a:prstGeom prst="rect">
             <a:avLst/>
@@ -6465,7 +10068,7 @@
         </p:nvSpPr>
         <p:spPr>
           <a:xfrm>
-            <a:off x="993913" y="1563756"/>
+            <a:off x="399771" y="1279553"/>
             <a:ext cx="3485322" cy="523220"/>
           </a:xfrm>
           <a:prstGeom prst="rect">
@@ -6542,8 +10145,8 @@
         </p:nvSpPr>
         <p:spPr>
           <a:xfrm>
-            <a:off x="993913" y="3412435"/>
-            <a:ext cx="3578087" cy="954107"/>
+            <a:off x="399771" y="3899260"/>
+            <a:ext cx="4530038" cy="523220"/>
           </a:xfrm>
           <a:prstGeom prst="rect">
             <a:avLst/>
@@ -6602,6 +10205,418 @@
               <a:t> online </a:t>
             </a:r>
             <a:endParaRPr lang="vi-VN" sz="2800" dirty="0"/>
+          </a:p>
+        </p:txBody>
+      </p:sp>
+      <p:sp>
+        <p:nvSpPr>
+          <p:cNvPr id="4" name="Hộp Văn bản 3">
+            <a:extLst>
+              <a:ext uri="{FF2B5EF4-FFF2-40B4-BE49-F238E27FC236}">
+                <a16:creationId xmlns:a16="http://schemas.microsoft.com/office/drawing/2014/main" id="{626F0DFA-27AB-4944-2927-5F17EEE3F6DE}"/>
+              </a:ext>
+            </a:extLst>
+          </p:cNvPr>
+          <p:cNvSpPr txBox="1"/>
+          <p:nvPr/>
+        </p:nvSpPr>
+        <p:spPr>
+          <a:xfrm>
+            <a:off x="563217" y="1874783"/>
+            <a:ext cx="1616765" cy="369332"/>
+          </a:xfrm>
+          <a:prstGeom prst="rect">
+            <a:avLst/>
+          </a:prstGeom>
+          <a:noFill/>
+        </p:spPr>
+        <p:txBody>
+          <a:bodyPr wrap="square" rtlCol="0">
+            <a:spAutoFit/>
+          </a:bodyPr>
+          <a:lstStyle/>
+          <a:p>
+            <a:r>
+              <a:rPr lang="en-US" dirty="0"/>
+              <a:t>- </a:t>
+            </a:r>
+            <a:r>
+              <a:rPr lang="en-US" dirty="0" err="1"/>
+              <a:t>Mất</a:t>
+            </a:r>
+            <a:r>
+              <a:rPr lang="en-US" dirty="0"/>
+              <a:t> </a:t>
+            </a:r>
+            <a:r>
+              <a:rPr lang="en-US" dirty="0" err="1"/>
+              <a:t>thời</a:t>
+            </a:r>
+            <a:r>
+              <a:rPr lang="en-US" dirty="0"/>
+              <a:t> </a:t>
+            </a:r>
+            <a:r>
+              <a:rPr lang="en-US" dirty="0" err="1"/>
+              <a:t>gian</a:t>
+            </a:r>
+            <a:r>
+              <a:rPr lang="en-US" dirty="0"/>
+              <a:t> </a:t>
+            </a:r>
+            <a:endParaRPr lang="vi-VN" dirty="0"/>
+          </a:p>
+        </p:txBody>
+      </p:sp>
+      <p:sp>
+        <p:nvSpPr>
+          <p:cNvPr id="6" name="Hộp Văn bản 5">
+            <a:extLst>
+              <a:ext uri="{FF2B5EF4-FFF2-40B4-BE49-F238E27FC236}">
+                <a16:creationId xmlns:a16="http://schemas.microsoft.com/office/drawing/2014/main" id="{CCCFFEED-6251-BDA5-722D-2859C4D0FAE6}"/>
+              </a:ext>
+            </a:extLst>
+          </p:cNvPr>
+          <p:cNvSpPr txBox="1"/>
+          <p:nvPr/>
+        </p:nvSpPr>
+        <p:spPr>
+          <a:xfrm>
+            <a:off x="563217" y="2290650"/>
+            <a:ext cx="3286539" cy="646331"/>
+          </a:xfrm>
+          <a:prstGeom prst="rect">
+            <a:avLst/>
+          </a:prstGeom>
+          <a:noFill/>
+        </p:spPr>
+        <p:txBody>
+          <a:bodyPr wrap="square" rtlCol="0">
+            <a:spAutoFit/>
+          </a:bodyPr>
+          <a:lstStyle/>
+          <a:p>
+            <a:r>
+              <a:rPr lang="en-US" dirty="0"/>
+              <a:t>- Thông tin </a:t>
+            </a:r>
+            <a:r>
+              <a:rPr lang="en-US" dirty="0" err="1"/>
+              <a:t>hạn</a:t>
+            </a:r>
+            <a:r>
+              <a:rPr lang="en-US" dirty="0"/>
+              <a:t> </a:t>
+            </a:r>
+            <a:r>
+              <a:rPr lang="en-US" dirty="0" err="1"/>
+              <a:t>chế</a:t>
+            </a:r>
+            <a:r>
+              <a:rPr lang="en-US" dirty="0"/>
+              <a:t>,  </a:t>
+            </a:r>
+            <a:r>
+              <a:rPr lang="en-US" dirty="0" err="1"/>
+              <a:t>không</a:t>
+            </a:r>
+            <a:r>
+              <a:rPr lang="en-US" dirty="0"/>
+              <a:t> </a:t>
+            </a:r>
+            <a:r>
+              <a:rPr lang="en-US" dirty="0" err="1"/>
+              <a:t>kiểm</a:t>
+            </a:r>
+            <a:r>
+              <a:rPr lang="en-US" dirty="0"/>
+              <a:t> </a:t>
+            </a:r>
+            <a:r>
+              <a:rPr lang="en-US" dirty="0" err="1"/>
+              <a:t>chứng</a:t>
+            </a:r>
+            <a:r>
+              <a:rPr lang="en-US" dirty="0"/>
+              <a:t> </a:t>
+            </a:r>
+            <a:endParaRPr lang="vi-VN" dirty="0"/>
+          </a:p>
+        </p:txBody>
+      </p:sp>
+      <p:sp>
+        <p:nvSpPr>
+          <p:cNvPr id="7" name="Hộp Văn bản 6">
+            <a:extLst>
+              <a:ext uri="{FF2B5EF4-FFF2-40B4-BE49-F238E27FC236}">
+                <a16:creationId xmlns:a16="http://schemas.microsoft.com/office/drawing/2014/main" id="{BB651CC8-966E-BFFF-2C60-FB78602414D3}"/>
+              </a:ext>
+            </a:extLst>
+          </p:cNvPr>
+          <p:cNvSpPr txBox="1"/>
+          <p:nvPr/>
+        </p:nvSpPr>
+        <p:spPr>
+          <a:xfrm>
+            <a:off x="463826" y="2912437"/>
+            <a:ext cx="4108174" cy="369332"/>
+          </a:xfrm>
+          <a:prstGeom prst="rect">
+            <a:avLst/>
+          </a:prstGeom>
+          <a:noFill/>
+        </p:spPr>
+        <p:txBody>
+          <a:bodyPr wrap="square" rtlCol="0">
+            <a:spAutoFit/>
+          </a:bodyPr>
+          <a:lstStyle/>
+          <a:p>
+            <a:r>
+              <a:rPr lang="en-US" dirty="0"/>
+              <a:t> - </a:t>
+            </a:r>
+            <a:r>
+              <a:rPr lang="en-US" dirty="0" err="1"/>
+              <a:t>Không</a:t>
+            </a:r>
+            <a:r>
+              <a:rPr lang="en-US" dirty="0"/>
+              <a:t> </a:t>
+            </a:r>
+            <a:r>
+              <a:rPr lang="en-US" dirty="0" err="1"/>
+              <a:t>có</a:t>
+            </a:r>
+            <a:r>
+              <a:rPr lang="en-US" dirty="0"/>
+              <a:t> </a:t>
+            </a:r>
+            <a:r>
+              <a:rPr lang="en-US" dirty="0" err="1"/>
+              <a:t>đánh</a:t>
+            </a:r>
+            <a:r>
+              <a:rPr lang="en-US" dirty="0"/>
+              <a:t> </a:t>
+            </a:r>
+            <a:r>
+              <a:rPr lang="en-US" dirty="0" err="1"/>
+              <a:t>giá</a:t>
+            </a:r>
+            <a:r>
+              <a:rPr lang="en-US" dirty="0"/>
+              <a:t> </a:t>
+            </a:r>
+            <a:r>
+              <a:rPr lang="en-US" dirty="0" err="1"/>
+              <a:t>từ</a:t>
+            </a:r>
+            <a:r>
+              <a:rPr lang="en-US" dirty="0"/>
+              <a:t> </a:t>
+            </a:r>
+            <a:r>
+              <a:rPr lang="en-US" dirty="0" err="1"/>
+              <a:t>người</a:t>
+            </a:r>
+            <a:r>
+              <a:rPr lang="en-US" dirty="0"/>
+              <a:t> </a:t>
+            </a:r>
+            <a:r>
+              <a:rPr lang="en-US" dirty="0" err="1"/>
+              <a:t>thuê</a:t>
+            </a:r>
+            <a:r>
+              <a:rPr lang="en-US" dirty="0"/>
+              <a:t> </a:t>
+            </a:r>
+            <a:r>
+              <a:rPr lang="en-US" dirty="0" err="1"/>
+              <a:t>trước</a:t>
+            </a:r>
+            <a:r>
+              <a:rPr lang="en-US" dirty="0"/>
+              <a:t> </a:t>
+            </a:r>
+            <a:endParaRPr lang="vi-VN" dirty="0"/>
+          </a:p>
+        </p:txBody>
+      </p:sp>
+      <p:sp>
+        <p:nvSpPr>
+          <p:cNvPr id="14" name="Hộp Văn bản 13">
+            <a:extLst>
+              <a:ext uri="{FF2B5EF4-FFF2-40B4-BE49-F238E27FC236}">
+                <a16:creationId xmlns:a16="http://schemas.microsoft.com/office/drawing/2014/main" id="{32D60B14-7FD3-B4D3-E685-6DC9120DE904}"/>
+              </a:ext>
+            </a:extLst>
+          </p:cNvPr>
+          <p:cNvSpPr txBox="1"/>
+          <p:nvPr/>
+        </p:nvSpPr>
+        <p:spPr>
+          <a:xfrm>
+            <a:off x="848138" y="4453725"/>
+            <a:ext cx="2756452" cy="369332"/>
+          </a:xfrm>
+          <a:prstGeom prst="rect">
+            <a:avLst/>
+          </a:prstGeom>
+          <a:noFill/>
+        </p:spPr>
+        <p:txBody>
+          <a:bodyPr wrap="square" rtlCol="0">
+            <a:spAutoFit/>
+          </a:bodyPr>
+          <a:lstStyle/>
+          <a:p>
+            <a:r>
+              <a:rPr lang="en-US" dirty="0"/>
+              <a:t>-</a:t>
+            </a:r>
+            <a:r>
+              <a:rPr lang="en-US" dirty="0" err="1"/>
+              <a:t>Nhanh</a:t>
+            </a:r>
+            <a:r>
+              <a:rPr lang="en-US" dirty="0"/>
+              <a:t> </a:t>
+            </a:r>
+            <a:r>
+              <a:rPr lang="en-US" dirty="0" err="1"/>
+              <a:t>chóng</a:t>
+            </a:r>
+            <a:r>
+              <a:rPr lang="en-US" dirty="0"/>
+              <a:t> , </a:t>
+            </a:r>
+            <a:r>
+              <a:rPr lang="en-US" dirty="0" err="1"/>
+              <a:t>tiện</a:t>
+            </a:r>
+            <a:r>
+              <a:rPr lang="en-US" dirty="0"/>
+              <a:t> </a:t>
+            </a:r>
+            <a:r>
+              <a:rPr lang="en-US" dirty="0" err="1"/>
+              <a:t>lợi</a:t>
+            </a:r>
+            <a:r>
+              <a:rPr lang="en-US" dirty="0"/>
+              <a:t> </a:t>
+            </a:r>
+            <a:endParaRPr lang="vi-VN" dirty="0"/>
+          </a:p>
+        </p:txBody>
+      </p:sp>
+      <p:sp>
+        <p:nvSpPr>
+          <p:cNvPr id="15" name="Hộp Văn bản 14">
+            <a:extLst>
+              <a:ext uri="{FF2B5EF4-FFF2-40B4-BE49-F238E27FC236}">
+                <a16:creationId xmlns:a16="http://schemas.microsoft.com/office/drawing/2014/main" id="{4B71711E-BCB4-EEDB-0E84-7B7D651FFCFE}"/>
+              </a:ext>
+            </a:extLst>
+          </p:cNvPr>
+          <p:cNvSpPr txBox="1"/>
+          <p:nvPr/>
+        </p:nvSpPr>
+        <p:spPr>
+          <a:xfrm>
+            <a:off x="848138" y="4853568"/>
+            <a:ext cx="4185473" cy="646331"/>
+          </a:xfrm>
+          <a:prstGeom prst="rect">
+            <a:avLst/>
+          </a:prstGeom>
+          <a:noFill/>
+        </p:spPr>
+        <p:txBody>
+          <a:bodyPr wrap="square" rtlCol="0">
+            <a:spAutoFit/>
+          </a:bodyPr>
+          <a:lstStyle/>
+          <a:p>
+            <a:r>
+              <a:rPr lang="en-US" dirty="0"/>
+              <a:t>- </a:t>
+            </a:r>
+            <a:r>
+              <a:rPr lang="en-US" dirty="0" err="1"/>
+              <a:t>Người</a:t>
+            </a:r>
+            <a:r>
+              <a:rPr lang="en-US" dirty="0"/>
+              <a:t> </a:t>
+            </a:r>
+            <a:r>
+              <a:rPr lang="en-US" dirty="0" err="1"/>
+              <a:t>thuê</a:t>
+            </a:r>
+            <a:r>
+              <a:rPr lang="en-US" dirty="0"/>
+              <a:t> </a:t>
+            </a:r>
+            <a:r>
+              <a:rPr lang="en-US" dirty="0" err="1"/>
+              <a:t>có</a:t>
+            </a:r>
+            <a:r>
+              <a:rPr lang="en-US" dirty="0"/>
+              <a:t> </a:t>
+            </a:r>
+            <a:r>
+              <a:rPr lang="en-US" dirty="0" err="1"/>
+              <a:t>nhiều</a:t>
+            </a:r>
+            <a:r>
+              <a:rPr lang="en-US" dirty="0"/>
+              <a:t> </a:t>
+            </a:r>
+            <a:r>
+              <a:rPr lang="en-US" dirty="0" err="1"/>
+              <a:t>lựa</a:t>
+            </a:r>
+            <a:r>
+              <a:rPr lang="en-US" dirty="0"/>
+              <a:t> </a:t>
+            </a:r>
+            <a:r>
+              <a:rPr lang="en-US" dirty="0" err="1"/>
+              <a:t>chọn</a:t>
+            </a:r>
+            <a:r>
+              <a:rPr lang="en-US" dirty="0"/>
+              <a:t>, </a:t>
+            </a:r>
+            <a:r>
+              <a:rPr lang="en-US" dirty="0" err="1"/>
+              <a:t>thông</a:t>
+            </a:r>
+            <a:r>
+              <a:rPr lang="en-US" dirty="0"/>
+              <a:t> tin </a:t>
+            </a:r>
+            <a:r>
+              <a:rPr lang="en-US" dirty="0" err="1"/>
+              <a:t>đa</a:t>
+            </a:r>
+            <a:r>
+              <a:rPr lang="en-US" dirty="0"/>
+              <a:t> </a:t>
+            </a:r>
+            <a:r>
+              <a:rPr lang="en-US" dirty="0" err="1"/>
+              <a:t>dạng</a:t>
+            </a:r>
+            <a:r>
+              <a:rPr lang="en-US" dirty="0"/>
+              <a:t>  </a:t>
+            </a:r>
+            <a:endParaRPr lang="vi-VN" dirty="0"/>
           </a:p>
         </p:txBody>
       </p:sp>
@@ -6640,7 +10655,7 @@
           <p:cNvPr id="2" name="Slide Number Placeholder 1">
             <a:extLst>
               <a:ext uri="{FF2B5EF4-FFF2-40B4-BE49-F238E27FC236}">
-                <a16:creationId xmlns:a16="http://schemas.microsoft.com/office/drawing/2014/main" id="{9E9CAB07-B0CD-4712-9734-2D3CBC72598C}"/>
+                <a16:creationId xmlns:a16="http://schemas.microsoft.com/office/drawing/2014/main" id="{A7101F79-2CBF-4392-B538-B0B5700DB4C6}"/>
               </a:ext>
             </a:extLst>
           </p:cNvPr>
@@ -6670,7 +10685,7 @@
           <p:cNvPr id="3" name="Title 2">
             <a:extLst>
               <a:ext uri="{FF2B5EF4-FFF2-40B4-BE49-F238E27FC236}">
-                <a16:creationId xmlns:a16="http://schemas.microsoft.com/office/drawing/2014/main" id="{F39C6F49-1887-4BE4-A583-FB79B8A22935}"/>
+                <a16:creationId xmlns:a16="http://schemas.microsoft.com/office/drawing/2014/main" id="{9EF27CAA-32BA-4E6B-B8C0-1A481E08E81D}"/>
               </a:ext>
             </a:extLst>
           </p:cNvPr>
@@ -6688,7 +10703,7 @@
           <a:p>
             <a:r>
               <a:rPr lang="en-US" dirty="0" err="1"/>
-              <a:t>Đặt</a:t>
+              <a:t>Mục</a:t>
             </a:r>
             <a:r>
               <a:rPr lang="en-US" dirty="0"/>
@@ -6696,7 +10711,7 @@
             </a:r>
             <a:r>
               <a:rPr lang="en-US" dirty="0" err="1"/>
-              <a:t>vấn</a:t>
+              <a:t>tiêu</a:t>
             </a:r>
             <a:r>
               <a:rPr lang="en-US" dirty="0"/>
@@ -6708,13 +10723,285 @@
             </a:r>
             <a:r>
               <a:rPr lang="en-US" dirty="0"/>
-              <a:t> - Giai </a:t>
+              <a:t> </a:t>
             </a:r>
             <a:r>
               <a:rPr lang="en-US" dirty="0" err="1"/>
-              <a:t>pháp</a:t>
+              <a:t>tài</a:t>
             </a:r>
             <a:endParaRPr lang="en-US" dirty="0"/>
+          </a:p>
+        </p:txBody>
+      </p:sp>
+      <p:sp>
+        <p:nvSpPr>
+          <p:cNvPr id="8" name="Hộp Văn bản 7">
+            <a:extLst>
+              <a:ext uri="{FF2B5EF4-FFF2-40B4-BE49-F238E27FC236}">
+                <a16:creationId xmlns:a16="http://schemas.microsoft.com/office/drawing/2014/main" id="{644D16C6-EBFC-FB10-F777-97B16E154398}"/>
+              </a:ext>
+            </a:extLst>
+          </p:cNvPr>
+          <p:cNvSpPr txBox="1"/>
+          <p:nvPr/>
+        </p:nvSpPr>
+        <p:spPr>
+          <a:xfrm>
+            <a:off x="235077" y="836878"/>
+            <a:ext cx="6380923" cy="707886"/>
+          </a:xfrm>
+          <a:prstGeom prst="rect">
+            <a:avLst/>
+          </a:prstGeom>
+        </p:spPr>
+        <p:style>
+          <a:lnRef idx="2">
+            <a:schemeClr val="accent6"/>
+          </a:lnRef>
+          <a:fillRef idx="1">
+            <a:schemeClr val="lt1"/>
+          </a:fillRef>
+          <a:effectRef idx="0">
+            <a:schemeClr val="accent6"/>
+          </a:effectRef>
+          <a:fontRef idx="minor">
+            <a:schemeClr val="dk1"/>
+          </a:fontRef>
+        </p:style>
+        <p:txBody>
+          <a:bodyPr wrap="square">
+            <a:spAutoFit/>
+          </a:bodyPr>
+          <a:lstStyle/>
+          <a:p>
+            <a:r>
+              <a:rPr lang="vi-VN" sz="2000" dirty="0"/>
+              <a:t>Phát triển một hệ thống tìm kiếm và cho thuê nhà ,căn hộ hiệu quả và thuận tiện.</a:t>
+            </a:r>
+          </a:p>
+        </p:txBody>
+      </p:sp>
+      <p:sp>
+        <p:nvSpPr>
+          <p:cNvPr id="11" name="Hộp Văn bản 10">
+            <a:extLst>
+              <a:ext uri="{FF2B5EF4-FFF2-40B4-BE49-F238E27FC236}">
+                <a16:creationId xmlns:a16="http://schemas.microsoft.com/office/drawing/2014/main" id="{55F3DFF3-AEF3-4355-2997-C1905D387654}"/>
+              </a:ext>
+            </a:extLst>
+          </p:cNvPr>
+          <p:cNvSpPr txBox="1"/>
+          <p:nvPr/>
+        </p:nvSpPr>
+        <p:spPr>
+          <a:xfrm>
+            <a:off x="235077" y="2194494"/>
+            <a:ext cx="6380923" cy="707886"/>
+          </a:xfrm>
+          <a:prstGeom prst="rect">
+            <a:avLst/>
+          </a:prstGeom>
+        </p:spPr>
+        <p:style>
+          <a:lnRef idx="2">
+            <a:schemeClr val="accent1"/>
+          </a:lnRef>
+          <a:fillRef idx="1">
+            <a:schemeClr val="lt1"/>
+          </a:fillRef>
+          <a:effectRef idx="0">
+            <a:schemeClr val="accent1"/>
+          </a:effectRef>
+          <a:fontRef idx="minor">
+            <a:schemeClr val="dk1"/>
+          </a:fontRef>
+        </p:style>
+        <p:txBody>
+          <a:bodyPr wrap="square" rtlCol="0">
+            <a:spAutoFit/>
+          </a:bodyPr>
+          <a:lstStyle/>
+          <a:p>
+            <a:r>
+              <a:rPr lang="vi-VN" sz="2000" dirty="0"/>
+              <a:t>Kết  nối người thuê và người cho thuê một cách hiệu quả </a:t>
+            </a:r>
+          </a:p>
+        </p:txBody>
+      </p:sp>
+      <p:pic>
+        <p:nvPicPr>
+          <p:cNvPr id="5" name="Hình ảnh 4">
+            <a:extLst>
+              <a:ext uri="{FF2B5EF4-FFF2-40B4-BE49-F238E27FC236}">
+                <a16:creationId xmlns:a16="http://schemas.microsoft.com/office/drawing/2014/main" id="{22503A07-5F61-34BF-D8F5-B25189823A83}"/>
+              </a:ext>
+            </a:extLst>
+          </p:cNvPr>
+          <p:cNvPicPr>
+            <a:picLocks noChangeAspect="1"/>
+          </p:cNvPicPr>
+          <p:nvPr/>
+        </p:nvPicPr>
+        <p:blipFill>
+          <a:blip r:embed="rId2"/>
+          <a:stretch>
+            <a:fillRect/>
+          </a:stretch>
+        </p:blipFill>
+        <p:spPr>
+          <a:xfrm>
+            <a:off x="424070" y="3429000"/>
+            <a:ext cx="3723861" cy="2176623"/>
+          </a:xfrm>
+          <a:prstGeom prst="rect">
+            <a:avLst/>
+          </a:prstGeom>
+        </p:spPr>
+      </p:pic>
+      <p:pic>
+        <p:nvPicPr>
+          <p:cNvPr id="7" name="Hình ảnh 6">
+            <a:extLst>
+              <a:ext uri="{FF2B5EF4-FFF2-40B4-BE49-F238E27FC236}">
+                <a16:creationId xmlns:a16="http://schemas.microsoft.com/office/drawing/2014/main" id="{19E5AECE-2AE5-CF05-5031-B1D498C8CC46}"/>
+              </a:ext>
+            </a:extLst>
+          </p:cNvPr>
+          <p:cNvPicPr>
+            <a:picLocks noChangeAspect="1"/>
+          </p:cNvPicPr>
+          <p:nvPr/>
+        </p:nvPicPr>
+        <p:blipFill>
+          <a:blip r:embed="rId3"/>
+          <a:stretch>
+            <a:fillRect/>
+          </a:stretch>
+        </p:blipFill>
+        <p:spPr>
+          <a:xfrm>
+            <a:off x="4535000" y="3429000"/>
+            <a:ext cx="4465983" cy="2662893"/>
+          </a:xfrm>
+          <a:prstGeom prst="rect">
+            <a:avLst/>
+          </a:prstGeom>
+        </p:spPr>
+      </p:pic>
+    </p:spTree>
+    <p:extLst>
+      <p:ext uri="{BB962C8B-B14F-4D97-AF65-F5344CB8AC3E}">
+        <p14:creationId xmlns:p14="http://schemas.microsoft.com/office/powerpoint/2010/main" val="292364014"/>
+      </p:ext>
+    </p:extLst>
+  </p:cSld>
+  <p:clrMapOvr>
+    <a:masterClrMapping/>
+  </p:clrMapOvr>
+</p:sld>
+</file>
+
+<file path=ppt/slides/slide7.xml><?xml version="1.0" encoding="utf-8"?>
+<p:sld xmlns:a="http://schemas.openxmlformats.org/drawingml/2006/main" xmlns:r="http://schemas.openxmlformats.org/officeDocument/2006/relationships" xmlns:p="http://schemas.openxmlformats.org/presentationml/2006/main">
+  <p:cSld>
+    <p:spTree>
+      <p:nvGrpSpPr>
+        <p:cNvPr id="1" name=""/>
+        <p:cNvGrpSpPr/>
+        <p:nvPr/>
+      </p:nvGrpSpPr>
+      <p:grpSpPr>
+        <a:xfrm>
+          <a:off x="0" y="0"/>
+          <a:ext cx="0" cy="0"/>
+          <a:chOff x="0" y="0"/>
+          <a:chExt cx="0" cy="0"/>
+        </a:xfrm>
+      </p:grpSpPr>
+      <p:sp>
+        <p:nvSpPr>
+          <p:cNvPr id="2" name="Slide Number Placeholder 1">
+            <a:extLst>
+              <a:ext uri="{FF2B5EF4-FFF2-40B4-BE49-F238E27FC236}">
+                <a16:creationId xmlns:a16="http://schemas.microsoft.com/office/drawing/2014/main" id="{9E9CAB07-B0CD-4712-9734-2D3CBC72598C}"/>
+              </a:ext>
+            </a:extLst>
+          </p:cNvPr>
+          <p:cNvSpPr>
+            <a:spLocks noGrp="1"/>
+          </p:cNvSpPr>
+          <p:nvPr>
+            <p:ph type="sldNum" sz="quarter" idx="12"/>
+          </p:nvPr>
+        </p:nvSpPr>
+        <p:spPr/>
+        <p:txBody>
+          <a:bodyPr/>
+          <a:lstStyle/>
+          <a:p>
+            <a:fld id="{9EA0BE3B-158A-4EDF-80DC-E394A0D1600F}" type="slidenum">
+              <a:rPr lang="en-US" smtClean="0"/>
+              <a:pPr/>
+              <a:t>7</a:t>
+            </a:fld>
+            <a:endParaRPr lang="en-US" dirty="0"/>
+          </a:p>
+        </p:txBody>
+      </p:sp>
+      <p:sp>
+        <p:nvSpPr>
+          <p:cNvPr id="3" name="Title 2">
+            <a:extLst>
+              <a:ext uri="{FF2B5EF4-FFF2-40B4-BE49-F238E27FC236}">
+                <a16:creationId xmlns:a16="http://schemas.microsoft.com/office/drawing/2014/main" id="{F39C6F49-1887-4BE4-A583-FB79B8A22935}"/>
+              </a:ext>
+            </a:extLst>
+          </p:cNvPr>
+          <p:cNvSpPr>
+            <a:spLocks noGrp="1"/>
+          </p:cNvSpPr>
+          <p:nvPr>
+            <p:ph type="title"/>
+          </p:nvPr>
+        </p:nvSpPr>
+        <p:spPr/>
+        <p:txBody>
+          <a:bodyPr/>
+          <a:lstStyle/>
+          <a:p>
+            <a:r>
+              <a:rPr lang="en-US" dirty="0" err="1"/>
+              <a:t>Mục</a:t>
+            </a:r>
+            <a:r>
+              <a:rPr lang="en-US" dirty="0"/>
+              <a:t> </a:t>
+            </a:r>
+            <a:r>
+              <a:rPr lang="en-US" dirty="0" err="1"/>
+              <a:t>tiêu</a:t>
+            </a:r>
+            <a:r>
+              <a:rPr lang="en-US" dirty="0"/>
+              <a:t> </a:t>
+            </a:r>
+            <a:r>
+              <a:rPr lang="en-US" dirty="0" err="1"/>
+              <a:t>đề</a:t>
+            </a:r>
+            <a:r>
+              <a:rPr lang="en-US" dirty="0"/>
+              <a:t> </a:t>
+            </a:r>
+            <a:r>
+              <a:rPr lang="en-US" dirty="0" err="1"/>
+              <a:t>tài</a:t>
+            </a:r>
+            <a:r>
+              <a:rPr lang="en-US" dirty="0"/>
+              <a:t>  </a:t>
+            </a:r>
           </a:p>
         </p:txBody>
       </p:sp>
@@ -6732,8 +11019,8 @@
         </p:nvSpPr>
         <p:spPr>
           <a:xfrm>
-            <a:off x="503583" y="1179444"/>
-            <a:ext cx="4678017" cy="707886"/>
+            <a:off x="397566" y="971711"/>
+            <a:ext cx="8044069" cy="400110"/>
           </a:xfrm>
           <a:prstGeom prst="rect">
             <a:avLst/>
@@ -6869,7 +11156,7 @@
         </p:nvSpPr>
         <p:spPr>
           <a:xfrm>
-            <a:off x="2107094" y="2881674"/>
+            <a:off x="3408844" y="1752232"/>
             <a:ext cx="2637183" cy="369332"/>
           </a:xfrm>
           <a:prstGeom prst="rect">
@@ -6930,7 +11217,7 @@
         </p:nvSpPr>
         <p:spPr>
           <a:xfrm>
-            <a:off x="1285460" y="2167090"/>
+            <a:off x="397566" y="1752232"/>
             <a:ext cx="2637183" cy="369332"/>
           </a:xfrm>
           <a:prstGeom prst="rect">
@@ -6987,8 +11274,8 @@
         </p:nvSpPr>
         <p:spPr>
           <a:xfrm>
-            <a:off x="2842591" y="3692365"/>
-            <a:ext cx="2339009" cy="369332"/>
+            <a:off x="6287600" y="1752232"/>
+            <a:ext cx="2637183" cy="369332"/>
           </a:xfrm>
           <a:prstGeom prst="rect">
             <a:avLst/>
@@ -7031,6 +11318,532 @@
               <a:t> </a:t>
             </a:r>
             <a:endParaRPr lang="vi-VN" dirty="0"/>
+          </a:p>
+        </p:txBody>
+      </p:sp>
+      <p:sp>
+        <p:nvSpPr>
+          <p:cNvPr id="10" name="Hộp Văn bản 9">
+            <a:extLst>
+              <a:ext uri="{FF2B5EF4-FFF2-40B4-BE49-F238E27FC236}">
+                <a16:creationId xmlns:a16="http://schemas.microsoft.com/office/drawing/2014/main" id="{886430E5-385F-61DB-4B1F-86682D4151AC}"/>
+              </a:ext>
+            </a:extLst>
+          </p:cNvPr>
+          <p:cNvSpPr txBox="1"/>
+          <p:nvPr/>
+        </p:nvSpPr>
+        <p:spPr>
+          <a:xfrm>
+            <a:off x="397566" y="2879017"/>
+            <a:ext cx="3604591" cy="461665"/>
+          </a:xfrm>
+          <a:prstGeom prst="rect">
+            <a:avLst/>
+          </a:prstGeom>
+        </p:spPr>
+        <p:style>
+          <a:lnRef idx="2">
+            <a:schemeClr val="accent5">
+              <a:shade val="15000"/>
+            </a:schemeClr>
+          </a:lnRef>
+          <a:fillRef idx="1">
+            <a:schemeClr val="accent5"/>
+          </a:fillRef>
+          <a:effectRef idx="0">
+            <a:schemeClr val="accent5"/>
+          </a:effectRef>
+          <a:fontRef idx="minor">
+            <a:schemeClr val="lt1"/>
+          </a:fontRef>
+        </p:style>
+        <p:txBody>
+          <a:bodyPr wrap="square" rtlCol="0">
+            <a:spAutoFit/>
+          </a:bodyPr>
+          <a:lstStyle/>
+          <a:p>
+            <a:r>
+              <a:rPr lang="en-US" sz="2400" dirty="0" err="1"/>
+              <a:t>Đối</a:t>
+            </a:r>
+            <a:r>
+              <a:rPr lang="en-US" sz="2400" dirty="0"/>
+              <a:t> </a:t>
+            </a:r>
+            <a:r>
+              <a:rPr lang="en-US" sz="2400" dirty="0" err="1"/>
+              <a:t>tượng</a:t>
+            </a:r>
+            <a:r>
+              <a:rPr lang="en-US" sz="2400" dirty="0"/>
+              <a:t> </a:t>
+            </a:r>
+            <a:r>
+              <a:rPr lang="en-US" sz="2400" dirty="0" err="1"/>
+              <a:t>hướng</a:t>
+            </a:r>
+            <a:r>
+              <a:rPr lang="en-US" sz="2400" dirty="0"/>
+              <a:t> </a:t>
+            </a:r>
+            <a:r>
+              <a:rPr lang="en-US" sz="2400" dirty="0" err="1"/>
+              <a:t>tới</a:t>
+            </a:r>
+            <a:r>
+              <a:rPr lang="en-US" sz="2400" dirty="0"/>
+              <a:t>  </a:t>
+            </a:r>
+            <a:endParaRPr lang="vi-VN" sz="2400" dirty="0"/>
+          </a:p>
+        </p:txBody>
+      </p:sp>
+      <p:sp>
+        <p:nvSpPr>
+          <p:cNvPr id="11" name="Hộp Văn bản 10">
+            <a:extLst>
+              <a:ext uri="{FF2B5EF4-FFF2-40B4-BE49-F238E27FC236}">
+                <a16:creationId xmlns:a16="http://schemas.microsoft.com/office/drawing/2014/main" id="{AEE86426-6E62-C6A5-2CBF-97F1021986BA}"/>
+              </a:ext>
+            </a:extLst>
+          </p:cNvPr>
+          <p:cNvSpPr txBox="1"/>
+          <p:nvPr/>
+        </p:nvSpPr>
+        <p:spPr>
+          <a:xfrm>
+            <a:off x="1166190" y="3563068"/>
+            <a:ext cx="7758593" cy="369332"/>
+          </a:xfrm>
+          <a:prstGeom prst="rect">
+            <a:avLst/>
+          </a:prstGeom>
+        </p:spPr>
+        <p:style>
+          <a:lnRef idx="2">
+            <a:schemeClr val="accent1"/>
+          </a:lnRef>
+          <a:fillRef idx="1">
+            <a:schemeClr val="lt1"/>
+          </a:fillRef>
+          <a:effectRef idx="0">
+            <a:schemeClr val="accent1"/>
+          </a:effectRef>
+          <a:fontRef idx="minor">
+            <a:schemeClr val="dk1"/>
+          </a:fontRef>
+        </p:style>
+        <p:txBody>
+          <a:bodyPr wrap="square" rtlCol="0">
+            <a:spAutoFit/>
+          </a:bodyPr>
+          <a:lstStyle/>
+          <a:p>
+            <a:r>
+              <a:rPr lang="en-US" dirty="0"/>
+              <a:t>1 . </a:t>
+            </a:r>
+            <a:r>
+              <a:rPr lang="en-US" dirty="0" err="1"/>
+              <a:t>Người</a:t>
+            </a:r>
+            <a:r>
+              <a:rPr lang="en-US" dirty="0"/>
+              <a:t> </a:t>
+            </a:r>
+            <a:r>
+              <a:rPr lang="en-US" dirty="0" err="1"/>
+              <a:t>có</a:t>
+            </a:r>
+            <a:r>
+              <a:rPr lang="en-US" dirty="0"/>
+              <a:t> </a:t>
+            </a:r>
+            <a:r>
+              <a:rPr lang="en-US" dirty="0" err="1"/>
+              <a:t>nhu</a:t>
+            </a:r>
+            <a:r>
+              <a:rPr lang="en-US" dirty="0"/>
+              <a:t> </a:t>
+            </a:r>
+            <a:r>
+              <a:rPr lang="en-US" dirty="0" err="1"/>
+              <a:t>cầu</a:t>
+            </a:r>
+            <a:r>
+              <a:rPr lang="en-US" dirty="0"/>
+              <a:t>  </a:t>
+            </a:r>
+            <a:r>
+              <a:rPr lang="en-US" dirty="0" err="1"/>
+              <a:t>tìm</a:t>
+            </a:r>
+            <a:r>
+              <a:rPr lang="en-US" dirty="0"/>
+              <a:t> </a:t>
+            </a:r>
+            <a:r>
+              <a:rPr lang="en-US" dirty="0" err="1"/>
+              <a:t>phòng</a:t>
+            </a:r>
+            <a:r>
+              <a:rPr lang="en-US" dirty="0"/>
+              <a:t> </a:t>
+            </a:r>
+            <a:r>
+              <a:rPr lang="en-US" dirty="0" err="1"/>
+              <a:t>trọ</a:t>
+            </a:r>
+            <a:r>
+              <a:rPr lang="en-US" dirty="0"/>
+              <a:t>, </a:t>
+            </a:r>
+            <a:r>
+              <a:rPr lang="en-US" dirty="0" err="1"/>
+              <a:t>nhà</a:t>
+            </a:r>
+            <a:r>
+              <a:rPr lang="en-US" dirty="0"/>
+              <a:t> </a:t>
+            </a:r>
+            <a:r>
+              <a:rPr lang="en-US" dirty="0" err="1"/>
+              <a:t>cho</a:t>
+            </a:r>
+            <a:r>
+              <a:rPr lang="en-US" dirty="0"/>
+              <a:t> </a:t>
+            </a:r>
+            <a:r>
+              <a:rPr lang="en-US" dirty="0" err="1"/>
+              <a:t>thuê</a:t>
+            </a:r>
+            <a:r>
+              <a:rPr lang="en-US" dirty="0"/>
+              <a:t>, </a:t>
+            </a:r>
+            <a:r>
+              <a:rPr lang="en-US" dirty="0" err="1"/>
+              <a:t>mặt</a:t>
+            </a:r>
+            <a:r>
+              <a:rPr lang="en-US" dirty="0"/>
+              <a:t> </a:t>
+            </a:r>
+            <a:r>
+              <a:rPr lang="en-US" dirty="0" err="1"/>
+              <a:t>bằng</a:t>
+            </a:r>
+            <a:r>
+              <a:rPr lang="en-US" dirty="0"/>
+              <a:t> ,</a:t>
+            </a:r>
+            <a:r>
+              <a:rPr lang="en-US" dirty="0" err="1"/>
+              <a:t>căn</a:t>
+            </a:r>
+            <a:r>
+              <a:rPr lang="en-US" dirty="0"/>
+              <a:t> </a:t>
+            </a:r>
+            <a:r>
+              <a:rPr lang="en-US" dirty="0" err="1"/>
+              <a:t>hộ</a:t>
+            </a:r>
+            <a:r>
+              <a:rPr lang="en-US" dirty="0"/>
+              <a:t> </a:t>
+            </a:r>
+            <a:endParaRPr lang="vi-VN" dirty="0"/>
+          </a:p>
+        </p:txBody>
+      </p:sp>
+      <p:sp>
+        <p:nvSpPr>
+          <p:cNvPr id="12" name="Hộp Văn bản 11">
+            <a:extLst>
+              <a:ext uri="{FF2B5EF4-FFF2-40B4-BE49-F238E27FC236}">
+                <a16:creationId xmlns:a16="http://schemas.microsoft.com/office/drawing/2014/main" id="{4F5B91BA-BAE0-E42E-4CBB-69F8F7ADFD3E}"/>
+              </a:ext>
+            </a:extLst>
+          </p:cNvPr>
+          <p:cNvSpPr txBox="1"/>
+          <p:nvPr/>
+        </p:nvSpPr>
+        <p:spPr>
+          <a:xfrm>
+            <a:off x="1166190" y="4291213"/>
+            <a:ext cx="7742733" cy="369332"/>
+          </a:xfrm>
+          <a:prstGeom prst="rect">
+            <a:avLst/>
+          </a:prstGeom>
+        </p:spPr>
+        <p:style>
+          <a:lnRef idx="2">
+            <a:schemeClr val="accent1"/>
+          </a:lnRef>
+          <a:fillRef idx="1">
+            <a:schemeClr val="lt1"/>
+          </a:fillRef>
+          <a:effectRef idx="0">
+            <a:schemeClr val="accent1"/>
+          </a:effectRef>
+          <a:fontRef idx="minor">
+            <a:schemeClr val="dk1"/>
+          </a:fontRef>
+        </p:style>
+        <p:txBody>
+          <a:bodyPr wrap="square" rtlCol="0">
+            <a:spAutoFit/>
+          </a:bodyPr>
+          <a:lstStyle/>
+          <a:p>
+            <a:r>
+              <a:rPr lang="en-US" dirty="0"/>
+              <a:t>2 . </a:t>
+            </a:r>
+            <a:r>
+              <a:rPr lang="en-US" dirty="0" err="1"/>
+              <a:t>Người</a:t>
+            </a:r>
+            <a:r>
+              <a:rPr lang="en-US" dirty="0"/>
+              <a:t> </a:t>
+            </a:r>
+            <a:r>
+              <a:rPr lang="en-US" dirty="0" err="1"/>
+              <a:t>có</a:t>
+            </a:r>
+            <a:r>
+              <a:rPr lang="en-US" dirty="0"/>
+              <a:t> </a:t>
+            </a:r>
+            <a:r>
+              <a:rPr lang="en-US" dirty="0" err="1"/>
+              <a:t>nhu</a:t>
+            </a:r>
+            <a:r>
+              <a:rPr lang="en-US" dirty="0"/>
+              <a:t> </a:t>
+            </a:r>
+            <a:r>
+              <a:rPr lang="en-US" dirty="0" err="1"/>
+              <a:t>cầu</a:t>
+            </a:r>
+            <a:r>
+              <a:rPr lang="en-US" dirty="0"/>
+              <a:t> </a:t>
+            </a:r>
+            <a:r>
+              <a:rPr lang="en-US" dirty="0" err="1"/>
+              <a:t>đăng</a:t>
+            </a:r>
+            <a:r>
+              <a:rPr lang="en-US" dirty="0"/>
+              <a:t> tin </a:t>
+            </a:r>
+            <a:r>
+              <a:rPr lang="en-US" dirty="0" err="1"/>
+              <a:t>cho</a:t>
+            </a:r>
+            <a:r>
+              <a:rPr lang="en-US" dirty="0"/>
+              <a:t> </a:t>
+            </a:r>
+            <a:r>
+              <a:rPr lang="en-US" dirty="0" err="1"/>
+              <a:t>thuê</a:t>
+            </a:r>
+            <a:r>
+              <a:rPr lang="en-US" dirty="0"/>
+              <a:t> : </a:t>
+            </a:r>
+            <a:r>
+              <a:rPr lang="en-US" dirty="0" err="1"/>
+              <a:t>phòng</a:t>
+            </a:r>
+            <a:r>
+              <a:rPr lang="en-US" dirty="0"/>
+              <a:t> </a:t>
+            </a:r>
+            <a:r>
+              <a:rPr lang="en-US" dirty="0" err="1"/>
+              <a:t>trọ</a:t>
+            </a:r>
+            <a:r>
+              <a:rPr lang="en-US" dirty="0"/>
+              <a:t> , </a:t>
+            </a:r>
+            <a:r>
+              <a:rPr lang="en-US" dirty="0" err="1"/>
+              <a:t>căn</a:t>
+            </a:r>
+            <a:r>
+              <a:rPr lang="en-US" dirty="0"/>
+              <a:t> </a:t>
+            </a:r>
+            <a:r>
+              <a:rPr lang="en-US" dirty="0" err="1"/>
+              <a:t>hộ</a:t>
+            </a:r>
+            <a:r>
+              <a:rPr lang="en-US" dirty="0"/>
+              <a:t> , </a:t>
+            </a:r>
+            <a:r>
+              <a:rPr lang="en-US" dirty="0" err="1"/>
+              <a:t>mặt</a:t>
+            </a:r>
+            <a:r>
+              <a:rPr lang="en-US" dirty="0"/>
+              <a:t> </a:t>
+            </a:r>
+            <a:r>
+              <a:rPr lang="en-US" dirty="0" err="1"/>
+              <a:t>bằng</a:t>
+            </a:r>
+            <a:r>
+              <a:rPr lang="en-US" dirty="0"/>
+              <a:t> </a:t>
+            </a:r>
+            <a:r>
+              <a:rPr lang="en-US" dirty="0" err="1"/>
+              <a:t>v.vv</a:t>
+            </a:r>
+            <a:endParaRPr lang="vi-VN" dirty="0"/>
+          </a:p>
+        </p:txBody>
+      </p:sp>
+      <p:sp>
+        <p:nvSpPr>
+          <p:cNvPr id="13" name="Hộp Văn bản 12">
+            <a:extLst>
+              <a:ext uri="{FF2B5EF4-FFF2-40B4-BE49-F238E27FC236}">
+                <a16:creationId xmlns:a16="http://schemas.microsoft.com/office/drawing/2014/main" id="{E4366442-8040-0591-4560-507FFBE0A876}"/>
+              </a:ext>
+            </a:extLst>
+          </p:cNvPr>
+          <p:cNvSpPr txBox="1"/>
+          <p:nvPr/>
+        </p:nvSpPr>
+        <p:spPr>
+          <a:xfrm>
+            <a:off x="397566" y="5094101"/>
+            <a:ext cx="8335617" cy="369332"/>
+          </a:xfrm>
+          <a:prstGeom prst="rect">
+            <a:avLst/>
+          </a:prstGeom>
+        </p:spPr>
+        <p:style>
+          <a:lnRef idx="2">
+            <a:schemeClr val="accent5"/>
+          </a:lnRef>
+          <a:fillRef idx="1">
+            <a:schemeClr val="lt1"/>
+          </a:fillRef>
+          <a:effectRef idx="0">
+            <a:schemeClr val="accent5"/>
+          </a:effectRef>
+          <a:fontRef idx="minor">
+            <a:schemeClr val="dk1"/>
+          </a:fontRef>
+        </p:style>
+        <p:txBody>
+          <a:bodyPr wrap="square" rtlCol="0">
+            <a:spAutoFit/>
+          </a:bodyPr>
+          <a:lstStyle/>
+          <a:p>
+            <a:r>
+              <a:rPr lang="en-US" i="1" dirty="0"/>
+              <a:t>=&gt; </a:t>
+            </a:r>
+            <a:r>
+              <a:rPr lang="en-US" i="1" dirty="0" err="1"/>
+              <a:t>Kết</a:t>
+            </a:r>
+            <a:r>
+              <a:rPr lang="en-US" i="1" dirty="0"/>
+              <a:t> </a:t>
+            </a:r>
+            <a:r>
+              <a:rPr lang="en-US" i="1" dirty="0" err="1"/>
+              <a:t>nối</a:t>
+            </a:r>
+            <a:r>
+              <a:rPr lang="en-US" i="1" dirty="0"/>
+              <a:t> 2 </a:t>
+            </a:r>
+            <a:r>
+              <a:rPr lang="en-US" i="1" dirty="0" err="1"/>
+              <a:t>nhóm</a:t>
+            </a:r>
+            <a:r>
+              <a:rPr lang="en-US" i="1" dirty="0"/>
+              <a:t> </a:t>
+            </a:r>
+            <a:r>
+              <a:rPr lang="en-US" i="1" dirty="0" err="1"/>
+              <a:t>người</a:t>
+            </a:r>
+            <a:r>
+              <a:rPr lang="en-US" i="1" dirty="0"/>
+              <a:t> </a:t>
+            </a:r>
+            <a:r>
+              <a:rPr lang="en-US" i="1" dirty="0" err="1"/>
+              <a:t>sử</a:t>
+            </a:r>
+            <a:r>
+              <a:rPr lang="en-US" i="1" dirty="0"/>
+              <a:t> </a:t>
+            </a:r>
+            <a:r>
+              <a:rPr lang="en-US" i="1" dirty="0" err="1"/>
+              <a:t>dụng</a:t>
+            </a:r>
+            <a:r>
+              <a:rPr lang="en-US" i="1" dirty="0"/>
+              <a:t> </a:t>
+            </a:r>
+            <a:r>
+              <a:rPr lang="en-US" i="1" dirty="0" err="1"/>
+              <a:t>trên</a:t>
+            </a:r>
+            <a:r>
+              <a:rPr lang="en-US" i="1" dirty="0"/>
+              <a:t> </a:t>
+            </a:r>
+            <a:r>
+              <a:rPr lang="en-US" i="1" dirty="0" err="1"/>
+              <a:t>trong</a:t>
+            </a:r>
+            <a:r>
+              <a:rPr lang="en-US" i="1" dirty="0"/>
+              <a:t> 1 </a:t>
+            </a:r>
+            <a:r>
+              <a:rPr lang="en-US" i="1" dirty="0" err="1"/>
+              <a:t>hệ</a:t>
+            </a:r>
+            <a:r>
+              <a:rPr lang="en-US" i="1" dirty="0"/>
+              <a:t> </a:t>
+            </a:r>
+            <a:r>
+              <a:rPr lang="en-US" i="1" dirty="0" err="1"/>
+              <a:t>thống</a:t>
+            </a:r>
+            <a:r>
+              <a:rPr lang="en-US" i="1" dirty="0"/>
+              <a:t>  </a:t>
+            </a:r>
+            <a:endParaRPr lang="vi-VN" i="1" dirty="0"/>
           </a:p>
         </p:txBody>
       </p:sp>
@@ -7409,7 +12222,7 @@
 </p:sld>
 </file>
 
-<file path=ppt/slides/slide7.xml><?xml version="1.0" encoding="utf-8"?>
+<file path=ppt/slides/slide8.xml><?xml version="1.0" encoding="utf-8"?>
 <p:sld xmlns:a="http://schemas.openxmlformats.org/drawingml/2006/main" xmlns:r="http://schemas.openxmlformats.org/officeDocument/2006/relationships" xmlns:p="http://schemas.openxmlformats.org/presentationml/2006/main">
   <p:cSld>
     <p:spTree>
@@ -7450,7 +12263,7 @@
             <a:fld id="{9EA0BE3B-158A-4EDF-80DC-E394A0D1600F}" type="slidenum">
               <a:rPr lang="en-US" smtClean="0"/>
               <a:pPr/>
-              <a:t>7</a:t>
+              <a:t>8</a:t>
             </a:fld>
             <a:endParaRPr lang="en-US" dirty="0"/>
           </a:p>
@@ -7495,7 +12308,7 @@
             </a:r>
             <a:r>
               <a:rPr lang="en-US" dirty="0" err="1"/>
-              <a:t>cụ</a:t>
+              <a:t>đề</a:t>
             </a:r>
             <a:r>
               <a:rPr lang="en-US" dirty="0"/>
@@ -7503,9 +12316,12 @@
             </a:r>
             <a:r>
               <a:rPr lang="en-US" dirty="0" err="1"/>
-              <a:t>thể</a:t>
-            </a:r>
-            <a:endParaRPr lang="en-US" dirty="0"/>
+              <a:t>tài</a:t>
+            </a:r>
+            <a:r>
+              <a:rPr lang="en-US" dirty="0"/>
+              <a:t> </a:t>
+            </a:r>
           </a:p>
         </p:txBody>
       </p:sp>
@@ -7523,8 +12339,8 @@
         </p:nvSpPr>
         <p:spPr>
           <a:xfrm>
-            <a:off x="503583" y="1166191"/>
-            <a:ext cx="2080591" cy="369332"/>
+            <a:off x="384313" y="1173813"/>
+            <a:ext cx="3061252" cy="369332"/>
           </a:xfrm>
           <a:prstGeom prst="rect">
             <a:avLst/>
@@ -7608,8 +12424,8 @@
         </p:nvSpPr>
         <p:spPr>
           <a:xfrm>
-            <a:off x="503583" y="4574523"/>
-            <a:ext cx="2080591" cy="369332"/>
+            <a:off x="503583" y="4759189"/>
+            <a:ext cx="2941982" cy="369332"/>
           </a:xfrm>
           <a:prstGeom prst="rect">
             <a:avLst/>
@@ -7685,8 +12501,8 @@
         </p:nvSpPr>
         <p:spPr>
           <a:xfrm>
-            <a:off x="3708396" y="889192"/>
-            <a:ext cx="4731026" cy="923330"/>
+            <a:off x="3708395" y="889192"/>
+            <a:ext cx="5200527" cy="923330"/>
           </a:xfrm>
           <a:prstGeom prst="rect">
             <a:avLst/>
@@ -7740,7 +12556,7 @@
         </p:nvSpPr>
         <p:spPr>
           <a:xfrm>
-            <a:off x="3708396" y="4574523"/>
+            <a:off x="3708394" y="4759189"/>
             <a:ext cx="4731026" cy="369332"/>
           </a:xfrm>
           <a:prstGeom prst="rect">
@@ -7790,6 +12606,158 @@
           </a:p>
         </p:txBody>
       </p:sp>
+      <p:sp>
+        <p:nvSpPr>
+          <p:cNvPr id="4" name="Hộp Văn bản 3">
+            <a:extLst>
+              <a:ext uri="{FF2B5EF4-FFF2-40B4-BE49-F238E27FC236}">
+                <a16:creationId xmlns:a16="http://schemas.microsoft.com/office/drawing/2014/main" id="{68095FC3-3DF2-A878-0C41-88D1504AF683}"/>
+              </a:ext>
+            </a:extLst>
+          </p:cNvPr>
+          <p:cNvSpPr txBox="1"/>
+          <p:nvPr/>
+        </p:nvSpPr>
+        <p:spPr>
+          <a:xfrm>
+            <a:off x="384313" y="2925271"/>
+            <a:ext cx="3061252" cy="646331"/>
+          </a:xfrm>
+          <a:prstGeom prst="rect">
+            <a:avLst/>
+          </a:prstGeom>
+        </p:spPr>
+        <p:style>
+          <a:lnRef idx="1">
+            <a:schemeClr val="accent4"/>
+          </a:lnRef>
+          <a:fillRef idx="2">
+            <a:schemeClr val="accent4"/>
+          </a:fillRef>
+          <a:effectRef idx="1">
+            <a:schemeClr val="accent4"/>
+          </a:effectRef>
+          <a:fontRef idx="minor">
+            <a:schemeClr val="dk1"/>
+          </a:fontRef>
+        </p:style>
+        <p:txBody>
+          <a:bodyPr wrap="square" rtlCol="0">
+            <a:spAutoFit/>
+          </a:bodyPr>
+          <a:lstStyle/>
+          <a:p>
+            <a:r>
+              <a:rPr lang="en-US" dirty="0" err="1"/>
+              <a:t>Công</a:t>
+            </a:r>
+            <a:r>
+              <a:rPr lang="en-US" dirty="0"/>
+              <a:t> </a:t>
+            </a:r>
+            <a:r>
+              <a:rPr lang="en-US" dirty="0" err="1"/>
+              <a:t>cụ</a:t>
+            </a:r>
+            <a:r>
+              <a:rPr lang="en-US" dirty="0"/>
+              <a:t> </a:t>
+            </a:r>
+            <a:r>
+              <a:rPr lang="en-US" dirty="0" err="1"/>
+              <a:t>đăng</a:t>
+            </a:r>
+            <a:r>
+              <a:rPr lang="en-US" dirty="0"/>
+              <a:t> tin </a:t>
+            </a:r>
+            <a:r>
+              <a:rPr lang="en-US" dirty="0" err="1"/>
+              <a:t>cho</a:t>
+            </a:r>
+            <a:r>
+              <a:rPr lang="en-US" dirty="0"/>
+              <a:t> </a:t>
+            </a:r>
+            <a:r>
+              <a:rPr lang="en-US" dirty="0" err="1"/>
+              <a:t>thuê</a:t>
+            </a:r>
+            <a:r>
+              <a:rPr lang="en-US" dirty="0"/>
+              <a:t>  </a:t>
+            </a:r>
+            <a:r>
+              <a:rPr lang="en-US" dirty="0" err="1"/>
+              <a:t>nhanh</a:t>
+            </a:r>
+            <a:r>
+              <a:rPr lang="en-US" dirty="0"/>
+              <a:t> </a:t>
+            </a:r>
+            <a:r>
+              <a:rPr lang="en-US" dirty="0" err="1"/>
+              <a:t>chóng</a:t>
+            </a:r>
+            <a:endParaRPr lang="vi-VN" dirty="0"/>
+          </a:p>
+        </p:txBody>
+      </p:sp>
+      <p:sp>
+        <p:nvSpPr>
+          <p:cNvPr id="7" name="Hộp Văn bản 6">
+            <a:extLst>
+              <a:ext uri="{FF2B5EF4-FFF2-40B4-BE49-F238E27FC236}">
+                <a16:creationId xmlns:a16="http://schemas.microsoft.com/office/drawing/2014/main" id="{8F7A2B60-15CD-D8C6-AA0A-89051C72D65A}"/>
+              </a:ext>
+            </a:extLst>
+          </p:cNvPr>
+          <p:cNvSpPr txBox="1"/>
+          <p:nvPr/>
+        </p:nvSpPr>
+        <p:spPr>
+          <a:xfrm>
+            <a:off x="3724256" y="2925271"/>
+            <a:ext cx="5200527" cy="646331"/>
+          </a:xfrm>
+          <a:prstGeom prst="rect">
+            <a:avLst/>
+          </a:prstGeom>
+        </p:spPr>
+        <p:style>
+          <a:lnRef idx="1">
+            <a:schemeClr val="accent6"/>
+          </a:lnRef>
+          <a:fillRef idx="2">
+            <a:schemeClr val="accent6"/>
+          </a:fillRef>
+          <a:effectRef idx="1">
+            <a:schemeClr val="accent6"/>
+          </a:effectRef>
+          <a:fontRef idx="minor">
+            <a:schemeClr val="dk1"/>
+          </a:fontRef>
+        </p:style>
+        <p:txBody>
+          <a:bodyPr wrap="square" rtlCol="0">
+            <a:spAutoFit/>
+          </a:bodyPr>
+          <a:lstStyle/>
+          <a:p>
+            <a:r>
+              <a:rPr lang="vi-VN" b="0" i="0" dirty="0">
+                <a:solidFill>
+                  <a:srgbClr val="374151"/>
+                </a:solidFill>
+                <a:effectLst/>
+                <a:latin typeface="Söhne"/>
+              </a:rPr>
+              <a:t>Cung cấp công cụ đăng tin và hiển thị tin cho thuê tới người thuê một cách chính xác và hiệu quả </a:t>
+            </a:r>
+            <a:endParaRPr lang="vi-VN" dirty="0"/>
+          </a:p>
+        </p:txBody>
+      </p:sp>
     </p:spTree>
     <p:extLst>
       <p:ext uri="{BB962C8B-B14F-4D97-AF65-F5344CB8AC3E}">
@@ -7800,10 +12768,318 @@
   <p:clrMapOvr>
     <a:masterClrMapping/>
   </p:clrMapOvr>
+  <p:timing>
+    <p:tnLst>
+      <p:par>
+        <p:cTn id="1" dur="indefinite" restart="never" nodeType="tmRoot">
+          <p:childTnLst>
+            <p:seq concurrent="1" nextAc="seek">
+              <p:cTn id="2" dur="indefinite" nodeType="mainSeq">
+                <p:childTnLst>
+                  <p:par>
+                    <p:cTn id="3" fill="hold">
+                      <p:stCondLst>
+                        <p:cond delay="indefinite"/>
+                      </p:stCondLst>
+                      <p:childTnLst>
+                        <p:par>
+                          <p:cTn id="4" fill="hold">
+                            <p:stCondLst>
+                              <p:cond delay="0"/>
+                            </p:stCondLst>
+                            <p:childTnLst>
+                              <p:par>
+                                <p:cTn id="5" presetID="1" presetClass="entr" presetSubtype="0" fill="hold" grpId="0" nodeType="clickEffect">
+                                  <p:stCondLst>
+                                    <p:cond delay="0"/>
+                                  </p:stCondLst>
+                                  <p:childTnLst>
+                                    <p:set>
+                                      <p:cBhvr>
+                                        <p:cTn id="6" dur="1" fill="hold">
+                                          <p:stCondLst>
+                                            <p:cond delay="0"/>
+                                          </p:stCondLst>
+                                        </p:cTn>
+                                        <p:tgtEl>
+                                          <p:spTgt spid="5"/>
+                                        </p:tgtEl>
+                                        <p:attrNameLst>
+                                          <p:attrName>style.visibility</p:attrName>
+                                        </p:attrNameLst>
+                                      </p:cBhvr>
+                                      <p:to>
+                                        <p:strVal val="visible"/>
+                                      </p:to>
+                                    </p:set>
+                                  </p:childTnLst>
+                                </p:cTn>
+                              </p:par>
+                            </p:childTnLst>
+                          </p:cTn>
+                        </p:par>
+                      </p:childTnLst>
+                    </p:cTn>
+                  </p:par>
+                  <p:par>
+                    <p:cTn id="7" fill="hold">
+                      <p:stCondLst>
+                        <p:cond delay="indefinite"/>
+                      </p:stCondLst>
+                      <p:childTnLst>
+                        <p:par>
+                          <p:cTn id="8" fill="hold">
+                            <p:stCondLst>
+                              <p:cond delay="0"/>
+                            </p:stCondLst>
+                            <p:childTnLst>
+                              <p:par>
+                                <p:cTn id="9" presetID="1" presetClass="entr" presetSubtype="0" fill="hold" grpId="0" nodeType="clickEffect">
+                                  <p:stCondLst>
+                                    <p:cond delay="0"/>
+                                  </p:stCondLst>
+                                  <p:childTnLst>
+                                    <p:set>
+                                      <p:cBhvr>
+                                        <p:cTn id="10" dur="1" fill="hold">
+                                          <p:stCondLst>
+                                            <p:cond delay="0"/>
+                                          </p:stCondLst>
+                                        </p:cTn>
+                                        <p:tgtEl>
+                                          <p:spTgt spid="8"/>
+                                        </p:tgtEl>
+                                        <p:attrNameLst>
+                                          <p:attrName>style.visibility</p:attrName>
+                                        </p:attrNameLst>
+                                      </p:cBhvr>
+                                      <p:to>
+                                        <p:strVal val="visible"/>
+                                      </p:to>
+                                    </p:set>
+                                  </p:childTnLst>
+                                </p:cTn>
+                              </p:par>
+                            </p:childTnLst>
+                          </p:cTn>
+                        </p:par>
+                      </p:childTnLst>
+                    </p:cTn>
+                  </p:par>
+                  <p:par>
+                    <p:cTn id="11" fill="hold">
+                      <p:stCondLst>
+                        <p:cond delay="indefinite"/>
+                      </p:stCondLst>
+                      <p:childTnLst>
+                        <p:par>
+                          <p:cTn id="12" fill="hold">
+                            <p:stCondLst>
+                              <p:cond delay="0"/>
+                            </p:stCondLst>
+                            <p:childTnLst>
+                              <p:par>
+                                <p:cTn id="13" presetID="1" presetClass="entr" presetSubtype="0" fill="hold" grpId="0" nodeType="clickEffect">
+                                  <p:stCondLst>
+                                    <p:cond delay="0"/>
+                                  </p:stCondLst>
+                                  <p:childTnLst>
+                                    <p:set>
+                                      <p:cBhvr>
+                                        <p:cTn id="14" dur="1" fill="hold">
+                                          <p:stCondLst>
+                                            <p:cond delay="0"/>
+                                          </p:stCondLst>
+                                        </p:cTn>
+                                        <p:tgtEl>
+                                          <p:spTgt spid="4"/>
+                                        </p:tgtEl>
+                                        <p:attrNameLst>
+                                          <p:attrName>style.visibility</p:attrName>
+                                        </p:attrNameLst>
+                                      </p:cBhvr>
+                                      <p:to>
+                                        <p:strVal val="visible"/>
+                                      </p:to>
+                                    </p:set>
+                                  </p:childTnLst>
+                                </p:cTn>
+                              </p:par>
+                            </p:childTnLst>
+                          </p:cTn>
+                        </p:par>
+                      </p:childTnLst>
+                    </p:cTn>
+                  </p:par>
+                  <p:par>
+                    <p:cTn id="15" fill="hold">
+                      <p:stCondLst>
+                        <p:cond delay="indefinite"/>
+                      </p:stCondLst>
+                      <p:childTnLst>
+                        <p:par>
+                          <p:cTn id="16" fill="hold">
+                            <p:stCondLst>
+                              <p:cond delay="0"/>
+                            </p:stCondLst>
+                            <p:childTnLst>
+                              <p:par>
+                                <p:cTn id="17" presetID="1" presetClass="entr" presetSubtype="0" fill="hold" grpId="0" nodeType="clickEffect">
+                                  <p:stCondLst>
+                                    <p:cond delay="0"/>
+                                  </p:stCondLst>
+                                  <p:childTnLst>
+                                    <p:set>
+                                      <p:cBhvr>
+                                        <p:cTn id="18" dur="1" fill="hold">
+                                          <p:stCondLst>
+                                            <p:cond delay="0"/>
+                                          </p:stCondLst>
+                                        </p:cTn>
+                                        <p:tgtEl>
+                                          <p:spTgt spid="7"/>
+                                        </p:tgtEl>
+                                        <p:attrNameLst>
+                                          <p:attrName>style.visibility</p:attrName>
+                                        </p:attrNameLst>
+                                      </p:cBhvr>
+                                      <p:to>
+                                        <p:strVal val="visible"/>
+                                      </p:to>
+                                    </p:set>
+                                  </p:childTnLst>
+                                </p:cTn>
+                              </p:par>
+                            </p:childTnLst>
+                          </p:cTn>
+                        </p:par>
+                      </p:childTnLst>
+                    </p:cTn>
+                  </p:par>
+                  <p:par>
+                    <p:cTn id="19" fill="hold">
+                      <p:stCondLst>
+                        <p:cond delay="indefinite"/>
+                      </p:stCondLst>
+                      <p:childTnLst>
+                        <p:par>
+                          <p:cTn id="20" fill="hold">
+                            <p:stCondLst>
+                              <p:cond delay="0"/>
+                            </p:stCondLst>
+                            <p:childTnLst>
+                              <p:par>
+                                <p:cTn id="21" presetID="1" presetClass="entr" presetSubtype="0" fill="hold" grpId="0" nodeType="clickEffect">
+                                  <p:stCondLst>
+                                    <p:cond delay="0"/>
+                                  </p:stCondLst>
+                                  <p:childTnLst>
+                                    <p:set>
+                                      <p:cBhvr>
+                                        <p:cTn id="22" dur="1" fill="hold">
+                                          <p:stCondLst>
+                                            <p:cond delay="0"/>
+                                          </p:stCondLst>
+                                        </p:cTn>
+                                        <p:tgtEl>
+                                          <p:spTgt spid="6"/>
+                                        </p:tgtEl>
+                                        <p:attrNameLst>
+                                          <p:attrName>style.visibility</p:attrName>
+                                        </p:attrNameLst>
+                                      </p:cBhvr>
+                                      <p:to>
+                                        <p:strVal val="visible"/>
+                                      </p:to>
+                                    </p:set>
+                                  </p:childTnLst>
+                                </p:cTn>
+                              </p:par>
+                            </p:childTnLst>
+                          </p:cTn>
+                        </p:par>
+                      </p:childTnLst>
+                    </p:cTn>
+                  </p:par>
+                  <p:par>
+                    <p:cTn id="23" fill="hold">
+                      <p:stCondLst>
+                        <p:cond delay="indefinite"/>
+                      </p:stCondLst>
+                      <p:childTnLst>
+                        <p:par>
+                          <p:cTn id="24" fill="hold">
+                            <p:stCondLst>
+                              <p:cond delay="0"/>
+                            </p:stCondLst>
+                            <p:childTnLst>
+                              <p:par>
+                                <p:cTn id="25" presetID="1" presetClass="entr" presetSubtype="0" fill="hold" grpId="0" nodeType="clickEffect">
+                                  <p:stCondLst>
+                                    <p:cond delay="0"/>
+                                  </p:stCondLst>
+                                  <p:childTnLst>
+                                    <p:set>
+                                      <p:cBhvr>
+                                        <p:cTn id="26" dur="1" fill="hold">
+                                          <p:stCondLst>
+                                            <p:cond delay="0"/>
+                                          </p:stCondLst>
+                                        </p:cTn>
+                                        <p:tgtEl>
+                                          <p:spTgt spid="9"/>
+                                        </p:tgtEl>
+                                        <p:attrNameLst>
+                                          <p:attrName>style.visibility</p:attrName>
+                                        </p:attrNameLst>
+                                      </p:cBhvr>
+                                      <p:to>
+                                        <p:strVal val="visible"/>
+                                      </p:to>
+                                    </p:set>
+                                  </p:childTnLst>
+                                </p:cTn>
+                              </p:par>
+                            </p:childTnLst>
+                          </p:cTn>
+                        </p:par>
+                      </p:childTnLst>
+                    </p:cTn>
+                  </p:par>
+                </p:childTnLst>
+              </p:cTn>
+              <p:prevCondLst>
+                <p:cond evt="onPrev" delay="0">
+                  <p:tgtEl>
+                    <p:sldTgt/>
+                  </p:tgtEl>
+                </p:cond>
+              </p:prevCondLst>
+              <p:nextCondLst>
+                <p:cond evt="onNext" delay="0">
+                  <p:tgtEl>
+                    <p:sldTgt/>
+                  </p:tgtEl>
+                </p:cond>
+              </p:nextCondLst>
+            </p:seq>
+          </p:childTnLst>
+        </p:cTn>
+      </p:par>
+    </p:tnLst>
+    <p:bldLst>
+      <p:bldP spid="5" grpId="0" animBg="1"/>
+      <p:bldP spid="6" grpId="0" animBg="1"/>
+      <p:bldP spid="8" grpId="0" animBg="1"/>
+      <p:bldP spid="9" grpId="0" animBg="1"/>
+      <p:bldP spid="4" grpId="0" animBg="1"/>
+      <p:bldP spid="7" grpId="0" animBg="1"/>
+    </p:bldLst>
+  </p:timing>
 </p:sld>
 </file>
 
-<file path=ppt/slides/slide8.xml><?xml version="1.0" encoding="utf-8"?>
+<file path=ppt/slides/slide9.xml><?xml version="1.0" encoding="utf-8"?>
 <p:sld xmlns:a="http://schemas.openxmlformats.org/drawingml/2006/main" xmlns:r="http://schemas.openxmlformats.org/officeDocument/2006/relationships" xmlns:p="http://schemas.openxmlformats.org/presentationml/2006/main">
   <p:cSld>
     <p:spTree>
@@ -7843,7 +13119,7 @@
           <a:p>
             <a:r>
               <a:rPr lang="vi-VN" dirty="0"/>
-              <a:t>Chức năng chính – Người thuê</a:t>
+              <a:t>3. Xây dựng và thiết kế -  Chức năng chính </a:t>
             </a:r>
             <a:endParaRPr lang="en-US" dirty="0"/>
           </a:p>
@@ -7873,7 +13149,7 @@
             <a:fld id="{9EA0BE3B-158A-4EDF-80DC-E394A0D1600F}" type="slidenum">
               <a:rPr lang="en-US" smtClean="0"/>
               <a:pPr/>
-              <a:t>8</a:t>
+              <a:t>9</a:t>
             </a:fld>
             <a:endParaRPr lang="en-US" dirty="0"/>
           </a:p>
@@ -7943,7 +13219,7 @@
         </p:nvSpPr>
         <p:spPr>
           <a:xfrm>
-            <a:off x="3233530" y="1258957"/>
+            <a:off x="3165056" y="1156565"/>
             <a:ext cx="4731027" cy="369332"/>
           </a:xfrm>
           <a:prstGeom prst="rect">
@@ -7991,7 +13267,7 @@
         </p:nvSpPr>
         <p:spPr>
           <a:xfrm>
-            <a:off x="3233529" y="1895229"/>
+            <a:off x="3233529" y="1744201"/>
             <a:ext cx="5565914" cy="923330"/>
           </a:xfrm>
           <a:prstGeom prst="rect">
@@ -8069,7 +13345,7 @@
         </p:nvSpPr>
         <p:spPr>
           <a:xfrm>
-            <a:off x="142312" y="3414247"/>
+            <a:off x="235077" y="3389764"/>
             <a:ext cx="2557669" cy="369332"/>
           </a:xfrm>
           <a:prstGeom prst="rect">
@@ -8119,7 +13395,7 @@
         </p:nvSpPr>
         <p:spPr>
           <a:xfrm>
-            <a:off x="3233529" y="3461376"/>
+            <a:off x="3233529" y="3003867"/>
             <a:ext cx="4187687" cy="369332"/>
           </a:xfrm>
           <a:prstGeom prst="rect">
@@ -8148,7 +13424,7 @@
           <a:p>
             <a:r>
               <a:rPr lang="vi-VN" dirty="0"/>
-              <a:t>Bình luận , báo cáo </a:t>
+              <a:t>Bình luận bài viết </a:t>
             </a:r>
           </a:p>
         </p:txBody>
@@ -8167,8 +13443,8 @@
         </p:nvSpPr>
         <p:spPr>
           <a:xfrm>
-            <a:off x="142312" y="5190645"/>
-            <a:ext cx="2557669" cy="369332"/>
+            <a:off x="235077" y="5068965"/>
+            <a:ext cx="2557669" cy="646331"/>
           </a:xfrm>
           <a:prstGeom prst="rect">
             <a:avLst/>
@@ -8198,15 +13474,7 @@
           <a:p>
             <a:r>
               <a:rPr lang="vi-VN" dirty="0"/>
-              <a:t>Chỉnh sửa </a:t>
-            </a:r>
-            <a:r>
-              <a:rPr lang="vi-VN" dirty="0" err="1"/>
-              <a:t>profile</a:t>
-            </a:r>
-            <a:r>
-              <a:rPr lang="vi-VN" dirty="0"/>
-              <a:t> </a:t>
+              <a:t>Quản lí  thông tin cá nhân </a:t>
             </a:r>
           </a:p>
         </p:txBody>
@@ -8255,6 +13523,102 @@
             <a:r>
               <a:rPr lang="vi-VN" dirty="0"/>
               <a:t>Chỉnh sửa thông tin cá nhân </a:t>
+            </a:r>
+          </a:p>
+        </p:txBody>
+      </p:sp>
+      <p:sp>
+        <p:nvSpPr>
+          <p:cNvPr id="3" name="Hộp Văn bản 2">
+            <a:extLst>
+              <a:ext uri="{FF2B5EF4-FFF2-40B4-BE49-F238E27FC236}">
+                <a16:creationId xmlns:a16="http://schemas.microsoft.com/office/drawing/2014/main" id="{54323692-DE09-D976-8364-03EFCF87031B}"/>
+              </a:ext>
+            </a:extLst>
+          </p:cNvPr>
+          <p:cNvSpPr txBox="1"/>
+          <p:nvPr/>
+        </p:nvSpPr>
+        <p:spPr>
+          <a:xfrm>
+            <a:off x="3244569" y="3574430"/>
+            <a:ext cx="4187687" cy="369332"/>
+          </a:xfrm>
+          <a:prstGeom prst="rect">
+            <a:avLst/>
+          </a:prstGeom>
+        </p:spPr>
+        <p:style>
+          <a:lnRef idx="1">
+            <a:schemeClr val="accent6"/>
+          </a:lnRef>
+          <a:fillRef idx="3">
+            <a:schemeClr val="accent6"/>
+          </a:fillRef>
+          <a:effectRef idx="2">
+            <a:schemeClr val="accent6"/>
+          </a:effectRef>
+          <a:fontRef idx="minor">
+            <a:schemeClr val="lt1"/>
+          </a:fontRef>
+        </p:style>
+        <p:txBody>
+          <a:bodyPr wrap="square" rtlCol="0">
+            <a:spAutoFit/>
+          </a:bodyPr>
+          <a:lstStyle/>
+          <a:p>
+            <a:r>
+              <a:rPr lang="vi-VN" dirty="0"/>
+              <a:t>Đánh giá bài viết </a:t>
+            </a:r>
+          </a:p>
+        </p:txBody>
+      </p:sp>
+      <p:sp>
+        <p:nvSpPr>
+          <p:cNvPr id="4" name="Hộp Văn bản 3">
+            <a:extLst>
+              <a:ext uri="{FF2B5EF4-FFF2-40B4-BE49-F238E27FC236}">
+                <a16:creationId xmlns:a16="http://schemas.microsoft.com/office/drawing/2014/main" id="{A88C39F4-036A-A1CE-992F-94A4EC4E9865}"/>
+              </a:ext>
+            </a:extLst>
+          </p:cNvPr>
+          <p:cNvSpPr txBox="1"/>
+          <p:nvPr/>
+        </p:nvSpPr>
+        <p:spPr>
+          <a:xfrm>
+            <a:off x="3244569" y="4130573"/>
+            <a:ext cx="4187687" cy="369332"/>
+          </a:xfrm>
+          <a:prstGeom prst="rect">
+            <a:avLst/>
+          </a:prstGeom>
+        </p:spPr>
+        <p:style>
+          <a:lnRef idx="1">
+            <a:schemeClr val="accent6"/>
+          </a:lnRef>
+          <a:fillRef idx="3">
+            <a:schemeClr val="accent6"/>
+          </a:fillRef>
+          <a:effectRef idx="2">
+            <a:schemeClr val="accent6"/>
+          </a:effectRef>
+          <a:fontRef idx="minor">
+            <a:schemeClr val="lt1"/>
+          </a:fontRef>
+        </p:style>
+        <p:txBody>
+          <a:bodyPr wrap="square" rtlCol="0">
+            <a:spAutoFit/>
+          </a:bodyPr>
+          <a:lstStyle/>
+          <a:p>
+            <a:r>
+              <a:rPr lang="vi-VN" dirty="0"/>
+              <a:t>Báo cáo vi phạm </a:t>
             </a:r>
           </a:p>
         </p:txBody>
@@ -8380,7 +13744,7 @@
                             </p:stCondLst>
                             <p:childTnLst>
                               <p:par>
-                                <p:cTn id="13" presetID="2" presetClass="entr" presetSubtype="4" fill="hold" grpId="0" nodeType="clickEffect">
+                                <p:cTn id="13" presetID="1" presetClass="entr" presetSubtype="0" fill="hold" grpId="0" nodeType="clickEffect">
                                   <p:stCondLst>
                                     <p:cond delay="0"/>
                                   </p:stCondLst>
@@ -8388,6 +13752,96 @@
                                     <p:set>
                                       <p:cBhvr>
                                         <p:cTn id="14" dur="1" fill="hold">
+                                          <p:stCondLst>
+                                            <p:cond delay="0"/>
+                                          </p:stCondLst>
+                                        </p:cTn>
+                                        <p:tgtEl>
+                                          <p:spTgt spid="8"/>
+                                        </p:tgtEl>
+                                        <p:attrNameLst>
+                                          <p:attrName>style.visibility</p:attrName>
+                                        </p:attrNameLst>
+                                      </p:cBhvr>
+                                      <p:to>
+                                        <p:strVal val="visible"/>
+                                      </p:to>
+                                    </p:set>
+                                  </p:childTnLst>
+                                </p:cTn>
+                              </p:par>
+                            </p:childTnLst>
+                          </p:cTn>
+                        </p:par>
+                      </p:childTnLst>
+                    </p:cTn>
+                  </p:par>
+                  <p:par>
+                    <p:cTn id="15" fill="hold">
+                      <p:stCondLst>
+                        <p:cond delay="indefinite"/>
+                      </p:stCondLst>
+                      <p:childTnLst>
+                        <p:par>
+                          <p:cTn id="16" fill="hold">
+                            <p:stCondLst>
+                              <p:cond delay="0"/>
+                            </p:stCondLst>
+                            <p:childTnLst>
+                              <p:par>
+                                <p:cTn id="17" presetID="1" presetClass="entr" presetSubtype="0" fill="hold" grpId="0" nodeType="clickEffect">
+                                  <p:stCondLst>
+                                    <p:cond delay="0"/>
+                                  </p:stCondLst>
+                                  <p:childTnLst>
+                                    <p:set>
+                                      <p:cBhvr>
+                                        <p:cTn id="18" dur="1" fill="hold">
+                                          <p:stCondLst>
+                                            <p:cond delay="0"/>
+                                          </p:stCondLst>
+                                        </p:cTn>
+                                        <p:tgtEl>
+                                          <p:spTgt spid="9"/>
+                                        </p:tgtEl>
+                                        <p:attrNameLst>
+                                          <p:attrName>style.visibility</p:attrName>
+                                        </p:attrNameLst>
+                                      </p:cBhvr>
+                                      <p:to>
+                                        <p:strVal val="visible"/>
+                                      </p:to>
+                                    </p:set>
+                                  </p:childTnLst>
+                                </p:cTn>
+                              </p:par>
+                            </p:childTnLst>
+                          </p:cTn>
+                        </p:par>
+                      </p:childTnLst>
+                    </p:cTn>
+                  </p:par>
+                  <p:par>
+                    <p:cTn id="19" fill="hold">
+                      <p:stCondLst>
+                        <p:cond delay="indefinite"/>
+                      </p:stCondLst>
+                      <p:childTnLst>
+                        <p:par>
+                          <p:cTn id="20" fill="hold">
+                            <p:stCondLst>
+                              <p:cond delay="0"/>
+                            </p:stCondLst>
+                            <p:childTnLst>
+                              <p:par>
+                                <p:cTn id="21" presetID="2" presetClass="entr" presetSubtype="4" fill="hold" grpId="0" nodeType="clickEffect">
+                                  <p:stCondLst>
+                                    <p:cond delay="0"/>
+                                  </p:stCondLst>
+                                  <p:childTnLst>
+                                    <p:set>
+                                      <p:cBhvr>
+                                        <p:cTn id="22" dur="1" fill="hold">
                                           <p:stCondLst>
                                             <p:cond delay="0"/>
                                           </p:stCondLst>
@@ -8405,7 +13859,7 @@
                                     </p:set>
                                     <p:anim calcmode="lin" valueType="num">
                                       <p:cBhvr additive="base">
-                                        <p:cTn id="15" dur="500" fill="hold"/>
+                                        <p:cTn id="23" dur="500" fill="hold"/>
                                         <p:tgtEl>
                                           <p:spTgt spid="10"/>
                                         </p:tgtEl>
@@ -8428,7 +13882,7 @@
                                     </p:anim>
                                     <p:anim calcmode="lin" valueType="num">
                                       <p:cBhvr additive="base">
-                                        <p:cTn id="16" dur="500" fill="hold"/>
+                                        <p:cTn id="24" dur="500" fill="hold"/>
                                         <p:tgtEl>
                                           <p:spTgt spid="10"/>
                                         </p:tgtEl>
@@ -8459,26 +13913,208 @@
                     </p:cTn>
                   </p:par>
                   <p:par>
-                    <p:cTn id="17" fill="hold">
+                    <p:cTn id="25" fill="hold">
                       <p:stCondLst>
                         <p:cond delay="indefinite"/>
                       </p:stCondLst>
                       <p:childTnLst>
                         <p:par>
-                          <p:cTn id="18" fill="hold">
+                          <p:cTn id="26" fill="hold">
                             <p:stCondLst>
                               <p:cond delay="0"/>
                             </p:stCondLst>
                             <p:childTnLst>
                               <p:par>
-                                <p:cTn id="19" presetID="2" presetClass="entr" presetSubtype="4" fill="hold" grpId="0" nodeType="clickEffect">
+                                <p:cTn id="27" presetID="2" presetClass="entr" presetSubtype="4" fill="hold" grpId="0" nodeType="clickEffect">
                                   <p:stCondLst>
                                     <p:cond delay="0"/>
                                   </p:stCondLst>
                                   <p:childTnLst>
                                     <p:set>
                                       <p:cBhvr>
-                                        <p:cTn id="20" dur="1" fill="hold">
+                                        <p:cTn id="28" dur="1" fill="hold">
+                                          <p:stCondLst>
+                                            <p:cond delay="0"/>
+                                          </p:stCondLst>
+                                        </p:cTn>
+                                        <p:tgtEl>
+                                          <p:spTgt spid="3"/>
+                                        </p:tgtEl>
+                                        <p:attrNameLst>
+                                          <p:attrName>style.visibility</p:attrName>
+                                        </p:attrNameLst>
+                                      </p:cBhvr>
+                                      <p:to>
+                                        <p:strVal val="visible"/>
+                                      </p:to>
+                                    </p:set>
+                                    <p:anim calcmode="lin" valueType="num">
+                                      <p:cBhvr additive="base">
+                                        <p:cTn id="29" dur="500" fill="hold"/>
+                                        <p:tgtEl>
+                                          <p:spTgt spid="3"/>
+                                        </p:tgtEl>
+                                        <p:attrNameLst>
+                                          <p:attrName>ppt_x</p:attrName>
+                                        </p:attrNameLst>
+                                      </p:cBhvr>
+                                      <p:tavLst>
+                                        <p:tav tm="0">
+                                          <p:val>
+                                            <p:strVal val="#ppt_x"/>
+                                          </p:val>
+                                        </p:tav>
+                                        <p:tav tm="100000">
+                                          <p:val>
+                                            <p:strVal val="#ppt_x"/>
+                                          </p:val>
+                                        </p:tav>
+                                      </p:tavLst>
+                                    </p:anim>
+                                    <p:anim calcmode="lin" valueType="num">
+                                      <p:cBhvr additive="base">
+                                        <p:cTn id="30" dur="500" fill="hold"/>
+                                        <p:tgtEl>
+                                          <p:spTgt spid="3"/>
+                                        </p:tgtEl>
+                                        <p:attrNameLst>
+                                          <p:attrName>ppt_y</p:attrName>
+                                        </p:attrNameLst>
+                                      </p:cBhvr>
+                                      <p:tavLst>
+                                        <p:tav tm="0">
+                                          <p:val>
+                                            <p:strVal val="1+#ppt_h/2"/>
+                                          </p:val>
+                                        </p:tav>
+                                        <p:tav tm="100000">
+                                          <p:val>
+                                            <p:strVal val="#ppt_y"/>
+                                          </p:val>
+                                        </p:tav>
+                                      </p:tavLst>
+                                    </p:anim>
+                                  </p:childTnLst>
+                                </p:cTn>
+                              </p:par>
+                            </p:childTnLst>
+                          </p:cTn>
+                        </p:par>
+                      </p:childTnLst>
+                    </p:cTn>
+                  </p:par>
+                  <p:par>
+                    <p:cTn id="31" fill="hold">
+                      <p:stCondLst>
+                        <p:cond delay="indefinite"/>
+                      </p:stCondLst>
+                      <p:childTnLst>
+                        <p:par>
+                          <p:cTn id="32" fill="hold">
+                            <p:stCondLst>
+                              <p:cond delay="0"/>
+                            </p:stCondLst>
+                            <p:childTnLst>
+                              <p:par>
+                                <p:cTn id="33" presetID="2" presetClass="entr" presetSubtype="4" fill="hold" grpId="0" nodeType="clickEffect">
+                                  <p:stCondLst>
+                                    <p:cond delay="0"/>
+                                  </p:stCondLst>
+                                  <p:childTnLst>
+                                    <p:set>
+                                      <p:cBhvr>
+                                        <p:cTn id="34" dur="1" fill="hold">
+                                          <p:stCondLst>
+                                            <p:cond delay="0"/>
+                                          </p:stCondLst>
+                                        </p:cTn>
+                                        <p:tgtEl>
+                                          <p:spTgt spid="4"/>
+                                        </p:tgtEl>
+                                        <p:attrNameLst>
+                                          <p:attrName>style.visibility</p:attrName>
+                                        </p:attrNameLst>
+                                      </p:cBhvr>
+                                      <p:to>
+                                        <p:strVal val="visible"/>
+                                      </p:to>
+                                    </p:set>
+                                    <p:anim calcmode="lin" valueType="num">
+                                      <p:cBhvr additive="base">
+                                        <p:cTn id="35" dur="500" fill="hold"/>
+                                        <p:tgtEl>
+                                          <p:spTgt spid="4"/>
+                                        </p:tgtEl>
+                                        <p:attrNameLst>
+                                          <p:attrName>ppt_x</p:attrName>
+                                        </p:attrNameLst>
+                                      </p:cBhvr>
+                                      <p:tavLst>
+                                        <p:tav tm="0">
+                                          <p:val>
+                                            <p:strVal val="#ppt_x"/>
+                                          </p:val>
+                                        </p:tav>
+                                        <p:tav tm="100000">
+                                          <p:val>
+                                            <p:strVal val="#ppt_x"/>
+                                          </p:val>
+                                        </p:tav>
+                                      </p:tavLst>
+                                    </p:anim>
+                                    <p:anim calcmode="lin" valueType="num">
+                                      <p:cBhvr additive="base">
+                                        <p:cTn id="36" dur="500" fill="hold"/>
+                                        <p:tgtEl>
+                                          <p:spTgt spid="4"/>
+                                        </p:tgtEl>
+                                        <p:attrNameLst>
+                                          <p:attrName>ppt_y</p:attrName>
+                                        </p:attrNameLst>
+                                      </p:cBhvr>
+                                      <p:tavLst>
+                                        <p:tav tm="0">
+                                          <p:val>
+                                            <p:strVal val="1+#ppt_h/2"/>
+                                          </p:val>
+                                        </p:tav>
+                                        <p:tav tm="100000">
+                                          <p:val>
+                                            <p:strVal val="#ppt_y"/>
+                                          </p:val>
+                                        </p:tav>
+                                      </p:tavLst>
+                                    </p:anim>
+                                  </p:childTnLst>
+                                </p:cTn>
+                              </p:par>
+                            </p:childTnLst>
+                          </p:cTn>
+                        </p:par>
+                      </p:childTnLst>
+                    </p:cTn>
+                  </p:par>
+                  <p:par>
+                    <p:cTn id="37" fill="hold">
+                      <p:stCondLst>
+                        <p:cond delay="indefinite"/>
+                      </p:stCondLst>
+                      <p:childTnLst>
+                        <p:par>
+                          <p:cTn id="38" fill="hold">
+                            <p:stCondLst>
+                              <p:cond delay="0"/>
+                            </p:stCondLst>
+                            <p:childTnLst>
+                              <p:par>
+                                <p:cTn id="39" presetID="2" presetClass="entr" presetSubtype="4" fill="hold" grpId="0" nodeType="clickEffect">
+                                  <p:stCondLst>
+                                    <p:cond delay="0"/>
+                                  </p:stCondLst>
+                                  <p:childTnLst>
+                                    <p:set>
+                                      <p:cBhvr>
+                                        <p:cTn id="40" dur="1" fill="hold">
                                           <p:stCondLst>
                                             <p:cond delay="0"/>
                                           </p:stCondLst>
@@ -8496,7 +14132,7 @@
                                     </p:set>
                                     <p:anim calcmode="lin" valueType="num">
                                       <p:cBhvr additive="base">
-                                        <p:cTn id="21" dur="500" fill="hold"/>
+                                        <p:cTn id="41" dur="500" fill="hold"/>
                                         <p:tgtEl>
                                           <p:spTgt spid="11"/>
                                         </p:tgtEl>
@@ -8519,7 +14155,7 @@
                                     </p:anim>
                                     <p:anim calcmode="lin" valueType="num">
                                       <p:cBhvr additive="base">
-                                        <p:cTn id="22" dur="500" fill="hold"/>
+                                        <p:cTn id="42" dur="500" fill="hold"/>
                                         <p:tgtEl>
                                           <p:spTgt spid="11"/>
                                         </p:tgtEl>
@@ -8550,26 +14186,26 @@
                     </p:cTn>
                   </p:par>
                   <p:par>
-                    <p:cTn id="23" fill="hold">
+                    <p:cTn id="43" fill="hold">
                       <p:stCondLst>
                         <p:cond delay="indefinite"/>
                       </p:stCondLst>
                       <p:childTnLst>
                         <p:par>
-                          <p:cTn id="24" fill="hold">
+                          <p:cTn id="44" fill="hold">
                             <p:stCondLst>
                               <p:cond delay="0"/>
                             </p:stCondLst>
                             <p:childTnLst>
                               <p:par>
-                                <p:cTn id="25" presetID="2" presetClass="entr" presetSubtype="4" fill="hold" nodeType="clickEffect">
+                                <p:cTn id="45" presetID="2" presetClass="entr" presetSubtype="4" fill="hold" nodeType="clickEffect">
                                   <p:stCondLst>
                                     <p:cond delay="0"/>
                                   </p:stCondLst>
                                   <p:childTnLst>
                                     <p:set>
                                       <p:cBhvr>
-                                        <p:cTn id="26" dur="1" fill="hold">
+                                        <p:cTn id="46" dur="1" fill="hold">
                                           <p:stCondLst>
                                             <p:cond delay="0"/>
                                           </p:stCondLst>
@@ -8591,7 +14227,7 @@
                                     </p:set>
                                     <p:anim calcmode="lin" valueType="num">
                                       <p:cBhvr additive="base">
-                                        <p:cTn id="27" dur="500" fill="hold"/>
+                                        <p:cTn id="47" dur="500" fill="hold"/>
                                         <p:tgtEl>
                                           <p:spTgt spid="12">
                                             <p:txEl>
@@ -8618,7 +14254,7 @@
                                     </p:anim>
                                     <p:anim calcmode="lin" valueType="num">
                                       <p:cBhvr additive="base">
-                                        <p:cTn id="28" dur="500" fill="hold"/>
+                                        <p:cTn id="48" dur="500" fill="hold"/>
                                         <p:tgtEl>
                                           <p:spTgt spid="12">
                                             <p:txEl>
@@ -8676,651 +14312,12 @@
     <p:bldLst>
       <p:bldP spid="6" grpId="0" animBg="1"/>
       <p:bldP spid="7" grpId="0" animBg="1"/>
+      <p:bldP spid="8" grpId="0" animBg="1"/>
+      <p:bldP spid="9" grpId="0" animBg="1"/>
       <p:bldP spid="10" grpId="0" animBg="1"/>
       <p:bldP spid="11" grpId="0" animBg="1"/>
-    </p:bldLst>
-  </p:timing>
-</p:sld>
-</file>
-
-<file path=ppt/slides/slide9.xml><?xml version="1.0" encoding="utf-8"?>
-<p:sld xmlns:a="http://schemas.openxmlformats.org/drawingml/2006/main" xmlns:r="http://schemas.openxmlformats.org/officeDocument/2006/relationships" xmlns:p="http://schemas.openxmlformats.org/presentationml/2006/main">
-  <p:cSld>
-    <p:spTree>
-      <p:nvGrpSpPr>
-        <p:cNvPr id="1" name=""/>
-        <p:cNvGrpSpPr/>
-        <p:nvPr/>
-      </p:nvGrpSpPr>
-      <p:grpSpPr>
-        <a:xfrm>
-          <a:off x="0" y="0"/>
-          <a:ext cx="0" cy="0"/>
-          <a:chOff x="0" y="0"/>
-          <a:chExt cx="0" cy="0"/>
-        </a:xfrm>
-      </p:grpSpPr>
-      <p:sp>
-        <p:nvSpPr>
-          <p:cNvPr id="2" name="Title 1">
-            <a:extLst>
-              <a:ext uri="{FF2B5EF4-FFF2-40B4-BE49-F238E27FC236}">
-                <a16:creationId xmlns:a16="http://schemas.microsoft.com/office/drawing/2014/main" id="{87C0747E-B2EF-40FB-817D-1B9698A1DDF7}"/>
-              </a:ext>
-            </a:extLst>
-          </p:cNvPr>
-          <p:cNvSpPr>
-            <a:spLocks noGrp="1"/>
-          </p:cNvSpPr>
-          <p:nvPr>
-            <p:ph type="title"/>
-          </p:nvPr>
-        </p:nvSpPr>
-        <p:spPr/>
-        <p:txBody>
-          <a:bodyPr/>
-          <a:lstStyle/>
-          <a:p>
-            <a:r>
-              <a:rPr lang="vi-VN" dirty="0"/>
-              <a:t>Chức năng chính – Người cho thuê </a:t>
-            </a:r>
-            <a:endParaRPr lang="en-US" dirty="0"/>
-          </a:p>
-        </p:txBody>
-      </p:sp>
-      <p:sp>
-        <p:nvSpPr>
-          <p:cNvPr id="5" name="Slide Number Placeholder 4">
-            <a:extLst>
-              <a:ext uri="{FF2B5EF4-FFF2-40B4-BE49-F238E27FC236}">
-                <a16:creationId xmlns:a16="http://schemas.microsoft.com/office/drawing/2014/main" id="{95F0CAEB-1E37-4136-AF3B-BBA69ACEC6DE}"/>
-              </a:ext>
-            </a:extLst>
-          </p:cNvPr>
-          <p:cNvSpPr>
-            <a:spLocks noGrp="1"/>
-          </p:cNvSpPr>
-          <p:nvPr>
-            <p:ph type="sldNum" sz="quarter" idx="12"/>
-          </p:nvPr>
-        </p:nvSpPr>
-        <p:spPr/>
-        <p:txBody>
-          <a:bodyPr/>
-          <a:lstStyle/>
-          <a:p>
-            <a:fld id="{9EA0BE3B-158A-4EDF-80DC-E394A0D1600F}" type="slidenum">
-              <a:rPr lang="en-US" smtClean="0"/>
-              <a:pPr/>
-              <a:t>9</a:t>
-            </a:fld>
-            <a:endParaRPr lang="en-US" dirty="0"/>
-          </a:p>
-        </p:txBody>
-      </p:sp>
-      <p:sp>
-        <p:nvSpPr>
-          <p:cNvPr id="6" name="Hộp Văn bản 5">
-            <a:extLst>
-              <a:ext uri="{FF2B5EF4-FFF2-40B4-BE49-F238E27FC236}">
-                <a16:creationId xmlns:a16="http://schemas.microsoft.com/office/drawing/2014/main" id="{A7B3C164-CB1B-DF17-ED30-05ECFD500EBE}"/>
-              </a:ext>
-            </a:extLst>
-          </p:cNvPr>
-          <p:cNvSpPr txBox="1"/>
-          <p:nvPr/>
-        </p:nvSpPr>
-        <p:spPr>
-          <a:xfrm>
-            <a:off x="235077" y="1510748"/>
-            <a:ext cx="2958697" cy="369332"/>
-          </a:xfrm>
-          <a:prstGeom prst="rect">
-            <a:avLst/>
-          </a:prstGeom>
-        </p:spPr>
-        <p:style>
-          <a:lnRef idx="2">
-            <a:schemeClr val="accent1">
-              <a:shade val="15000"/>
-            </a:schemeClr>
-          </a:lnRef>
-          <a:fillRef idx="1">
-            <a:schemeClr val="accent1"/>
-          </a:fillRef>
-          <a:effectRef idx="0">
-            <a:schemeClr val="accent1"/>
-          </a:effectRef>
-          <a:fontRef idx="minor">
-            <a:schemeClr val="lt1"/>
-          </a:fontRef>
-        </p:style>
-        <p:txBody>
-          <a:bodyPr wrap="square" rtlCol="0">
-            <a:spAutoFit/>
-          </a:bodyPr>
-          <a:lstStyle/>
-          <a:p>
-            <a:r>
-              <a:rPr lang="vi-VN" dirty="0"/>
-              <a:t>Quản lí phòng cho thuê </a:t>
-            </a:r>
-          </a:p>
-        </p:txBody>
-      </p:sp>
-      <p:sp>
-        <p:nvSpPr>
-          <p:cNvPr id="7" name="Hộp Văn bản 6">
-            <a:extLst>
-              <a:ext uri="{FF2B5EF4-FFF2-40B4-BE49-F238E27FC236}">
-                <a16:creationId xmlns:a16="http://schemas.microsoft.com/office/drawing/2014/main" id="{BBF1D64C-38D1-6059-6EF0-569CDC60E13C}"/>
-              </a:ext>
-            </a:extLst>
-          </p:cNvPr>
-          <p:cNvSpPr txBox="1"/>
-          <p:nvPr/>
-        </p:nvSpPr>
-        <p:spPr>
-          <a:xfrm>
-            <a:off x="115808" y="3885831"/>
-            <a:ext cx="2958697" cy="369332"/>
-          </a:xfrm>
-          <a:prstGeom prst="rect">
-            <a:avLst/>
-          </a:prstGeom>
-        </p:spPr>
-        <p:style>
-          <a:lnRef idx="1">
-            <a:schemeClr val="accent1"/>
-          </a:lnRef>
-          <a:fillRef idx="3">
-            <a:schemeClr val="accent1"/>
-          </a:fillRef>
-          <a:effectRef idx="2">
-            <a:schemeClr val="accent1"/>
-          </a:effectRef>
-          <a:fontRef idx="minor">
-            <a:schemeClr val="lt1"/>
-          </a:fontRef>
-        </p:style>
-        <p:txBody>
-          <a:bodyPr wrap="square" rtlCol="0">
-            <a:spAutoFit/>
-          </a:bodyPr>
-          <a:lstStyle/>
-          <a:p>
-            <a:r>
-              <a:rPr lang="vi-VN" dirty="0"/>
-              <a:t>Đăng tin cho thuê </a:t>
-            </a:r>
-          </a:p>
-        </p:txBody>
-      </p:sp>
-      <p:sp>
-        <p:nvSpPr>
-          <p:cNvPr id="8" name="Hộp Văn bản 7">
-            <a:extLst>
-              <a:ext uri="{FF2B5EF4-FFF2-40B4-BE49-F238E27FC236}">
-                <a16:creationId xmlns:a16="http://schemas.microsoft.com/office/drawing/2014/main" id="{FFBC10CE-1F38-8A02-BEEA-2BA2D59EF5AD}"/>
-              </a:ext>
-            </a:extLst>
-          </p:cNvPr>
-          <p:cNvSpPr txBox="1"/>
-          <p:nvPr/>
-        </p:nvSpPr>
-        <p:spPr>
-          <a:xfrm>
-            <a:off x="3581402" y="3242344"/>
-            <a:ext cx="3313043" cy="373311"/>
-          </a:xfrm>
-          <a:prstGeom prst="rect">
-            <a:avLst/>
-          </a:prstGeom>
-        </p:spPr>
-        <p:style>
-          <a:lnRef idx="3">
-            <a:schemeClr val="lt1"/>
-          </a:lnRef>
-          <a:fillRef idx="1">
-            <a:schemeClr val="accent4"/>
-          </a:fillRef>
-          <a:effectRef idx="1">
-            <a:schemeClr val="accent4"/>
-          </a:effectRef>
-          <a:fontRef idx="minor">
-            <a:schemeClr val="lt1"/>
-          </a:fontRef>
-        </p:style>
-        <p:txBody>
-          <a:bodyPr wrap="square" rtlCol="0">
-            <a:spAutoFit/>
-          </a:bodyPr>
-          <a:lstStyle/>
-          <a:p>
-            <a:r>
-              <a:rPr lang="vi-VN" dirty="0"/>
-              <a:t>Cho thuê mặt bằng </a:t>
-            </a:r>
-          </a:p>
-        </p:txBody>
-      </p:sp>
-      <p:sp>
-        <p:nvSpPr>
-          <p:cNvPr id="9" name="Hộp Văn bản 8">
-            <a:extLst>
-              <a:ext uri="{FF2B5EF4-FFF2-40B4-BE49-F238E27FC236}">
-                <a16:creationId xmlns:a16="http://schemas.microsoft.com/office/drawing/2014/main" id="{AEAB866F-4417-055B-F626-FAA32F56D543}"/>
-              </a:ext>
-            </a:extLst>
-          </p:cNvPr>
-          <p:cNvSpPr txBox="1"/>
-          <p:nvPr/>
-        </p:nvSpPr>
-        <p:spPr>
-          <a:xfrm>
-            <a:off x="3621158" y="3857077"/>
-            <a:ext cx="3246225" cy="373311"/>
-          </a:xfrm>
-          <a:prstGeom prst="rect">
-            <a:avLst/>
-          </a:prstGeom>
-        </p:spPr>
-        <p:style>
-          <a:lnRef idx="3">
-            <a:schemeClr val="lt1"/>
-          </a:lnRef>
-          <a:fillRef idx="1">
-            <a:schemeClr val="accent4"/>
-          </a:fillRef>
-          <a:effectRef idx="1">
-            <a:schemeClr val="accent4"/>
-          </a:effectRef>
-          <a:fontRef idx="minor">
-            <a:schemeClr val="lt1"/>
-          </a:fontRef>
-        </p:style>
-        <p:txBody>
-          <a:bodyPr wrap="square" rtlCol="0">
-            <a:spAutoFit/>
-          </a:bodyPr>
-          <a:lstStyle/>
-          <a:p>
-            <a:r>
-              <a:rPr lang="vi-VN" dirty="0"/>
-              <a:t>Cho thuê căn hộ </a:t>
-            </a:r>
-          </a:p>
-        </p:txBody>
-      </p:sp>
-      <p:sp>
-        <p:nvSpPr>
-          <p:cNvPr id="10" name="Hộp Văn bản 9">
-            <a:extLst>
-              <a:ext uri="{FF2B5EF4-FFF2-40B4-BE49-F238E27FC236}">
-                <a16:creationId xmlns:a16="http://schemas.microsoft.com/office/drawing/2014/main" id="{BB50B554-3585-356F-0A00-4CD5381964D4}"/>
-              </a:ext>
-            </a:extLst>
-          </p:cNvPr>
-          <p:cNvSpPr txBox="1"/>
-          <p:nvPr/>
-        </p:nvSpPr>
-        <p:spPr>
-          <a:xfrm>
-            <a:off x="3621157" y="4614744"/>
-            <a:ext cx="3273287" cy="369332"/>
-          </a:xfrm>
-          <a:prstGeom prst="rect">
-            <a:avLst/>
-          </a:prstGeom>
-        </p:spPr>
-        <p:style>
-          <a:lnRef idx="3">
-            <a:schemeClr val="lt1"/>
-          </a:lnRef>
-          <a:fillRef idx="1">
-            <a:schemeClr val="accent4"/>
-          </a:fillRef>
-          <a:effectRef idx="1">
-            <a:schemeClr val="accent4"/>
-          </a:effectRef>
-          <a:fontRef idx="minor">
-            <a:schemeClr val="lt1"/>
-          </a:fontRef>
-        </p:style>
-        <p:txBody>
-          <a:bodyPr wrap="square" rtlCol="0">
-            <a:spAutoFit/>
-          </a:bodyPr>
-          <a:lstStyle/>
-          <a:p>
-            <a:r>
-              <a:rPr lang="vi-VN" dirty="0"/>
-              <a:t>Cho thuê phòng trọ</a:t>
-            </a:r>
-          </a:p>
-        </p:txBody>
-      </p:sp>
-      <p:sp>
-        <p:nvSpPr>
-          <p:cNvPr id="11" name="Hộp Văn bản 10">
-            <a:extLst>
-              <a:ext uri="{FF2B5EF4-FFF2-40B4-BE49-F238E27FC236}">
-                <a16:creationId xmlns:a16="http://schemas.microsoft.com/office/drawing/2014/main" id="{E6A5B186-B551-811F-AAE7-AB55D94EAA78}"/>
-              </a:ext>
-            </a:extLst>
-          </p:cNvPr>
-          <p:cNvSpPr txBox="1"/>
-          <p:nvPr/>
-        </p:nvSpPr>
-        <p:spPr>
-          <a:xfrm>
-            <a:off x="3975652" y="1245704"/>
-            <a:ext cx="2782957" cy="369332"/>
-          </a:xfrm>
-          <a:prstGeom prst="rect">
-            <a:avLst/>
-          </a:prstGeom>
-        </p:spPr>
-        <p:style>
-          <a:lnRef idx="3">
-            <a:schemeClr val="lt1"/>
-          </a:lnRef>
-          <a:fillRef idx="1">
-            <a:schemeClr val="accent4"/>
-          </a:fillRef>
-          <a:effectRef idx="1">
-            <a:schemeClr val="accent4"/>
-          </a:effectRef>
-          <a:fontRef idx="minor">
-            <a:schemeClr val="lt1"/>
-          </a:fontRef>
-        </p:style>
-        <p:txBody>
-          <a:bodyPr wrap="square" rtlCol="0">
-            <a:spAutoFit/>
-          </a:bodyPr>
-          <a:lstStyle/>
-          <a:p>
-            <a:r>
-              <a:rPr lang="vi-VN" dirty="0"/>
-              <a:t>Trạng thái phòng </a:t>
-            </a:r>
-          </a:p>
-        </p:txBody>
-      </p:sp>
-      <p:sp>
-        <p:nvSpPr>
-          <p:cNvPr id="12" name="Hộp Văn bản 11">
-            <a:extLst>
-              <a:ext uri="{FF2B5EF4-FFF2-40B4-BE49-F238E27FC236}">
-                <a16:creationId xmlns:a16="http://schemas.microsoft.com/office/drawing/2014/main" id="{E0C049D1-6D9A-19D6-8EB3-2E60095DB317}"/>
-              </a:ext>
-            </a:extLst>
-          </p:cNvPr>
-          <p:cNvSpPr txBox="1"/>
-          <p:nvPr/>
-        </p:nvSpPr>
-        <p:spPr>
-          <a:xfrm>
-            <a:off x="3975652" y="1923537"/>
-            <a:ext cx="2782957" cy="369332"/>
-          </a:xfrm>
-          <a:prstGeom prst="rect">
-            <a:avLst/>
-          </a:prstGeom>
-        </p:spPr>
-        <p:style>
-          <a:lnRef idx="3">
-            <a:schemeClr val="lt1"/>
-          </a:lnRef>
-          <a:fillRef idx="1">
-            <a:schemeClr val="accent4"/>
-          </a:fillRef>
-          <a:effectRef idx="1">
-            <a:schemeClr val="accent4"/>
-          </a:effectRef>
-          <a:fontRef idx="minor">
-            <a:schemeClr val="lt1"/>
-          </a:fontRef>
-        </p:style>
-        <p:txBody>
-          <a:bodyPr wrap="square" rtlCol="0">
-            <a:spAutoFit/>
-          </a:bodyPr>
-          <a:lstStyle/>
-          <a:p>
-            <a:r>
-              <a:rPr lang="vi-VN" dirty="0"/>
-              <a:t>Chỉnh sửa thông tin </a:t>
-            </a:r>
-          </a:p>
-        </p:txBody>
-      </p:sp>
-    </p:spTree>
-    <p:extLst>
-      <p:ext uri="{BB962C8B-B14F-4D97-AF65-F5344CB8AC3E}">
-        <p14:creationId xmlns:p14="http://schemas.microsoft.com/office/powerpoint/2010/main" val="4252896376"/>
-      </p:ext>
-    </p:extLst>
-  </p:cSld>
-  <p:clrMapOvr>
-    <a:masterClrMapping/>
-  </p:clrMapOvr>
-  <p:timing>
-    <p:tnLst>
-      <p:par>
-        <p:cTn id="1" dur="indefinite" restart="never" nodeType="tmRoot">
-          <p:childTnLst>
-            <p:seq concurrent="1" nextAc="seek">
-              <p:cTn id="2" dur="indefinite" nodeType="mainSeq">
-                <p:childTnLst>
-                  <p:par>
-                    <p:cTn id="3" fill="hold">
-                      <p:stCondLst>
-                        <p:cond delay="indefinite"/>
-                      </p:stCondLst>
-                      <p:childTnLst>
-                        <p:par>
-                          <p:cTn id="4" fill="hold">
-                            <p:stCondLst>
-                              <p:cond delay="0"/>
-                            </p:stCondLst>
-                            <p:childTnLst>
-                              <p:par>
-                                <p:cTn id="5" presetID="2" presetClass="entr" presetSubtype="4" fill="hold" grpId="0" nodeType="clickEffect">
-                                  <p:stCondLst>
-                                    <p:cond delay="0"/>
-                                  </p:stCondLst>
-                                  <p:childTnLst>
-                                    <p:set>
-                                      <p:cBhvr>
-                                        <p:cTn id="6" dur="1" fill="hold">
-                                          <p:stCondLst>
-                                            <p:cond delay="0"/>
-                                          </p:stCondLst>
-                                        </p:cTn>
-                                        <p:tgtEl>
-                                          <p:spTgt spid="6"/>
-                                        </p:tgtEl>
-                                        <p:attrNameLst>
-                                          <p:attrName>style.visibility</p:attrName>
-                                        </p:attrNameLst>
-                                      </p:cBhvr>
-                                      <p:to>
-                                        <p:strVal val="visible"/>
-                                      </p:to>
-                                    </p:set>
-                                    <p:anim calcmode="lin" valueType="num">
-                                      <p:cBhvr additive="base">
-                                        <p:cTn id="7" dur="500" fill="hold"/>
-                                        <p:tgtEl>
-                                          <p:spTgt spid="6"/>
-                                        </p:tgtEl>
-                                        <p:attrNameLst>
-                                          <p:attrName>ppt_x</p:attrName>
-                                        </p:attrNameLst>
-                                      </p:cBhvr>
-                                      <p:tavLst>
-                                        <p:tav tm="0">
-                                          <p:val>
-                                            <p:strVal val="#ppt_x"/>
-                                          </p:val>
-                                        </p:tav>
-                                        <p:tav tm="100000">
-                                          <p:val>
-                                            <p:strVal val="#ppt_x"/>
-                                          </p:val>
-                                        </p:tav>
-                                      </p:tavLst>
-                                    </p:anim>
-                                    <p:anim calcmode="lin" valueType="num">
-                                      <p:cBhvr additive="base">
-                                        <p:cTn id="8" dur="500" fill="hold"/>
-                                        <p:tgtEl>
-                                          <p:spTgt spid="6"/>
-                                        </p:tgtEl>
-                                        <p:attrNameLst>
-                                          <p:attrName>ppt_y</p:attrName>
-                                        </p:attrNameLst>
-                                      </p:cBhvr>
-                                      <p:tavLst>
-                                        <p:tav tm="0">
-                                          <p:val>
-                                            <p:strVal val="1+#ppt_h/2"/>
-                                          </p:val>
-                                        </p:tav>
-                                        <p:tav tm="100000">
-                                          <p:val>
-                                            <p:strVal val="#ppt_y"/>
-                                          </p:val>
-                                        </p:tav>
-                                      </p:tavLst>
-                                    </p:anim>
-                                  </p:childTnLst>
-                                </p:cTn>
-                              </p:par>
-                            </p:childTnLst>
-                          </p:cTn>
-                        </p:par>
-                      </p:childTnLst>
-                    </p:cTn>
-                  </p:par>
-                  <p:par>
-                    <p:cTn id="9" fill="hold">
-                      <p:stCondLst>
-                        <p:cond delay="indefinite"/>
-                      </p:stCondLst>
-                      <p:childTnLst>
-                        <p:par>
-                          <p:cTn id="10" fill="hold">
-                            <p:stCondLst>
-                              <p:cond delay="0"/>
-                            </p:stCondLst>
-                            <p:childTnLst>
-                              <p:par>
-                                <p:cTn id="11" presetID="2" presetClass="entr" presetSubtype="4" fill="hold" grpId="0" nodeType="clickEffect">
-                                  <p:stCondLst>
-                                    <p:cond delay="0"/>
-                                  </p:stCondLst>
-                                  <p:childTnLst>
-                                    <p:set>
-                                      <p:cBhvr>
-                                        <p:cTn id="12" dur="1" fill="hold">
-                                          <p:stCondLst>
-                                            <p:cond delay="0"/>
-                                          </p:stCondLst>
-                                        </p:cTn>
-                                        <p:tgtEl>
-                                          <p:spTgt spid="7"/>
-                                        </p:tgtEl>
-                                        <p:attrNameLst>
-                                          <p:attrName>style.visibility</p:attrName>
-                                        </p:attrNameLst>
-                                      </p:cBhvr>
-                                      <p:to>
-                                        <p:strVal val="visible"/>
-                                      </p:to>
-                                    </p:set>
-                                    <p:anim calcmode="lin" valueType="num">
-                                      <p:cBhvr additive="base">
-                                        <p:cTn id="13" dur="500" fill="hold"/>
-                                        <p:tgtEl>
-                                          <p:spTgt spid="7"/>
-                                        </p:tgtEl>
-                                        <p:attrNameLst>
-                                          <p:attrName>ppt_x</p:attrName>
-                                        </p:attrNameLst>
-                                      </p:cBhvr>
-                                      <p:tavLst>
-                                        <p:tav tm="0">
-                                          <p:val>
-                                            <p:strVal val="#ppt_x"/>
-                                          </p:val>
-                                        </p:tav>
-                                        <p:tav tm="100000">
-                                          <p:val>
-                                            <p:strVal val="#ppt_x"/>
-                                          </p:val>
-                                        </p:tav>
-                                      </p:tavLst>
-                                    </p:anim>
-                                    <p:anim calcmode="lin" valueType="num">
-                                      <p:cBhvr additive="base">
-                                        <p:cTn id="14" dur="500" fill="hold"/>
-                                        <p:tgtEl>
-                                          <p:spTgt spid="7"/>
-                                        </p:tgtEl>
-                                        <p:attrNameLst>
-                                          <p:attrName>ppt_y</p:attrName>
-                                        </p:attrNameLst>
-                                      </p:cBhvr>
-                                      <p:tavLst>
-                                        <p:tav tm="0">
-                                          <p:val>
-                                            <p:strVal val="1+#ppt_h/2"/>
-                                          </p:val>
-                                        </p:tav>
-                                        <p:tav tm="100000">
-                                          <p:val>
-                                            <p:strVal val="#ppt_y"/>
-                                          </p:val>
-                                        </p:tav>
-                                      </p:tavLst>
-                                    </p:anim>
-                                  </p:childTnLst>
-                                </p:cTn>
-                              </p:par>
-                            </p:childTnLst>
-                          </p:cTn>
-                        </p:par>
-                      </p:childTnLst>
-                    </p:cTn>
-                  </p:par>
-                </p:childTnLst>
-              </p:cTn>
-              <p:prevCondLst>
-                <p:cond evt="onPrev" delay="0">
-                  <p:tgtEl>
-                    <p:sldTgt/>
-                  </p:tgtEl>
-                </p:cond>
-              </p:prevCondLst>
-              <p:nextCondLst>
-                <p:cond evt="onNext" delay="0">
-                  <p:tgtEl>
-                    <p:sldTgt/>
-                  </p:tgtEl>
-                </p:cond>
-              </p:nextCondLst>
-            </p:seq>
-          </p:childTnLst>
-        </p:cTn>
-      </p:par>
-    </p:tnLst>
-    <p:bldLst>
-      <p:bldP spid="6" grpId="0" animBg="1"/>
-      <p:bldP spid="7" grpId="0" animBg="1"/>
+      <p:bldP spid="3" grpId="0" animBg="1"/>
+      <p:bldP spid="4" grpId="0" animBg="1"/>
     </p:bldLst>
   </p:timing>
 </p:sld>
